--- a/Documentation/MSc Research Project Presentation.pptx
+++ b/Documentation/MSc Research Project Presentation.pptx
@@ -4608,10 +4608,10 @@
       </p:grpSpPr>
       <p:sp useBgFill="1">
         <p:nvSpPr>
-          <p:cNvPr id="30" name="Rectangle 29">
-            <a:extLst>
-              <a:ext uri="{FF2B5EF4-FFF2-40B4-BE49-F238E27FC236}">
-                <a16:creationId xmlns:a16="http://schemas.microsoft.com/office/drawing/2014/main" id="{3D114A9A-4793-46BB-A53C-E46E98554A76}"/>
+          <p:cNvPr id="43" name="Rectangle 42">
+            <a:extLst>
+              <a:ext uri="{FF2B5EF4-FFF2-40B4-BE49-F238E27FC236}">
+                <a16:creationId xmlns:a16="http://schemas.microsoft.com/office/drawing/2014/main" id="{53B475F8-50AE-46A0-9943-B2B63183D50C}"/>
               </a:ext>
               <a:ext uri="{C183D7F6-B498-43B3-948B-1728B52AA6E4}">
                 <adec:decorative xmlns:adec="http://schemas.microsoft.com/office/drawing/2017/decorative" val="1"/>
@@ -4631,7 +4631,7 @@
         </p:nvSpPr>
         <p:spPr>
           <a:xfrm>
-            <a:off x="-1" y="0"/>
+            <a:off x="0" y="0"/>
             <a:ext cx="12188952" cy="6858000"/>
           </a:xfrm>
           <a:prstGeom prst="rect">
@@ -4668,10 +4668,75 @@
       </p:sp>
       <p:sp>
         <p:nvSpPr>
-          <p:cNvPr id="32" name="Rectangle 31">
-            <a:extLst>
-              <a:ext uri="{FF2B5EF4-FFF2-40B4-BE49-F238E27FC236}">
-                <a16:creationId xmlns:a16="http://schemas.microsoft.com/office/drawing/2014/main" id="{B194B217-6061-4232-9B8A-7CF4AB7F7231}"/>
+          <p:cNvPr id="2" name="Title 1">
+            <a:extLst>
+              <a:ext uri="{FF2B5EF4-FFF2-40B4-BE49-F238E27FC236}">
+                <a16:creationId xmlns:a16="http://schemas.microsoft.com/office/drawing/2014/main" id="{D0E47A7F-6E3A-4EBD-B2ED-E082FD32725D}"/>
+              </a:ext>
+            </a:extLst>
+          </p:cNvPr>
+          <p:cNvSpPr>
+            <a:spLocks noGrp="1"/>
+          </p:cNvSpPr>
+          <p:nvPr>
+            <p:ph type="title"/>
+          </p:nvPr>
+        </p:nvSpPr>
+        <p:spPr>
+          <a:xfrm>
+            <a:off x="612648" y="365125"/>
+            <a:ext cx="6986015" cy="1776484"/>
+          </a:xfrm>
+        </p:spPr>
+        <p:txBody>
+          <a:bodyPr vert="horz" lIns="91440" tIns="45720" rIns="91440" bIns="45720" rtlCol="0" anchor="b">
+            <a:normAutofit/>
+          </a:bodyPr>
+          <a:lstStyle/>
+          <a:p>
+            <a:r>
+              <a:rPr lang="en-US" sz="5400"/>
+              <a:t>Analysis: Neural Networks</a:t>
+            </a:r>
+          </a:p>
+        </p:txBody>
+      </p:sp>
+      <p:pic>
+        <p:nvPicPr>
+          <p:cNvPr id="17" name="Content Placeholder 4">
+            <a:extLst>
+              <a:ext uri="{FF2B5EF4-FFF2-40B4-BE49-F238E27FC236}">
+                <a16:creationId xmlns:a16="http://schemas.microsoft.com/office/drawing/2014/main" id="{A748A249-3026-4B63-90EB-0E96942FCC1D}"/>
+              </a:ext>
+            </a:extLst>
+          </p:cNvPr>
+          <p:cNvPicPr>
+            <a:picLocks noChangeAspect="1"/>
+          </p:cNvPicPr>
+          <p:nvPr/>
+        </p:nvPicPr>
+        <p:blipFill>
+          <a:blip r:embed="rId2"/>
+          <a:stretch>
+            <a:fillRect/>
+          </a:stretch>
+        </p:blipFill>
+        <p:spPr>
+          <a:xfrm>
+            <a:off x="612648" y="2628042"/>
+            <a:ext cx="6114024" cy="672541"/>
+          </a:xfrm>
+          <a:prstGeom prst="rect">
+            <a:avLst/>
+          </a:prstGeom>
+        </p:spPr>
+      </p:pic>
+      <p:sp>
+        <p:nvSpPr>
+          <p:cNvPr id="45" name="sketch line">
+            <a:extLst>
+              <a:ext uri="{FF2B5EF4-FFF2-40B4-BE49-F238E27FC236}">
+                <a16:creationId xmlns:a16="http://schemas.microsoft.com/office/drawing/2014/main" id="{75F6FDB4-2351-48C2-A863-2364A02343C0}"/>
               </a:ext>
               <a:ext uri="{C183D7F6-B498-43B3-948B-1728B52AA6E4}">
                 <adec:decorative xmlns:adec="http://schemas.microsoft.com/office/drawing/2017/decorative" val="1"/>
@@ -4690,148 +4755,298 @@
           </p:nvPr>
         </p:nvSpPr>
         <p:spPr>
-          <a:xfrm rot="10800000">
-            <a:off x="2133600" y="685800"/>
-            <a:ext cx="10058400" cy="5486400"/>
+          <a:xfrm>
+            <a:off x="838200" y="2315691"/>
+            <a:ext cx="4343400" cy="18288"/>
           </a:xfrm>
-          <a:prstGeom prst="rect">
+          <a:custGeom>
             <a:avLst/>
-          </a:prstGeom>
-          <a:solidFill>
-            <a:schemeClr val="bg1">
-              <a:lumMod val="95000"/>
-            </a:schemeClr>
-          </a:solidFill>
-          <a:ln w="25400" cap="flat">
-            <a:noFill/>
-            <a:prstDash val="solid"/>
-            <a:round/>
-          </a:ln>
-          <a:effectLst/>
-          <a:sp3d/>
-        </p:spPr>
-        <p:style>
-          <a:lnRef idx="0">
-            <a:scrgbClr r="0" g="0" b="0"/>
-          </a:lnRef>
-          <a:fillRef idx="0">
-            <a:scrgbClr r="0" g="0" b="0"/>
-          </a:fillRef>
-          <a:effectRef idx="0">
-            <a:scrgbClr r="0" g="0" b="0"/>
-          </a:effectRef>
-          <a:fontRef idx="none"/>
-        </p:style>
-        <p:txBody>
-          <a:bodyPr rot="0" spcFirstLastPara="1" vertOverflow="overflow" horzOverflow="overflow" vert="horz" wrap="square" lIns="0" tIns="0" rIns="0" bIns="0" numCol="1" spcCol="38100" rtlCol="0" anchor="ctr">
-            <a:spAutoFit/>
-          </a:bodyPr>
-          <a:lstStyle/>
-          <a:p>
-            <a:pPr marL="0" marR="0" indent="0" algn="ctr" defTabSz="825500" rtl="0" fontAlgn="auto" latinLnBrk="0" hangingPunct="0">
-              <a:lnSpc>
-                <a:spcPct val="100000"/>
-              </a:lnSpc>
-              <a:spcBef>
-                <a:spcPts val="0"/>
-              </a:spcBef>
-              <a:spcAft>
-                <a:spcPts val="0"/>
-              </a:spcAft>
-              <a:buClrTx/>
-              <a:buSzTx/>
-              <a:buFontTx/>
-              <a:buNone/>
-              <a:tabLst/>
-            </a:pPr>
-            <a:endParaRPr kumimoji="0" lang="en-US" sz="3000" b="0" i="0" u="none" strike="noStrike" cap="none" spc="0" normalizeH="0" baseline="0" dirty="0">
-              <a:ln>
-                <a:noFill/>
-              </a:ln>
-              <a:solidFill>
-                <a:srgbClr val="000000"/>
-              </a:solidFill>
-              <a:effectLst/>
-              <a:uFillTx/>
-              <a:latin typeface="Helvetica Neue Medium"/>
-              <a:ea typeface="Helvetica Neue Medium"/>
-              <a:cs typeface="Helvetica Neue Medium"/>
-              <a:sym typeface="Helvetica Neue Medium"/>
-            </a:endParaRPr>
-          </a:p>
-        </p:txBody>
-      </p:sp>
-      <p:sp>
-        <p:nvSpPr>
-          <p:cNvPr id="2" name="Title 1">
-            <a:extLst>
-              <a:ext uri="{FF2B5EF4-FFF2-40B4-BE49-F238E27FC236}">
-                <a16:creationId xmlns:a16="http://schemas.microsoft.com/office/drawing/2014/main" id="{D0E47A7F-6E3A-4EBD-B2ED-E082FD32725D}"/>
-              </a:ext>
-            </a:extLst>
-          </p:cNvPr>
-          <p:cNvSpPr>
-            <a:spLocks noGrp="1"/>
-          </p:cNvSpPr>
-          <p:nvPr>
-            <p:ph type="title"/>
-          </p:nvPr>
-        </p:nvSpPr>
-        <p:spPr>
-          <a:xfrm>
-            <a:off x="1463040" y="683561"/>
-            <a:ext cx="5981814" cy="2266015"/>
-          </a:xfrm>
-        </p:spPr>
-        <p:txBody>
-          <a:bodyPr vert="horz" lIns="91440" tIns="45720" rIns="91440" bIns="45720" rtlCol="0" anchor="t">
-            <a:normAutofit/>
-          </a:bodyPr>
-          <a:lstStyle/>
-          <a:p>
-            <a:r>
-              <a:rPr lang="en-US" sz="5000"/>
-              <a:t>Analysis: Neural Networks</a:t>
-            </a:r>
-          </a:p>
-        </p:txBody>
-      </p:sp>
-      <p:sp>
-        <p:nvSpPr>
-          <p:cNvPr id="34" name="Rectangle 33">
-            <a:extLst>
-              <a:ext uri="{FF2B5EF4-FFF2-40B4-BE49-F238E27FC236}">
-                <a16:creationId xmlns:a16="http://schemas.microsoft.com/office/drawing/2014/main" id="{2FCEB626-6AB9-45A4-964E-1178CE45D186}"/>
-              </a:ext>
-              <a:ext uri="{C183D7F6-B498-43B3-948B-1728B52AA6E4}">
-                <adec:decorative xmlns:adec="http://schemas.microsoft.com/office/drawing/2017/decorative" val="1"/>
-              </a:ext>
-            </a:extLst>
-          </p:cNvPr>
-          <p:cNvSpPr>
-            <a:spLocks noGrp="1" noRot="1" noChangeAspect="1" noMove="1" noResize="1" noEditPoints="1" noAdjustHandles="1" noChangeArrowheads="1" noChangeShapeType="1" noTextEdit="1"/>
-          </p:cNvSpPr>
-          <p:nvPr>
-            <p:extLst>
-              <p:ext uri="{386F3935-93C4-4BCD-93E2-E3B085C9AB24}">
-                <p16:designElem xmlns:p16="http://schemas.microsoft.com/office/powerpoint/2015/main" val="1"/>
-              </p:ext>
-            </p:extLst>
-          </p:nvPr>
-        </p:nvSpPr>
-        <p:spPr>
-          <a:xfrm>
-            <a:off x="1159764" y="685797"/>
-            <a:ext cx="118872" cy="1550455"/>
-          </a:xfrm>
-          <a:prstGeom prst="rect">
-            <a:avLst/>
-          </a:prstGeom>
+            <a:gdLst>
+              <a:gd name="connsiteX0" fmla="*/ 0 w 4343400"/>
+              <a:gd name="connsiteY0" fmla="*/ 0 h 18288"/>
+              <a:gd name="connsiteX1" fmla="*/ 577052 w 4343400"/>
+              <a:gd name="connsiteY1" fmla="*/ 0 h 18288"/>
+              <a:gd name="connsiteX2" fmla="*/ 1067235 w 4343400"/>
+              <a:gd name="connsiteY2" fmla="*/ 0 h 18288"/>
+              <a:gd name="connsiteX3" fmla="*/ 1600853 w 4343400"/>
+              <a:gd name="connsiteY3" fmla="*/ 0 h 18288"/>
+              <a:gd name="connsiteX4" fmla="*/ 2264773 w 4343400"/>
+              <a:gd name="connsiteY4" fmla="*/ 0 h 18288"/>
+              <a:gd name="connsiteX5" fmla="*/ 2841825 w 4343400"/>
+              <a:gd name="connsiteY5" fmla="*/ 0 h 18288"/>
+              <a:gd name="connsiteX6" fmla="*/ 3375442 w 4343400"/>
+              <a:gd name="connsiteY6" fmla="*/ 0 h 18288"/>
+              <a:gd name="connsiteX7" fmla="*/ 4343400 w 4343400"/>
+              <a:gd name="connsiteY7" fmla="*/ 0 h 18288"/>
+              <a:gd name="connsiteX8" fmla="*/ 4343400 w 4343400"/>
+              <a:gd name="connsiteY8" fmla="*/ 18288 h 18288"/>
+              <a:gd name="connsiteX9" fmla="*/ 3722914 w 4343400"/>
+              <a:gd name="connsiteY9" fmla="*/ 18288 h 18288"/>
+              <a:gd name="connsiteX10" fmla="*/ 3189297 w 4343400"/>
+              <a:gd name="connsiteY10" fmla="*/ 18288 h 18288"/>
+              <a:gd name="connsiteX11" fmla="*/ 2481943 w 4343400"/>
+              <a:gd name="connsiteY11" fmla="*/ 18288 h 18288"/>
+              <a:gd name="connsiteX12" fmla="*/ 1904891 w 4343400"/>
+              <a:gd name="connsiteY12" fmla="*/ 18288 h 18288"/>
+              <a:gd name="connsiteX13" fmla="*/ 1414707 w 4343400"/>
+              <a:gd name="connsiteY13" fmla="*/ 18288 h 18288"/>
+              <a:gd name="connsiteX14" fmla="*/ 750788 w 4343400"/>
+              <a:gd name="connsiteY14" fmla="*/ 18288 h 18288"/>
+              <a:gd name="connsiteX15" fmla="*/ 0 w 4343400"/>
+              <a:gd name="connsiteY15" fmla="*/ 18288 h 18288"/>
+              <a:gd name="connsiteX16" fmla="*/ 0 w 4343400"/>
+              <a:gd name="connsiteY16" fmla="*/ 0 h 18288"/>
+            </a:gdLst>
+            <a:ahLst/>
+            <a:cxnLst>
+              <a:cxn ang="0">
+                <a:pos x="connsiteX0" y="connsiteY0"/>
+              </a:cxn>
+              <a:cxn ang="0">
+                <a:pos x="connsiteX1" y="connsiteY1"/>
+              </a:cxn>
+              <a:cxn ang="0">
+                <a:pos x="connsiteX2" y="connsiteY2"/>
+              </a:cxn>
+              <a:cxn ang="0">
+                <a:pos x="connsiteX3" y="connsiteY3"/>
+              </a:cxn>
+              <a:cxn ang="0">
+                <a:pos x="connsiteX4" y="connsiteY4"/>
+              </a:cxn>
+              <a:cxn ang="0">
+                <a:pos x="connsiteX5" y="connsiteY5"/>
+              </a:cxn>
+              <a:cxn ang="0">
+                <a:pos x="connsiteX6" y="connsiteY6"/>
+              </a:cxn>
+              <a:cxn ang="0">
+                <a:pos x="connsiteX7" y="connsiteY7"/>
+              </a:cxn>
+              <a:cxn ang="0">
+                <a:pos x="connsiteX8" y="connsiteY8"/>
+              </a:cxn>
+              <a:cxn ang="0">
+                <a:pos x="connsiteX9" y="connsiteY9"/>
+              </a:cxn>
+              <a:cxn ang="0">
+                <a:pos x="connsiteX10" y="connsiteY10"/>
+              </a:cxn>
+              <a:cxn ang="0">
+                <a:pos x="connsiteX11" y="connsiteY11"/>
+              </a:cxn>
+              <a:cxn ang="0">
+                <a:pos x="connsiteX12" y="connsiteY12"/>
+              </a:cxn>
+              <a:cxn ang="0">
+                <a:pos x="connsiteX13" y="connsiteY13"/>
+              </a:cxn>
+              <a:cxn ang="0">
+                <a:pos x="connsiteX14" y="connsiteY14"/>
+              </a:cxn>
+              <a:cxn ang="0">
+                <a:pos x="connsiteX15" y="connsiteY15"/>
+              </a:cxn>
+              <a:cxn ang="0">
+                <a:pos x="connsiteX16" y="connsiteY16"/>
+              </a:cxn>
+            </a:cxnLst>
+            <a:rect l="l" t="t" r="r" b="b"/>
+            <a:pathLst>
+              <a:path w="4343400" h="18288" fill="none" extrusionOk="0">
+                <a:moveTo>
+                  <a:pt x="0" y="0"/>
+                </a:moveTo>
+                <a:cubicBezTo>
+                  <a:pt x="233209" y="-19550"/>
+                  <a:pt x="330816" y="19068"/>
+                  <a:pt x="577052" y="0"/>
+                </a:cubicBezTo>
+                <a:cubicBezTo>
+                  <a:pt x="823288" y="-19068"/>
+                  <a:pt x="875077" y="10360"/>
+                  <a:pt x="1067235" y="0"/>
+                </a:cubicBezTo>
+                <a:cubicBezTo>
+                  <a:pt x="1259393" y="-10360"/>
+                  <a:pt x="1410699" y="2939"/>
+                  <a:pt x="1600853" y="0"/>
+                </a:cubicBezTo>
+                <a:cubicBezTo>
+                  <a:pt x="1791007" y="-2939"/>
+                  <a:pt x="2101644" y="-26225"/>
+                  <a:pt x="2264773" y="0"/>
+                </a:cubicBezTo>
+                <a:cubicBezTo>
+                  <a:pt x="2427902" y="26225"/>
+                  <a:pt x="2690426" y="-27726"/>
+                  <a:pt x="2841825" y="0"/>
+                </a:cubicBezTo>
+                <a:cubicBezTo>
+                  <a:pt x="2993224" y="27726"/>
+                  <a:pt x="3172320" y="-18569"/>
+                  <a:pt x="3375442" y="0"/>
+                </a:cubicBezTo>
+                <a:cubicBezTo>
+                  <a:pt x="3578564" y="18569"/>
+                  <a:pt x="4003119" y="21909"/>
+                  <a:pt x="4343400" y="0"/>
+                </a:cubicBezTo>
+                <a:cubicBezTo>
+                  <a:pt x="4343798" y="7429"/>
+                  <a:pt x="4343380" y="10822"/>
+                  <a:pt x="4343400" y="18288"/>
+                </a:cubicBezTo>
+                <a:cubicBezTo>
+                  <a:pt x="4109047" y="14709"/>
+                  <a:pt x="3996986" y="7919"/>
+                  <a:pt x="3722914" y="18288"/>
+                </a:cubicBezTo>
+                <a:cubicBezTo>
+                  <a:pt x="3448842" y="28657"/>
+                  <a:pt x="3340973" y="29252"/>
+                  <a:pt x="3189297" y="18288"/>
+                </a:cubicBezTo>
+                <a:cubicBezTo>
+                  <a:pt x="3037621" y="7324"/>
+                  <a:pt x="2636891" y="-9539"/>
+                  <a:pt x="2481943" y="18288"/>
+                </a:cubicBezTo>
+                <a:cubicBezTo>
+                  <a:pt x="2326995" y="46115"/>
+                  <a:pt x="2131632" y="740"/>
+                  <a:pt x="1904891" y="18288"/>
+                </a:cubicBezTo>
+                <a:cubicBezTo>
+                  <a:pt x="1678150" y="35836"/>
+                  <a:pt x="1575362" y="-3381"/>
+                  <a:pt x="1414707" y="18288"/>
+                </a:cubicBezTo>
+                <a:cubicBezTo>
+                  <a:pt x="1254052" y="39957"/>
+                  <a:pt x="1051093" y="-335"/>
+                  <a:pt x="750788" y="18288"/>
+                </a:cubicBezTo>
+                <a:cubicBezTo>
+                  <a:pt x="450483" y="36911"/>
+                  <a:pt x="293781" y="22900"/>
+                  <a:pt x="0" y="18288"/>
+                </a:cubicBezTo>
+                <a:cubicBezTo>
+                  <a:pt x="-591" y="13205"/>
+                  <a:pt x="-663" y="6329"/>
+                  <a:pt x="0" y="0"/>
+                </a:cubicBezTo>
+                <a:close/>
+              </a:path>
+              <a:path w="4343400" h="18288" stroke="0" extrusionOk="0">
+                <a:moveTo>
+                  <a:pt x="0" y="0"/>
+                </a:moveTo>
+                <a:cubicBezTo>
+                  <a:pt x="212719" y="-28531"/>
+                  <a:pt x="340561" y="-1164"/>
+                  <a:pt x="577052" y="0"/>
+                </a:cubicBezTo>
+                <a:cubicBezTo>
+                  <a:pt x="813543" y="1164"/>
+                  <a:pt x="866967" y="-9376"/>
+                  <a:pt x="1067235" y="0"/>
+                </a:cubicBezTo>
+                <a:cubicBezTo>
+                  <a:pt x="1267503" y="9376"/>
+                  <a:pt x="1485778" y="-20470"/>
+                  <a:pt x="1774589" y="0"/>
+                </a:cubicBezTo>
+                <a:cubicBezTo>
+                  <a:pt x="2063400" y="20470"/>
+                  <a:pt x="2090152" y="-14502"/>
+                  <a:pt x="2351641" y="0"/>
+                </a:cubicBezTo>
+                <a:cubicBezTo>
+                  <a:pt x="2613130" y="14502"/>
+                  <a:pt x="2802864" y="19125"/>
+                  <a:pt x="2928693" y="0"/>
+                </a:cubicBezTo>
+                <a:cubicBezTo>
+                  <a:pt x="3054522" y="-19125"/>
+                  <a:pt x="3482611" y="-2038"/>
+                  <a:pt x="3636046" y="0"/>
+                </a:cubicBezTo>
+                <a:cubicBezTo>
+                  <a:pt x="3789481" y="2038"/>
+                  <a:pt x="4012363" y="973"/>
+                  <a:pt x="4343400" y="0"/>
+                </a:cubicBezTo>
+                <a:cubicBezTo>
+                  <a:pt x="4342514" y="5429"/>
+                  <a:pt x="4344221" y="14046"/>
+                  <a:pt x="4343400" y="18288"/>
+                </a:cubicBezTo>
+                <a:cubicBezTo>
+                  <a:pt x="4078870" y="-6138"/>
+                  <a:pt x="4015967" y="29658"/>
+                  <a:pt x="3809782" y="18288"/>
+                </a:cubicBezTo>
+                <a:cubicBezTo>
+                  <a:pt x="3603597" y="6918"/>
+                  <a:pt x="3495552" y="24439"/>
+                  <a:pt x="3189297" y="18288"/>
+                </a:cubicBezTo>
+                <a:cubicBezTo>
+                  <a:pt x="2883042" y="12137"/>
+                  <a:pt x="2850610" y="32583"/>
+                  <a:pt x="2568811" y="18288"/>
+                </a:cubicBezTo>
+                <a:cubicBezTo>
+                  <a:pt x="2287012" y="3993"/>
+                  <a:pt x="2279820" y="23580"/>
+                  <a:pt x="1991759" y="18288"/>
+                </a:cubicBezTo>
+                <a:cubicBezTo>
+                  <a:pt x="1703698" y="12996"/>
+                  <a:pt x="1616455" y="23157"/>
+                  <a:pt x="1284405" y="18288"/>
+                </a:cubicBezTo>
+                <a:cubicBezTo>
+                  <a:pt x="952355" y="13419"/>
+                  <a:pt x="783530" y="16053"/>
+                  <a:pt x="577052" y="18288"/>
+                </a:cubicBezTo>
+                <a:cubicBezTo>
+                  <a:pt x="370574" y="20523"/>
+                  <a:pt x="173929" y="5195"/>
+                  <a:pt x="0" y="18288"/>
+                </a:cubicBezTo>
+                <a:cubicBezTo>
+                  <a:pt x="668" y="13665"/>
+                  <a:pt x="578" y="5675"/>
+                  <a:pt x="0" y="0"/>
+                </a:cubicBezTo>
+                <a:close/>
+              </a:path>
+            </a:pathLst>
+          </a:custGeom>
           <a:solidFill>
             <a:schemeClr val="accent2"/>
           </a:solidFill>
-          <a:ln>
-            <a:noFill/>
+          <a:ln w="41275" cap="rnd">
+            <a:solidFill>
+              <a:schemeClr val="accent2"/>
+            </a:solidFill>
+            <a:round/>
+            <a:extLst>
+              <a:ext uri="{C807C97D-BFC1-408E-A445-0C87EB9F89A2}">
+                <ask:lineSketchStyleProps xmlns:ask="http://schemas.microsoft.com/office/drawing/2018/sketchyshapes" sd="1219033472">
+                  <a:prstGeom prst="rect">
+                    <a:avLst/>
+                  </a:prstGeom>
+                  <ask:type>
+                    <ask:lineSketchFreehand/>
+                  </ask:type>
+                </ask:lineSketchStyleProps>
+              </a:ext>
+            </a:extLst>
           </a:ln>
         </p:spPr>
         <p:style>
@@ -4861,40 +5076,10 @@
       </p:sp>
       <p:pic>
         <p:nvPicPr>
-          <p:cNvPr id="17" name="Content Placeholder 4">
-            <a:extLst>
-              <a:ext uri="{FF2B5EF4-FFF2-40B4-BE49-F238E27FC236}">
-                <a16:creationId xmlns:a16="http://schemas.microsoft.com/office/drawing/2014/main" id="{A748A249-3026-4B63-90EB-0E96942FCC1D}"/>
-              </a:ext>
-            </a:extLst>
-          </p:cNvPr>
-          <p:cNvPicPr>
-            <a:picLocks noChangeAspect="1"/>
-          </p:cNvPicPr>
-          <p:nvPr/>
-        </p:nvPicPr>
-        <p:blipFill>
-          <a:blip r:embed="rId2"/>
-          <a:stretch>
-            <a:fillRect/>
-          </a:stretch>
-        </p:blipFill>
-        <p:spPr>
-          <a:xfrm>
-            <a:off x="2431882" y="2252311"/>
-            <a:ext cx="7626518" cy="838915"/>
-          </a:xfrm>
-          <a:prstGeom prst="rect">
-            <a:avLst/>
-          </a:prstGeom>
-        </p:spPr>
-      </p:pic>
-      <p:pic>
-        <p:nvPicPr>
-          <p:cNvPr id="7" name="Picture 6">
-            <a:extLst>
-              <a:ext uri="{FF2B5EF4-FFF2-40B4-BE49-F238E27FC236}">
-                <a16:creationId xmlns:a16="http://schemas.microsoft.com/office/drawing/2014/main" id="{1E1B5895-293B-4F5D-AE1C-E85EB9DFBD48}"/>
+          <p:cNvPr id="6" name="Picture 5">
+            <a:extLst>
+              <a:ext uri="{FF2B5EF4-FFF2-40B4-BE49-F238E27FC236}">
+                <a16:creationId xmlns:a16="http://schemas.microsoft.com/office/drawing/2014/main" id="{D3D94367-1FD6-8051-03E4-CCBBD6A514D4}"/>
               </a:ext>
             </a:extLst>
           </p:cNvPr>
@@ -4911,203 +5096,27 @@
         </p:blipFill>
         <p:spPr>
           <a:xfrm>
-            <a:off x="6519229" y="3133725"/>
-            <a:ext cx="3539171" cy="2869173"/>
+            <a:off x="6815542" y="1029656"/>
+            <a:ext cx="5250697" cy="4541854"/>
           </a:xfrm>
           <a:prstGeom prst="rect">
             <a:avLst/>
           </a:prstGeom>
         </p:spPr>
       </p:pic>
-      <p:sp>
-        <p:nvSpPr>
-          <p:cNvPr id="36" name="Rectangle 35">
-            <a:extLst>
-              <a:ext uri="{FF2B5EF4-FFF2-40B4-BE49-F238E27FC236}">
-                <a16:creationId xmlns:a16="http://schemas.microsoft.com/office/drawing/2014/main" id="{0249E35A-9D67-4CB0-819D-11E3750C0C30}"/>
-              </a:ext>
-              <a:ext uri="{C183D7F6-B498-43B3-948B-1728B52AA6E4}">
-                <adec:decorative xmlns:adec="http://schemas.microsoft.com/office/drawing/2017/decorative" val="1"/>
-              </a:ext>
-            </a:extLst>
-          </p:cNvPr>
-          <p:cNvSpPr>
-            <a:spLocks noGrp="1" noRot="1" noChangeAspect="1" noMove="1" noResize="1" noEditPoints="1" noAdjustHandles="1" noChangeArrowheads="1" noChangeShapeType="1" noTextEdit="1"/>
-          </p:cNvSpPr>
-          <p:nvPr>
-            <p:extLst>
-              <p:ext uri="{386F3935-93C4-4BCD-93E2-E3B085C9AB24}">
-                <p16:designElem xmlns:p16="http://schemas.microsoft.com/office/powerpoint/2015/main" val="1"/>
-              </p:ext>
-            </p:extLst>
-          </p:nvPr>
-        </p:nvSpPr>
-        <p:spPr>
-          <a:xfrm>
-            <a:off x="12073128" y="6172201"/>
-            <a:ext cx="118872" cy="685800"/>
-          </a:xfrm>
-          <a:prstGeom prst="rect">
-            <a:avLst/>
-          </a:prstGeom>
-          <a:solidFill>
-            <a:schemeClr val="accent2"/>
-          </a:solidFill>
-          <a:ln>
-            <a:noFill/>
-          </a:ln>
-        </p:spPr>
-        <p:style>
-          <a:lnRef idx="2">
-            <a:schemeClr val="accent1">
-              <a:shade val="50000"/>
-            </a:schemeClr>
-          </a:lnRef>
-          <a:fillRef idx="1">
-            <a:schemeClr val="accent1"/>
-          </a:fillRef>
-          <a:effectRef idx="0">
-            <a:schemeClr val="accent1"/>
-          </a:effectRef>
-          <a:fontRef idx="minor">
-            <a:schemeClr val="lt1"/>
-          </a:fontRef>
-        </p:style>
-        <p:txBody>
-          <a:bodyPr rtlCol="0" anchor="ctr"/>
-          <a:lstStyle/>
-          <a:p>
-            <a:pPr algn="ctr"/>
-            <a:endParaRPr lang="en-US"/>
-          </a:p>
-        </p:txBody>
-      </p:sp>
-      <p:sp>
-        <p:nvSpPr>
-          <p:cNvPr id="38" name="Graphic 14">
-            <a:extLst>
-              <a:ext uri="{FF2B5EF4-FFF2-40B4-BE49-F238E27FC236}">
-                <a16:creationId xmlns:a16="http://schemas.microsoft.com/office/drawing/2014/main" id="{AA91DE49-968D-4EA9-A003-97FF1B6BB498}"/>
-              </a:ext>
-              <a:ext uri="{C183D7F6-B498-43B3-948B-1728B52AA6E4}">
-                <adec:decorative xmlns:adec="http://schemas.microsoft.com/office/drawing/2017/decorative" val="1"/>
-              </a:ext>
-            </a:extLst>
-          </p:cNvPr>
-          <p:cNvSpPr>
-            <a:spLocks noGrp="1" noRot="1" noChangeAspect="1" noMove="1" noResize="1" noEditPoints="1" noAdjustHandles="1" noChangeArrowheads="1" noChangeShapeType="1" noTextEdit="1"/>
-          </p:cNvSpPr>
-          <p:nvPr>
-            <p:extLst>
-              <p:ext uri="{386F3935-93C4-4BCD-93E2-E3B085C9AB24}">
-                <p16:designElem xmlns:p16="http://schemas.microsoft.com/office/powerpoint/2015/main" val="1"/>
-              </p:ext>
-            </p:extLst>
-          </p:nvPr>
-        </p:nvSpPr>
-        <p:spPr>
-          <a:xfrm rot="10800000">
-            <a:off x="10348306" y="4342818"/>
-            <a:ext cx="1843694" cy="1845441"/>
-          </a:xfrm>
-          <a:custGeom>
-            <a:avLst/>
-            <a:gdLst>
-              <a:gd name="connsiteX0" fmla="*/ 2616327 w 2616326"/>
-              <a:gd name="connsiteY0" fmla="*/ 634841 h 2618803"/>
-              <a:gd name="connsiteX1" fmla="*/ 2616327 w 2616326"/>
-              <a:gd name="connsiteY1" fmla="*/ 0 h 2618803"/>
-              <a:gd name="connsiteX2" fmla="*/ 0 w 2616326"/>
-              <a:gd name="connsiteY2" fmla="*/ 0 h 2618803"/>
-              <a:gd name="connsiteX3" fmla="*/ 0 w 2616326"/>
-              <a:gd name="connsiteY3" fmla="*/ 2618804 h 2618803"/>
-              <a:gd name="connsiteX4" fmla="*/ 634270 w 2616326"/>
-              <a:gd name="connsiteY4" fmla="*/ 2618804 h 2618803"/>
-              <a:gd name="connsiteX5" fmla="*/ 2616327 w 2616326"/>
-              <a:gd name="connsiteY5" fmla="*/ 634841 h 2618803"/>
-            </a:gdLst>
-            <a:ahLst/>
-            <a:cxnLst>
-              <a:cxn ang="0">
-                <a:pos x="connsiteX0" y="connsiteY0"/>
-              </a:cxn>
-              <a:cxn ang="0">
-                <a:pos x="connsiteX1" y="connsiteY1"/>
-              </a:cxn>
-              <a:cxn ang="0">
-                <a:pos x="connsiteX2" y="connsiteY2"/>
-              </a:cxn>
-              <a:cxn ang="0">
-                <a:pos x="connsiteX3" y="connsiteY3"/>
-              </a:cxn>
-              <a:cxn ang="0">
-                <a:pos x="connsiteX4" y="connsiteY4"/>
-              </a:cxn>
-              <a:cxn ang="0">
-                <a:pos x="connsiteX5" y="connsiteY5"/>
-              </a:cxn>
-            </a:cxnLst>
-            <a:rect l="l" t="t" r="r" b="b"/>
-            <a:pathLst>
-              <a:path w="2616326" h="2618803">
-                <a:moveTo>
-                  <a:pt x="2616327" y="634841"/>
-                </a:moveTo>
-                <a:lnTo>
-                  <a:pt x="2616327" y="0"/>
-                </a:lnTo>
-                <a:lnTo>
-                  <a:pt x="0" y="0"/>
-                </a:lnTo>
-                <a:lnTo>
-                  <a:pt x="0" y="2618804"/>
-                </a:lnTo>
-                <a:lnTo>
-                  <a:pt x="634270" y="2618804"/>
-                </a:lnTo>
-                <a:cubicBezTo>
-                  <a:pt x="634270" y="1523143"/>
-                  <a:pt x="1521619" y="634841"/>
-                  <a:pt x="2616327" y="634841"/>
-                </a:cubicBezTo>
-                <a:close/>
-              </a:path>
-            </a:pathLst>
-          </a:custGeom>
-          <a:solidFill>
-            <a:schemeClr val="bg1">
-              <a:alpha val="75000"/>
-            </a:schemeClr>
-          </a:solidFill>
-          <a:ln w="9525" cap="flat">
-            <a:noFill/>
-            <a:prstDash val="solid"/>
-            <a:miter/>
-          </a:ln>
-        </p:spPr>
-        <p:txBody>
-          <a:bodyPr rtlCol="0" anchor="ctr"/>
-          <a:lstStyle/>
-          <a:p>
-            <a:endParaRPr lang="en-US" dirty="0"/>
-          </a:p>
-        </p:txBody>
-      </p:sp>
       <p:pic>
         <p:nvPicPr>
-          <p:cNvPr id="25" name="Content Placeholder 11">
-            <a:extLst>
-              <a:ext uri="{FF2B5EF4-FFF2-40B4-BE49-F238E27FC236}">
-                <a16:creationId xmlns:a16="http://schemas.microsoft.com/office/drawing/2014/main" id="{B731E9C1-12C9-466F-9B29-C9E7DDFEFD21}"/>
+          <p:cNvPr id="7" name="Picture 6">
+            <a:extLst>
+              <a:ext uri="{FF2B5EF4-FFF2-40B4-BE49-F238E27FC236}">
+                <a16:creationId xmlns:a16="http://schemas.microsoft.com/office/drawing/2014/main" id="{1E1B5895-293B-4F5D-AE1C-E85EB9DFBD48}"/>
               </a:ext>
             </a:extLst>
           </p:cNvPr>
           <p:cNvPicPr>
-            <a:picLocks noGrp="1" noChangeAspect="1"/>
+            <a:picLocks noChangeAspect="1"/>
           </p:cNvPicPr>
-          <p:nvPr>
-            <p:ph idx="1"/>
-          </p:nvPr>
+          <p:nvPr/>
         </p:nvPicPr>
         <p:blipFill>
           <a:blip r:embed="rId4"/>
@@ -5117,49 +5126,14 @@
         </p:blipFill>
         <p:spPr>
           <a:xfrm>
-            <a:off x="2470736" y="3133725"/>
-            <a:ext cx="3967578" cy="2746375"/>
+            <a:off x="1842228" y="3529912"/>
+            <a:ext cx="3654863" cy="2962963"/>
           </a:xfrm>
           <a:prstGeom prst="rect">
             <a:avLst/>
           </a:prstGeom>
         </p:spPr>
       </p:pic>
-      <p:sp>
-        <p:nvSpPr>
-          <p:cNvPr id="26" name="TextBox 25">
-            <a:extLst>
-              <a:ext uri="{FF2B5EF4-FFF2-40B4-BE49-F238E27FC236}">
-                <a16:creationId xmlns:a16="http://schemas.microsoft.com/office/drawing/2014/main" id="{B5BD9C83-0540-4272-BEC0-C4111E5815BB}"/>
-              </a:ext>
-            </a:extLst>
-          </p:cNvPr>
-          <p:cNvSpPr txBox="1"/>
-          <p:nvPr/>
-        </p:nvSpPr>
-        <p:spPr>
-          <a:xfrm>
-            <a:off x="11381173" y="6356412"/>
-            <a:ext cx="742511" cy="369332"/>
-          </a:xfrm>
-          <a:prstGeom prst="rect">
-            <a:avLst/>
-          </a:prstGeom>
-          <a:noFill/>
-        </p:spPr>
-        <p:txBody>
-          <a:bodyPr wrap="none" rtlCol="0">
-            <a:spAutoFit/>
-          </a:bodyPr>
-          <a:lstStyle/>
-          <a:p>
-            <a:r>
-              <a:rPr lang="en-GB" dirty="0"/>
-              <a:t>10/12</a:t>
-            </a:r>
-          </a:p>
-        </p:txBody>
-      </p:sp>
     </p:spTree>
     <p:extLst>
       <p:ext uri="{BB962C8B-B14F-4D97-AF65-F5344CB8AC3E}">
@@ -6784,8 +6758,8 @@
         </p:nvSpPr>
         <p:spPr>
           <a:xfrm>
-            <a:off x="841248" y="3337269"/>
-            <a:ext cx="10509504" cy="2905686"/>
+            <a:off x="841248" y="2931479"/>
+            <a:ext cx="10509504" cy="3311476"/>
           </a:xfrm>
         </p:spPr>
         <p:txBody>
@@ -6795,53 +6769,47 @@
           <a:lstStyle/>
           <a:p>
             <a:r>
-              <a:rPr lang="en-GB" sz="1900"/>
-              <a:t>About Me</a:t>
-            </a:r>
-          </a:p>
-          <a:p>
-            <a:r>
-              <a:rPr lang="en-GB" sz="1900"/>
+              <a:rPr lang="en-GB" sz="1900" dirty="0"/>
               <a:t>Research background</a:t>
             </a:r>
           </a:p>
           <a:p>
             <a:r>
-              <a:rPr lang="en-GB" sz="1900"/>
+              <a:rPr lang="en-GB" sz="1900" dirty="0"/>
               <a:t>Project work</a:t>
             </a:r>
           </a:p>
           <a:p>
             <a:pPr lvl="1"/>
             <a:r>
-              <a:rPr lang="en-GB" sz="1900"/>
+              <a:rPr lang="en-GB" sz="1900" dirty="0"/>
               <a:t>Data collection</a:t>
             </a:r>
           </a:p>
           <a:p>
             <a:pPr lvl="1"/>
             <a:r>
-              <a:rPr lang="en-GB" sz="1900"/>
-              <a:t>ML Analysis</a:t>
+              <a:rPr lang="en-GB" sz="1900" dirty="0"/>
+              <a:t>Machine Learning Analysis</a:t>
             </a:r>
           </a:p>
           <a:p>
             <a:pPr lvl="1"/>
             <a:r>
-              <a:rPr lang="en-GB" sz="1900"/>
-              <a:t>DL </a:t>
+              <a:rPr lang="en-GB" sz="1900" dirty="0"/>
+              <a:t>Deep Learning Analysis </a:t>
             </a:r>
           </a:p>
           <a:p>
             <a:pPr lvl="1"/>
             <a:r>
-              <a:rPr lang="en-GB" sz="1900"/>
+              <a:rPr lang="en-GB" sz="1900" dirty="0"/>
               <a:t>Deployment to Edge device</a:t>
             </a:r>
           </a:p>
           <a:p>
             <a:r>
-              <a:rPr lang="en-GB" sz="1900"/>
+              <a:rPr lang="en-GB" sz="1900" dirty="0"/>
               <a:t>Evaluation</a:t>
             </a:r>
           </a:p>
@@ -7316,8 +7284,8 @@
         </p:nvSpPr>
         <p:spPr>
           <a:xfrm>
-            <a:off x="640080" y="2872899"/>
-            <a:ext cx="4243589" cy="3320668"/>
+            <a:off x="640081" y="2872899"/>
+            <a:ext cx="4561648" cy="3320668"/>
           </a:xfrm>
         </p:spPr>
         <p:txBody>
@@ -7328,7 +7296,7 @@
           <a:p>
             <a:r>
               <a:rPr lang="en-GB" sz="1500" dirty="0"/>
-              <a:t>As we live longer, more and more people are expected to develop visual impairments</a:t>
+              <a:t>As we live longer, more and more people are expected to develop visual impairments. Experts predict by 2050 the number of people suffering from sight loss will double to over 4 million [L. Pezzullo, 2018]</a:t>
             </a:r>
           </a:p>
           <a:p>
@@ -7345,6 +7313,44 @@
           </a:p>
           <a:p>
             <a:endParaRPr lang="en-GB" sz="1500" dirty="0"/>
+          </a:p>
+        </p:txBody>
+      </p:sp>
+      <p:sp>
+        <p:nvSpPr>
+          <p:cNvPr id="4" name="TextBox 3">
+            <a:extLst>
+              <a:ext uri="{FF2B5EF4-FFF2-40B4-BE49-F238E27FC236}">
+                <a16:creationId xmlns:a16="http://schemas.microsoft.com/office/drawing/2014/main" id="{BCC12C82-D4FF-02DA-9B3E-243C7FE26A6F}"/>
+              </a:ext>
+            </a:extLst>
+          </p:cNvPr>
+          <p:cNvSpPr txBox="1"/>
+          <p:nvPr/>
+        </p:nvSpPr>
+        <p:spPr>
+          <a:xfrm>
+            <a:off x="640080" y="5999519"/>
+            <a:ext cx="10757139" cy="461665"/>
+          </a:xfrm>
+          <a:prstGeom prst="rect">
+            <a:avLst/>
+          </a:prstGeom>
+          <a:noFill/>
+        </p:spPr>
+        <p:txBody>
+          <a:bodyPr wrap="square" rtlCol="0">
+            <a:spAutoFit/>
+          </a:bodyPr>
+          <a:lstStyle/>
+          <a:p>
+            <a:r>
+              <a:rPr lang="en-GB" sz="1200" b="0" i="0" dirty="0">
+                <a:effectLst/>
+              </a:rPr>
+              <a:t>L. Pezzullo, J. Streatfeild, P. Simkiss and D. Shickle, ”The economic impact of sight loss and blindness in the UK adult population,” BMC Health Services Research, vol. 18, 2018.</a:t>
+            </a:r>
+            <a:endParaRPr lang="en-GB" sz="1200" dirty="0"/>
           </a:p>
         </p:txBody>
       </p:sp>
@@ -7364,6 +7370,14 @@
 <file path=ppt/slides/slide4.xml><?xml version="1.0" encoding="utf-8"?>
 <p:sld xmlns:a="http://schemas.openxmlformats.org/drawingml/2006/main" xmlns:r="http://schemas.openxmlformats.org/officeDocument/2006/relationships" xmlns:p="http://schemas.openxmlformats.org/presentationml/2006/main">
   <p:cSld>
+    <p:bg>
+      <p:bgPr>
+        <a:solidFill>
+          <a:schemeClr val="bg1"/>
+        </a:solidFill>
+        <a:effectLst/>
+      </p:bgPr>
+    </p:bg>
     <p:spTree>
       <p:nvGrpSpPr>
         <p:cNvPr id="1" name=""/>
@@ -7378,6 +7392,66 @@
           <a:chExt cx="0" cy="0"/>
         </a:xfrm>
       </p:grpSpPr>
+      <p:sp useBgFill="1">
+        <p:nvSpPr>
+          <p:cNvPr id="8" name="Rectangle 7">
+            <a:extLst>
+              <a:ext uri="{FF2B5EF4-FFF2-40B4-BE49-F238E27FC236}">
+                <a16:creationId xmlns:a16="http://schemas.microsoft.com/office/drawing/2014/main" id="{100EDD19-6802-4EC3-95CE-CFFAB042CFD6}"/>
+              </a:ext>
+              <a:ext uri="{C183D7F6-B498-43B3-948B-1728B52AA6E4}">
+                <adec:decorative xmlns:adec="http://schemas.microsoft.com/office/drawing/2017/decorative" val="1"/>
+              </a:ext>
+            </a:extLst>
+          </p:cNvPr>
+          <p:cNvSpPr>
+            <a:spLocks noGrp="1" noRot="1" noChangeAspect="1" noMove="1" noResize="1" noEditPoints="1" noAdjustHandles="1" noChangeArrowheads="1" noChangeShapeType="1" noTextEdit="1"/>
+          </p:cNvSpPr>
+          <p:nvPr>
+            <p:extLst>
+              <p:ext uri="{386F3935-93C4-4BCD-93E2-E3B085C9AB24}">
+                <p16:designElem xmlns:p16="http://schemas.microsoft.com/office/powerpoint/2015/main" val="1"/>
+              </p:ext>
+            </p:extLst>
+          </p:nvPr>
+        </p:nvSpPr>
+        <p:spPr>
+          <a:xfrm>
+            <a:off x="0" y="0"/>
+            <a:ext cx="12188952" cy="6858000"/>
+          </a:xfrm>
+          <a:prstGeom prst="rect">
+            <a:avLst/>
+          </a:prstGeom>
+          <a:ln>
+            <a:noFill/>
+          </a:ln>
+        </p:spPr>
+        <p:style>
+          <a:lnRef idx="2">
+            <a:schemeClr val="accent1">
+              <a:shade val="50000"/>
+            </a:schemeClr>
+          </a:lnRef>
+          <a:fillRef idx="1">
+            <a:schemeClr val="accent1"/>
+          </a:fillRef>
+          <a:effectRef idx="0">
+            <a:schemeClr val="accent1"/>
+          </a:effectRef>
+          <a:fontRef idx="minor">
+            <a:schemeClr val="lt1"/>
+          </a:fontRef>
+        </p:style>
+        <p:txBody>
+          <a:bodyPr rtlCol="0" anchor="ctr"/>
+          <a:lstStyle/>
+          <a:p>
+            <a:pPr algn="ctr"/>
+            <a:endParaRPr lang="en-US"/>
+          </a:p>
+        </p:txBody>
+      </p:sp>
       <p:sp>
         <p:nvSpPr>
           <p:cNvPr id="2" name="Title 1">
@@ -7394,13 +7468,20 @@
             <p:ph type="title"/>
           </p:nvPr>
         </p:nvSpPr>
-        <p:spPr/>
-        <p:txBody>
-          <a:bodyPr/>
-          <a:lstStyle/>
-          <a:p>
-            <a:r>
-              <a:rPr lang="en-GB" dirty="0"/>
+        <p:spPr>
+          <a:xfrm>
+            <a:off x="838200" y="365125"/>
+            <a:ext cx="10515600" cy="1325563"/>
+          </a:xfrm>
+        </p:spPr>
+        <p:txBody>
+          <a:bodyPr>
+            <a:normAutofit/>
+          </a:bodyPr>
+          <a:lstStyle/>
+          <a:p>
+            <a:r>
+              <a:rPr lang="en-GB" sz="5400"/>
               <a:t>Project Background</a:t>
             </a:r>
           </a:p>
@@ -7408,6 +7489,644 @@
       </p:sp>
       <p:sp>
         <p:nvSpPr>
+          <p:cNvPr id="10" name="sketch line">
+            <a:extLst>
+              <a:ext uri="{FF2B5EF4-FFF2-40B4-BE49-F238E27FC236}">
+                <a16:creationId xmlns:a16="http://schemas.microsoft.com/office/drawing/2014/main" id="{DB17E863-922E-4C26-BD64-E8FD41D28661}"/>
+              </a:ext>
+              <a:ext uri="{C183D7F6-B498-43B3-948B-1728B52AA6E4}">
+                <adec:decorative xmlns:adec="http://schemas.microsoft.com/office/drawing/2017/decorative" val="1"/>
+              </a:ext>
+            </a:extLst>
+          </p:cNvPr>
+          <p:cNvSpPr>
+            <a:spLocks noGrp="1" noRot="1" noChangeAspect="1" noMove="1" noResize="1" noEditPoints="1" noAdjustHandles="1" noChangeArrowheads="1" noChangeShapeType="1" noTextEdit="1"/>
+          </p:cNvSpPr>
+          <p:nvPr>
+            <p:extLst>
+              <p:ext uri="{386F3935-93C4-4BCD-93E2-E3B085C9AB24}">
+                <p16:designElem xmlns:p16="http://schemas.microsoft.com/office/powerpoint/2015/main" val="1"/>
+              </p:ext>
+            </p:extLst>
+          </p:nvPr>
+        </p:nvSpPr>
+        <p:spPr>
+          <a:xfrm>
+            <a:off x="669036" y="1677373"/>
+            <a:ext cx="10853928" cy="18288"/>
+          </a:xfrm>
+          <a:custGeom>
+            <a:avLst/>
+            <a:gdLst>
+              <a:gd name="connsiteX0" fmla="*/ 0 w 10853928"/>
+              <a:gd name="connsiteY0" fmla="*/ 0 h 18288"/>
+              <a:gd name="connsiteX1" fmla="*/ 461292 w 10853928"/>
+              <a:gd name="connsiteY1" fmla="*/ 0 h 18288"/>
+              <a:gd name="connsiteX2" fmla="*/ 1139662 w 10853928"/>
+              <a:gd name="connsiteY2" fmla="*/ 0 h 18288"/>
+              <a:gd name="connsiteX3" fmla="*/ 1926572 w 10853928"/>
+              <a:gd name="connsiteY3" fmla="*/ 0 h 18288"/>
+              <a:gd name="connsiteX4" fmla="*/ 2279325 w 10853928"/>
+              <a:gd name="connsiteY4" fmla="*/ 0 h 18288"/>
+              <a:gd name="connsiteX5" fmla="*/ 2632078 w 10853928"/>
+              <a:gd name="connsiteY5" fmla="*/ 0 h 18288"/>
+              <a:gd name="connsiteX6" fmla="*/ 3527527 w 10853928"/>
+              <a:gd name="connsiteY6" fmla="*/ 0 h 18288"/>
+              <a:gd name="connsiteX7" fmla="*/ 4205897 w 10853928"/>
+              <a:gd name="connsiteY7" fmla="*/ 0 h 18288"/>
+              <a:gd name="connsiteX8" fmla="*/ 4558650 w 10853928"/>
+              <a:gd name="connsiteY8" fmla="*/ 0 h 18288"/>
+              <a:gd name="connsiteX9" fmla="*/ 5237020 w 10853928"/>
+              <a:gd name="connsiteY9" fmla="*/ 0 h 18288"/>
+              <a:gd name="connsiteX10" fmla="*/ 6132469 w 10853928"/>
+              <a:gd name="connsiteY10" fmla="*/ 0 h 18288"/>
+              <a:gd name="connsiteX11" fmla="*/ 6702301 w 10853928"/>
+              <a:gd name="connsiteY11" fmla="*/ 0 h 18288"/>
+              <a:gd name="connsiteX12" fmla="*/ 7272132 w 10853928"/>
+              <a:gd name="connsiteY12" fmla="*/ 0 h 18288"/>
+              <a:gd name="connsiteX13" fmla="*/ 7950502 w 10853928"/>
+              <a:gd name="connsiteY13" fmla="*/ 0 h 18288"/>
+              <a:gd name="connsiteX14" fmla="*/ 8737412 w 10853928"/>
+              <a:gd name="connsiteY14" fmla="*/ 0 h 18288"/>
+              <a:gd name="connsiteX15" fmla="*/ 9524322 w 10853928"/>
+              <a:gd name="connsiteY15" fmla="*/ 0 h 18288"/>
+              <a:gd name="connsiteX16" fmla="*/ 10853928 w 10853928"/>
+              <a:gd name="connsiteY16" fmla="*/ 0 h 18288"/>
+              <a:gd name="connsiteX17" fmla="*/ 10853928 w 10853928"/>
+              <a:gd name="connsiteY17" fmla="*/ 18288 h 18288"/>
+              <a:gd name="connsiteX18" fmla="*/ 10392636 w 10853928"/>
+              <a:gd name="connsiteY18" fmla="*/ 18288 h 18288"/>
+              <a:gd name="connsiteX19" fmla="*/ 9497187 w 10853928"/>
+              <a:gd name="connsiteY19" fmla="*/ 18288 h 18288"/>
+              <a:gd name="connsiteX20" fmla="*/ 8818817 w 10853928"/>
+              <a:gd name="connsiteY20" fmla="*/ 18288 h 18288"/>
+              <a:gd name="connsiteX21" fmla="*/ 8466064 w 10853928"/>
+              <a:gd name="connsiteY21" fmla="*/ 18288 h 18288"/>
+              <a:gd name="connsiteX22" fmla="*/ 7787693 w 10853928"/>
+              <a:gd name="connsiteY22" fmla="*/ 18288 h 18288"/>
+              <a:gd name="connsiteX23" fmla="*/ 7217862 w 10853928"/>
+              <a:gd name="connsiteY23" fmla="*/ 18288 h 18288"/>
+              <a:gd name="connsiteX24" fmla="*/ 6648031 w 10853928"/>
+              <a:gd name="connsiteY24" fmla="*/ 18288 h 18288"/>
+              <a:gd name="connsiteX25" fmla="*/ 6078200 w 10853928"/>
+              <a:gd name="connsiteY25" fmla="*/ 18288 h 18288"/>
+              <a:gd name="connsiteX26" fmla="*/ 5508368 w 10853928"/>
+              <a:gd name="connsiteY26" fmla="*/ 18288 h 18288"/>
+              <a:gd name="connsiteX27" fmla="*/ 4721459 w 10853928"/>
+              <a:gd name="connsiteY27" fmla="*/ 18288 h 18288"/>
+              <a:gd name="connsiteX28" fmla="*/ 4043088 w 10853928"/>
+              <a:gd name="connsiteY28" fmla="*/ 18288 h 18288"/>
+              <a:gd name="connsiteX29" fmla="*/ 3690336 w 10853928"/>
+              <a:gd name="connsiteY29" fmla="*/ 18288 h 18288"/>
+              <a:gd name="connsiteX30" fmla="*/ 3120504 w 10853928"/>
+              <a:gd name="connsiteY30" fmla="*/ 18288 h 18288"/>
+              <a:gd name="connsiteX31" fmla="*/ 2333595 w 10853928"/>
+              <a:gd name="connsiteY31" fmla="*/ 18288 h 18288"/>
+              <a:gd name="connsiteX32" fmla="*/ 1872303 w 10853928"/>
+              <a:gd name="connsiteY32" fmla="*/ 18288 h 18288"/>
+              <a:gd name="connsiteX33" fmla="*/ 976854 w 10853928"/>
+              <a:gd name="connsiteY33" fmla="*/ 18288 h 18288"/>
+              <a:gd name="connsiteX34" fmla="*/ 0 w 10853928"/>
+              <a:gd name="connsiteY34" fmla="*/ 18288 h 18288"/>
+              <a:gd name="connsiteX35" fmla="*/ 0 w 10853928"/>
+              <a:gd name="connsiteY35" fmla="*/ 0 h 18288"/>
+            </a:gdLst>
+            <a:ahLst/>
+            <a:cxnLst>
+              <a:cxn ang="0">
+                <a:pos x="connsiteX0" y="connsiteY0"/>
+              </a:cxn>
+              <a:cxn ang="0">
+                <a:pos x="connsiteX1" y="connsiteY1"/>
+              </a:cxn>
+              <a:cxn ang="0">
+                <a:pos x="connsiteX2" y="connsiteY2"/>
+              </a:cxn>
+              <a:cxn ang="0">
+                <a:pos x="connsiteX3" y="connsiteY3"/>
+              </a:cxn>
+              <a:cxn ang="0">
+                <a:pos x="connsiteX4" y="connsiteY4"/>
+              </a:cxn>
+              <a:cxn ang="0">
+                <a:pos x="connsiteX5" y="connsiteY5"/>
+              </a:cxn>
+              <a:cxn ang="0">
+                <a:pos x="connsiteX6" y="connsiteY6"/>
+              </a:cxn>
+              <a:cxn ang="0">
+                <a:pos x="connsiteX7" y="connsiteY7"/>
+              </a:cxn>
+              <a:cxn ang="0">
+                <a:pos x="connsiteX8" y="connsiteY8"/>
+              </a:cxn>
+              <a:cxn ang="0">
+                <a:pos x="connsiteX9" y="connsiteY9"/>
+              </a:cxn>
+              <a:cxn ang="0">
+                <a:pos x="connsiteX10" y="connsiteY10"/>
+              </a:cxn>
+              <a:cxn ang="0">
+                <a:pos x="connsiteX11" y="connsiteY11"/>
+              </a:cxn>
+              <a:cxn ang="0">
+                <a:pos x="connsiteX12" y="connsiteY12"/>
+              </a:cxn>
+              <a:cxn ang="0">
+                <a:pos x="connsiteX13" y="connsiteY13"/>
+              </a:cxn>
+              <a:cxn ang="0">
+                <a:pos x="connsiteX14" y="connsiteY14"/>
+              </a:cxn>
+              <a:cxn ang="0">
+                <a:pos x="connsiteX15" y="connsiteY15"/>
+              </a:cxn>
+              <a:cxn ang="0">
+                <a:pos x="connsiteX16" y="connsiteY16"/>
+              </a:cxn>
+              <a:cxn ang="0">
+                <a:pos x="connsiteX17" y="connsiteY17"/>
+              </a:cxn>
+              <a:cxn ang="0">
+                <a:pos x="connsiteX18" y="connsiteY18"/>
+              </a:cxn>
+              <a:cxn ang="0">
+                <a:pos x="connsiteX19" y="connsiteY19"/>
+              </a:cxn>
+              <a:cxn ang="0">
+                <a:pos x="connsiteX20" y="connsiteY20"/>
+              </a:cxn>
+              <a:cxn ang="0">
+                <a:pos x="connsiteX21" y="connsiteY21"/>
+              </a:cxn>
+              <a:cxn ang="0">
+                <a:pos x="connsiteX22" y="connsiteY22"/>
+              </a:cxn>
+              <a:cxn ang="0">
+                <a:pos x="connsiteX23" y="connsiteY23"/>
+              </a:cxn>
+              <a:cxn ang="0">
+                <a:pos x="connsiteX24" y="connsiteY24"/>
+              </a:cxn>
+              <a:cxn ang="0">
+                <a:pos x="connsiteX25" y="connsiteY25"/>
+              </a:cxn>
+              <a:cxn ang="0">
+                <a:pos x="connsiteX26" y="connsiteY26"/>
+              </a:cxn>
+              <a:cxn ang="0">
+                <a:pos x="connsiteX27" y="connsiteY27"/>
+              </a:cxn>
+              <a:cxn ang="0">
+                <a:pos x="connsiteX28" y="connsiteY28"/>
+              </a:cxn>
+              <a:cxn ang="0">
+                <a:pos x="connsiteX29" y="connsiteY29"/>
+              </a:cxn>
+              <a:cxn ang="0">
+                <a:pos x="connsiteX30" y="connsiteY30"/>
+              </a:cxn>
+              <a:cxn ang="0">
+                <a:pos x="connsiteX31" y="connsiteY31"/>
+              </a:cxn>
+              <a:cxn ang="0">
+                <a:pos x="connsiteX32" y="connsiteY32"/>
+              </a:cxn>
+              <a:cxn ang="0">
+                <a:pos x="connsiteX33" y="connsiteY33"/>
+              </a:cxn>
+              <a:cxn ang="0">
+                <a:pos x="connsiteX34" y="connsiteY34"/>
+              </a:cxn>
+              <a:cxn ang="0">
+                <a:pos x="connsiteX35" y="connsiteY35"/>
+              </a:cxn>
+            </a:cxnLst>
+            <a:rect l="l" t="t" r="r" b="b"/>
+            <a:pathLst>
+              <a:path w="10853928" h="18288" fill="none" extrusionOk="0">
+                <a:moveTo>
+                  <a:pt x="0" y="0"/>
+                </a:moveTo>
+                <a:cubicBezTo>
+                  <a:pt x="146993" y="-19076"/>
+                  <a:pt x="347684" y="-4790"/>
+                  <a:pt x="461292" y="0"/>
+                </a:cubicBezTo>
+                <a:cubicBezTo>
+                  <a:pt x="574900" y="4790"/>
+                  <a:pt x="808367" y="19821"/>
+                  <a:pt x="1139662" y="0"/>
+                </a:cubicBezTo>
+                <a:cubicBezTo>
+                  <a:pt x="1470957" y="-19821"/>
+                  <a:pt x="1627405" y="5721"/>
+                  <a:pt x="1926572" y="0"/>
+                </a:cubicBezTo>
+                <a:cubicBezTo>
+                  <a:pt x="2225739" y="-5721"/>
+                  <a:pt x="2137730" y="-3235"/>
+                  <a:pt x="2279325" y="0"/>
+                </a:cubicBezTo>
+                <a:cubicBezTo>
+                  <a:pt x="2420920" y="3235"/>
+                  <a:pt x="2456518" y="9685"/>
+                  <a:pt x="2632078" y="0"/>
+                </a:cubicBezTo>
+                <a:cubicBezTo>
+                  <a:pt x="2807638" y="-9685"/>
+                  <a:pt x="3211516" y="-43007"/>
+                  <a:pt x="3527527" y="0"/>
+                </a:cubicBezTo>
+                <a:cubicBezTo>
+                  <a:pt x="3843538" y="43007"/>
+                  <a:pt x="4058833" y="22042"/>
+                  <a:pt x="4205897" y="0"/>
+                </a:cubicBezTo>
+                <a:cubicBezTo>
+                  <a:pt x="4352961" y="-22042"/>
+                  <a:pt x="4474805" y="-11846"/>
+                  <a:pt x="4558650" y="0"/>
+                </a:cubicBezTo>
+                <a:cubicBezTo>
+                  <a:pt x="4642495" y="11846"/>
+                  <a:pt x="5041928" y="-6069"/>
+                  <a:pt x="5237020" y="0"/>
+                </a:cubicBezTo>
+                <a:cubicBezTo>
+                  <a:pt x="5432112" y="6069"/>
+                  <a:pt x="5943266" y="-17479"/>
+                  <a:pt x="6132469" y="0"/>
+                </a:cubicBezTo>
+                <a:cubicBezTo>
+                  <a:pt x="6321672" y="17479"/>
+                  <a:pt x="6483872" y="26234"/>
+                  <a:pt x="6702301" y="0"/>
+                </a:cubicBezTo>
+                <a:cubicBezTo>
+                  <a:pt x="6920730" y="-26234"/>
+                  <a:pt x="6991194" y="-15156"/>
+                  <a:pt x="7272132" y="0"/>
+                </a:cubicBezTo>
+                <a:cubicBezTo>
+                  <a:pt x="7553070" y="15156"/>
+                  <a:pt x="7684444" y="-32961"/>
+                  <a:pt x="7950502" y="0"/>
+                </a:cubicBezTo>
+                <a:cubicBezTo>
+                  <a:pt x="8216560" y="32961"/>
+                  <a:pt x="8493290" y="-10491"/>
+                  <a:pt x="8737412" y="0"/>
+                </a:cubicBezTo>
+                <a:cubicBezTo>
+                  <a:pt x="8981534" y="10491"/>
+                  <a:pt x="9191586" y="-13899"/>
+                  <a:pt x="9524322" y="0"/>
+                </a:cubicBezTo>
+                <a:cubicBezTo>
+                  <a:pt x="9857058" y="13899"/>
+                  <a:pt x="10297509" y="7485"/>
+                  <a:pt x="10853928" y="0"/>
+                </a:cubicBezTo>
+                <a:cubicBezTo>
+                  <a:pt x="10854574" y="4451"/>
+                  <a:pt x="10854418" y="9226"/>
+                  <a:pt x="10853928" y="18288"/>
+                </a:cubicBezTo>
+                <a:cubicBezTo>
+                  <a:pt x="10691638" y="28522"/>
+                  <a:pt x="10574319" y="29578"/>
+                  <a:pt x="10392636" y="18288"/>
+                </a:cubicBezTo>
+                <a:cubicBezTo>
+                  <a:pt x="10210953" y="6998"/>
+                  <a:pt x="9836277" y="-16742"/>
+                  <a:pt x="9497187" y="18288"/>
+                </a:cubicBezTo>
+                <a:cubicBezTo>
+                  <a:pt x="9158097" y="53318"/>
+                  <a:pt x="9119479" y="30714"/>
+                  <a:pt x="8818817" y="18288"/>
+                </a:cubicBezTo>
+                <a:cubicBezTo>
+                  <a:pt x="8518155" y="5863"/>
+                  <a:pt x="8640037" y="6483"/>
+                  <a:pt x="8466064" y="18288"/>
+                </a:cubicBezTo>
+                <a:cubicBezTo>
+                  <a:pt x="8292091" y="30093"/>
+                  <a:pt x="7997656" y="18914"/>
+                  <a:pt x="7787693" y="18288"/>
+                </a:cubicBezTo>
+                <a:cubicBezTo>
+                  <a:pt x="7577730" y="17662"/>
+                  <a:pt x="7412468" y="21416"/>
+                  <a:pt x="7217862" y="18288"/>
+                </a:cubicBezTo>
+                <a:cubicBezTo>
+                  <a:pt x="7023256" y="15160"/>
+                  <a:pt x="6898018" y="14824"/>
+                  <a:pt x="6648031" y="18288"/>
+                </a:cubicBezTo>
+                <a:cubicBezTo>
+                  <a:pt x="6398044" y="21752"/>
+                  <a:pt x="6254402" y="38625"/>
+                  <a:pt x="6078200" y="18288"/>
+                </a:cubicBezTo>
+                <a:cubicBezTo>
+                  <a:pt x="5901998" y="-2049"/>
+                  <a:pt x="5622886" y="3213"/>
+                  <a:pt x="5508368" y="18288"/>
+                </a:cubicBezTo>
+                <a:cubicBezTo>
+                  <a:pt x="5393850" y="33363"/>
+                  <a:pt x="5036260" y="26830"/>
+                  <a:pt x="4721459" y="18288"/>
+                </a:cubicBezTo>
+                <a:cubicBezTo>
+                  <a:pt x="4406658" y="9746"/>
+                  <a:pt x="4239221" y="41551"/>
+                  <a:pt x="4043088" y="18288"/>
+                </a:cubicBezTo>
+                <a:cubicBezTo>
+                  <a:pt x="3846955" y="-4975"/>
+                  <a:pt x="3818802" y="34658"/>
+                  <a:pt x="3690336" y="18288"/>
+                </a:cubicBezTo>
+                <a:cubicBezTo>
+                  <a:pt x="3561870" y="1918"/>
+                  <a:pt x="3265491" y="42194"/>
+                  <a:pt x="3120504" y="18288"/>
+                </a:cubicBezTo>
+                <a:cubicBezTo>
+                  <a:pt x="2975517" y="-5618"/>
+                  <a:pt x="2720254" y="36673"/>
+                  <a:pt x="2333595" y="18288"/>
+                </a:cubicBezTo>
+                <a:cubicBezTo>
+                  <a:pt x="1946936" y="-97"/>
+                  <a:pt x="2097241" y="5776"/>
+                  <a:pt x="1872303" y="18288"/>
+                </a:cubicBezTo>
+                <a:cubicBezTo>
+                  <a:pt x="1647365" y="30800"/>
+                  <a:pt x="1282708" y="45380"/>
+                  <a:pt x="976854" y="18288"/>
+                </a:cubicBezTo>
+                <a:cubicBezTo>
+                  <a:pt x="671000" y="-8804"/>
+                  <a:pt x="408401" y="-12775"/>
+                  <a:pt x="0" y="18288"/>
+                </a:cubicBezTo>
+                <a:cubicBezTo>
+                  <a:pt x="-213" y="9468"/>
+                  <a:pt x="187" y="4459"/>
+                  <a:pt x="0" y="0"/>
+                </a:cubicBezTo>
+                <a:close/>
+              </a:path>
+              <a:path w="10853928" h="18288" stroke="0" extrusionOk="0">
+                <a:moveTo>
+                  <a:pt x="0" y="0"/>
+                </a:moveTo>
+                <a:cubicBezTo>
+                  <a:pt x="267322" y="15284"/>
+                  <a:pt x="415388" y="-21048"/>
+                  <a:pt x="569831" y="0"/>
+                </a:cubicBezTo>
+                <a:cubicBezTo>
+                  <a:pt x="724274" y="21048"/>
+                  <a:pt x="769333" y="-2353"/>
+                  <a:pt x="922584" y="0"/>
+                </a:cubicBezTo>
+                <a:cubicBezTo>
+                  <a:pt x="1075835" y="2353"/>
+                  <a:pt x="1399490" y="-145"/>
+                  <a:pt x="1818033" y="0"/>
+                </a:cubicBezTo>
+                <a:cubicBezTo>
+                  <a:pt x="2236576" y="145"/>
+                  <a:pt x="2145330" y="5482"/>
+                  <a:pt x="2387864" y="0"/>
+                </a:cubicBezTo>
+                <a:cubicBezTo>
+                  <a:pt x="2630398" y="-5482"/>
+                  <a:pt x="2793207" y="18487"/>
+                  <a:pt x="2957695" y="0"/>
+                </a:cubicBezTo>
+                <a:cubicBezTo>
+                  <a:pt x="3122183" y="-18487"/>
+                  <a:pt x="3579141" y="19003"/>
+                  <a:pt x="3853144" y="0"/>
+                </a:cubicBezTo>
+                <a:cubicBezTo>
+                  <a:pt x="4127147" y="-19003"/>
+                  <a:pt x="4209857" y="12211"/>
+                  <a:pt x="4314436" y="0"/>
+                </a:cubicBezTo>
+                <a:cubicBezTo>
+                  <a:pt x="4419015" y="-12211"/>
+                  <a:pt x="4762459" y="-17220"/>
+                  <a:pt x="5209885" y="0"/>
+                </a:cubicBezTo>
+                <a:cubicBezTo>
+                  <a:pt x="5657311" y="17220"/>
+                  <a:pt x="5692663" y="-3290"/>
+                  <a:pt x="6105335" y="0"/>
+                </a:cubicBezTo>
+                <a:cubicBezTo>
+                  <a:pt x="6518007" y="3290"/>
+                  <a:pt x="6455516" y="-5124"/>
+                  <a:pt x="6783705" y="0"/>
+                </a:cubicBezTo>
+                <a:cubicBezTo>
+                  <a:pt x="7111894" y="5124"/>
+                  <a:pt x="7441941" y="-17829"/>
+                  <a:pt x="7679154" y="0"/>
+                </a:cubicBezTo>
+                <a:cubicBezTo>
+                  <a:pt x="7916367" y="17829"/>
+                  <a:pt x="8102967" y="-24363"/>
+                  <a:pt x="8248985" y="0"/>
+                </a:cubicBezTo>
+                <a:cubicBezTo>
+                  <a:pt x="8395003" y="24363"/>
+                  <a:pt x="8552393" y="25505"/>
+                  <a:pt x="8818817" y="0"/>
+                </a:cubicBezTo>
+                <a:cubicBezTo>
+                  <a:pt x="9085241" y="-25505"/>
+                  <a:pt x="9411308" y="38000"/>
+                  <a:pt x="9605726" y="0"/>
+                </a:cubicBezTo>
+                <a:cubicBezTo>
+                  <a:pt x="9800144" y="-38000"/>
+                  <a:pt x="10006468" y="-25741"/>
+                  <a:pt x="10175558" y="0"/>
+                </a:cubicBezTo>
+                <a:cubicBezTo>
+                  <a:pt x="10344648" y="25741"/>
+                  <a:pt x="10696282" y="695"/>
+                  <a:pt x="10853928" y="0"/>
+                </a:cubicBezTo>
+                <a:cubicBezTo>
+                  <a:pt x="10853521" y="8690"/>
+                  <a:pt x="10853774" y="14141"/>
+                  <a:pt x="10853928" y="18288"/>
+                </a:cubicBezTo>
+                <a:cubicBezTo>
+                  <a:pt x="10608124" y="24255"/>
+                  <a:pt x="10343415" y="22307"/>
+                  <a:pt x="10067018" y="18288"/>
+                </a:cubicBezTo>
+                <a:cubicBezTo>
+                  <a:pt x="9790621" y="14270"/>
+                  <a:pt x="9843266" y="3564"/>
+                  <a:pt x="9714266" y="18288"/>
+                </a:cubicBezTo>
+                <a:cubicBezTo>
+                  <a:pt x="9585266" y="33012"/>
+                  <a:pt x="9379484" y="1875"/>
+                  <a:pt x="9252974" y="18288"/>
+                </a:cubicBezTo>
+                <a:cubicBezTo>
+                  <a:pt x="9126464" y="34701"/>
+                  <a:pt x="8580678" y="-4904"/>
+                  <a:pt x="8357525" y="18288"/>
+                </a:cubicBezTo>
+                <a:cubicBezTo>
+                  <a:pt x="8134372" y="41480"/>
+                  <a:pt x="7903199" y="26458"/>
+                  <a:pt x="7679154" y="18288"/>
+                </a:cubicBezTo>
+                <a:cubicBezTo>
+                  <a:pt x="7455109" y="10118"/>
+                  <a:pt x="7435944" y="27109"/>
+                  <a:pt x="7217862" y="18288"/>
+                </a:cubicBezTo>
+                <a:cubicBezTo>
+                  <a:pt x="6999780" y="9467"/>
+                  <a:pt x="6680409" y="18985"/>
+                  <a:pt x="6539492" y="18288"/>
+                </a:cubicBezTo>
+                <a:cubicBezTo>
+                  <a:pt x="6398575" y="17592"/>
+                  <a:pt x="6312077" y="33018"/>
+                  <a:pt x="6186739" y="18288"/>
+                </a:cubicBezTo>
+                <a:cubicBezTo>
+                  <a:pt x="6061401" y="3558"/>
+                  <a:pt x="5947033" y="12075"/>
+                  <a:pt x="5833986" y="18288"/>
+                </a:cubicBezTo>
+                <a:cubicBezTo>
+                  <a:pt x="5720939" y="24501"/>
+                  <a:pt x="5482226" y="8586"/>
+                  <a:pt x="5155616" y="18288"/>
+                </a:cubicBezTo>
+                <a:cubicBezTo>
+                  <a:pt x="4829006" y="27991"/>
+                  <a:pt x="4841274" y="29316"/>
+                  <a:pt x="4694324" y="18288"/>
+                </a:cubicBezTo>
+                <a:cubicBezTo>
+                  <a:pt x="4547374" y="7260"/>
+                  <a:pt x="4077675" y="7013"/>
+                  <a:pt x="3907414" y="18288"/>
+                </a:cubicBezTo>
+                <a:cubicBezTo>
+                  <a:pt x="3737153" y="29564"/>
+                  <a:pt x="3538393" y="21630"/>
+                  <a:pt x="3446122" y="18288"/>
+                </a:cubicBezTo>
+                <a:cubicBezTo>
+                  <a:pt x="3353851" y="14946"/>
+                  <a:pt x="2990320" y="-8091"/>
+                  <a:pt x="2659212" y="18288"/>
+                </a:cubicBezTo>
+                <a:cubicBezTo>
+                  <a:pt x="2328104" y="44667"/>
+                  <a:pt x="2427653" y="9607"/>
+                  <a:pt x="2306460" y="18288"/>
+                </a:cubicBezTo>
+                <a:cubicBezTo>
+                  <a:pt x="2185267" y="26969"/>
+                  <a:pt x="1719763" y="3717"/>
+                  <a:pt x="1519550" y="18288"/>
+                </a:cubicBezTo>
+                <a:cubicBezTo>
+                  <a:pt x="1319337" y="32860"/>
+                  <a:pt x="1167371" y="17040"/>
+                  <a:pt x="1058258" y="18288"/>
+                </a:cubicBezTo>
+                <a:cubicBezTo>
+                  <a:pt x="949145" y="19536"/>
+                  <a:pt x="780234" y="31447"/>
+                  <a:pt x="705505" y="18288"/>
+                </a:cubicBezTo>
+                <a:cubicBezTo>
+                  <a:pt x="630776" y="5129"/>
+                  <a:pt x="215796" y="30056"/>
+                  <a:pt x="0" y="18288"/>
+                </a:cubicBezTo>
+                <a:cubicBezTo>
+                  <a:pt x="-53" y="11301"/>
+                  <a:pt x="-649" y="7756"/>
+                  <a:pt x="0" y="0"/>
+                </a:cubicBezTo>
+                <a:close/>
+              </a:path>
+            </a:pathLst>
+          </a:custGeom>
+          <a:solidFill>
+            <a:schemeClr val="accent2"/>
+          </a:solidFill>
+          <a:ln w="41275" cap="rnd">
+            <a:solidFill>
+              <a:schemeClr val="accent2"/>
+            </a:solidFill>
+            <a:round/>
+            <a:extLst>
+              <a:ext uri="{C807C97D-BFC1-408E-A445-0C87EB9F89A2}">
+                <ask:lineSketchStyleProps xmlns:ask="http://schemas.microsoft.com/office/drawing/2018/sketchyshapes" sd="1219033472">
+                  <a:prstGeom prst="rect">
+                    <a:avLst/>
+                  </a:prstGeom>
+                  <ask:type>
+                    <ask:lineSketchFreehand/>
+                  </ask:type>
+                </ask:lineSketchStyleProps>
+              </a:ext>
+            </a:extLst>
+          </a:ln>
+        </p:spPr>
+        <p:style>
+          <a:lnRef idx="2">
+            <a:schemeClr val="accent1">
+              <a:shade val="50000"/>
+            </a:schemeClr>
+          </a:lnRef>
+          <a:fillRef idx="1">
+            <a:schemeClr val="accent1"/>
+          </a:fillRef>
+          <a:effectRef idx="0">
+            <a:schemeClr val="accent1"/>
+          </a:effectRef>
+          <a:fontRef idx="minor">
+            <a:schemeClr val="lt1"/>
+          </a:fontRef>
+        </p:style>
+        <p:txBody>
+          <a:bodyPr rtlCol="0" anchor="ctr"/>
+          <a:lstStyle/>
+          <a:p>
+            <a:pPr algn="ctr"/>
+            <a:endParaRPr lang="en-US"/>
+          </a:p>
+        </p:txBody>
+      </p:sp>
+      <p:sp>
+        <p:nvSpPr>
           <p:cNvPr id="3" name="Content Placeholder 2">
             <a:extLst>
               <a:ext uri="{FF2B5EF4-FFF2-40B4-BE49-F238E27FC236}">
@@ -7422,30 +8141,37 @@
             <p:ph idx="1"/>
           </p:nvPr>
         </p:nvSpPr>
-        <p:spPr/>
-        <p:txBody>
-          <a:bodyPr/>
-          <a:lstStyle/>
-          <a:p>
-            <a:r>
-              <a:rPr lang="en-GB" sz="2800" dirty="0"/>
+        <p:spPr>
+          <a:xfrm>
+            <a:off x="838200" y="1929384"/>
+            <a:ext cx="10515600" cy="4251960"/>
+          </a:xfrm>
+        </p:spPr>
+        <p:txBody>
+          <a:bodyPr>
+            <a:normAutofit/>
+          </a:bodyPr>
+          <a:lstStyle/>
+          <a:p>
+            <a:r>
+              <a:rPr lang="en-GB" sz="2200"/>
               <a:t>As we live longer, more and more people are expected to develop visual impairments</a:t>
             </a:r>
           </a:p>
           <a:p>
             <a:r>
-              <a:rPr lang="en-GB" sz="2800" dirty="0"/>
+              <a:rPr lang="en-GB" sz="2200"/>
               <a:t>Having a visual impairment can have a serious impact on a person’s physical and mental health</a:t>
             </a:r>
           </a:p>
           <a:p>
             <a:r>
-              <a:rPr lang="en-GB" sz="2800" dirty="0"/>
+              <a:rPr lang="en-GB" sz="2200"/>
               <a:t>Development and use of an Edge device for obstacle detection and navigation would allow the user to live a more full, independent life</a:t>
             </a:r>
           </a:p>
           <a:p>
-            <a:endParaRPr lang="en-GB" dirty="0"/>
+            <a:endParaRPr lang="en-GB" sz="2200"/>
           </a:p>
         </p:txBody>
       </p:sp>

--- a/Documentation/MSc Research Project Presentation.pptx
+++ b/Documentation/MSc Research Project Presentation.pptx
@@ -8,16 +8,16 @@
     <p:sldId id="256" r:id="rId2"/>
     <p:sldId id="257" r:id="rId3"/>
     <p:sldId id="259" r:id="rId4"/>
-    <p:sldId id="269" r:id="rId5"/>
-    <p:sldId id="268" r:id="rId6"/>
-    <p:sldId id="260" r:id="rId7"/>
-    <p:sldId id="261" r:id="rId8"/>
-    <p:sldId id="263" r:id="rId9"/>
-    <p:sldId id="264" r:id="rId10"/>
-    <p:sldId id="262" r:id="rId11"/>
-    <p:sldId id="265" r:id="rId12"/>
-    <p:sldId id="266" r:id="rId13"/>
-    <p:sldId id="267" r:id="rId14"/>
+    <p:sldId id="268" r:id="rId5"/>
+    <p:sldId id="260" r:id="rId6"/>
+    <p:sldId id="261" r:id="rId7"/>
+    <p:sldId id="263" r:id="rId8"/>
+    <p:sldId id="264" r:id="rId9"/>
+    <p:sldId id="262" r:id="rId10"/>
+    <p:sldId id="265" r:id="rId11"/>
+    <p:sldId id="266" r:id="rId12"/>
+    <p:sldId id="267" r:id="rId13"/>
+    <p:sldId id="269" r:id="rId14"/>
   </p:sldIdLst>
   <p:sldSz cx="12192000" cy="6858000"/>
   <p:notesSz cx="6858000" cy="9144000"/>
@@ -273,7 +273,7 @@
           <a:p>
             <a:fld id="{6A40F7CE-1056-4AA7-918B-FDD9DDC9022B}" type="datetimeFigureOut">
               <a:rPr lang="en-GB" smtClean="0"/>
-              <a:t>17/05/2023</a:t>
+              <a:t>18/05/2023</a:t>
             </a:fld>
             <a:endParaRPr lang="en-GB"/>
           </a:p>
@@ -473,7 +473,7 @@
           <a:p>
             <a:fld id="{6A40F7CE-1056-4AA7-918B-FDD9DDC9022B}" type="datetimeFigureOut">
               <a:rPr lang="en-GB" smtClean="0"/>
-              <a:t>17/05/2023</a:t>
+              <a:t>18/05/2023</a:t>
             </a:fld>
             <a:endParaRPr lang="en-GB"/>
           </a:p>
@@ -683,7 +683,7 @@
           <a:p>
             <a:fld id="{6A40F7CE-1056-4AA7-918B-FDD9DDC9022B}" type="datetimeFigureOut">
               <a:rPr lang="en-GB" smtClean="0"/>
-              <a:t>17/05/2023</a:t>
+              <a:t>18/05/2023</a:t>
             </a:fld>
             <a:endParaRPr lang="en-GB"/>
           </a:p>
@@ -883,7 +883,7 @@
           <a:p>
             <a:fld id="{6A40F7CE-1056-4AA7-918B-FDD9DDC9022B}" type="datetimeFigureOut">
               <a:rPr lang="en-GB" smtClean="0"/>
-              <a:t>17/05/2023</a:t>
+              <a:t>18/05/2023</a:t>
             </a:fld>
             <a:endParaRPr lang="en-GB"/>
           </a:p>
@@ -1159,7 +1159,7 @@
           <a:p>
             <a:fld id="{6A40F7CE-1056-4AA7-918B-FDD9DDC9022B}" type="datetimeFigureOut">
               <a:rPr lang="en-GB" smtClean="0"/>
-              <a:t>17/05/2023</a:t>
+              <a:t>18/05/2023</a:t>
             </a:fld>
             <a:endParaRPr lang="en-GB"/>
           </a:p>
@@ -1427,7 +1427,7 @@
           <a:p>
             <a:fld id="{6A40F7CE-1056-4AA7-918B-FDD9DDC9022B}" type="datetimeFigureOut">
               <a:rPr lang="en-GB" smtClean="0"/>
-              <a:t>17/05/2023</a:t>
+              <a:t>18/05/2023</a:t>
             </a:fld>
             <a:endParaRPr lang="en-GB"/>
           </a:p>
@@ -1842,7 +1842,7 @@
           <a:p>
             <a:fld id="{6A40F7CE-1056-4AA7-918B-FDD9DDC9022B}" type="datetimeFigureOut">
               <a:rPr lang="en-GB" smtClean="0"/>
-              <a:t>17/05/2023</a:t>
+              <a:t>18/05/2023</a:t>
             </a:fld>
             <a:endParaRPr lang="en-GB"/>
           </a:p>
@@ -1984,7 +1984,7 @@
           <a:p>
             <a:fld id="{6A40F7CE-1056-4AA7-918B-FDD9DDC9022B}" type="datetimeFigureOut">
               <a:rPr lang="en-GB" smtClean="0"/>
-              <a:t>17/05/2023</a:t>
+              <a:t>18/05/2023</a:t>
             </a:fld>
             <a:endParaRPr lang="en-GB"/>
           </a:p>
@@ -2097,7 +2097,7 @@
           <a:p>
             <a:fld id="{6A40F7CE-1056-4AA7-918B-FDD9DDC9022B}" type="datetimeFigureOut">
               <a:rPr lang="en-GB" smtClean="0"/>
-              <a:t>17/05/2023</a:t>
+              <a:t>18/05/2023</a:t>
             </a:fld>
             <a:endParaRPr lang="en-GB"/>
           </a:p>
@@ -2410,7 +2410,7 @@
           <a:p>
             <a:fld id="{6A40F7CE-1056-4AA7-918B-FDD9DDC9022B}" type="datetimeFigureOut">
               <a:rPr lang="en-GB" smtClean="0"/>
-              <a:t>17/05/2023</a:t>
+              <a:t>18/05/2023</a:t>
             </a:fld>
             <a:endParaRPr lang="en-GB"/>
           </a:p>
@@ -2699,7 +2699,7 @@
           <a:p>
             <a:fld id="{6A40F7CE-1056-4AA7-918B-FDD9DDC9022B}" type="datetimeFigureOut">
               <a:rPr lang="en-GB" smtClean="0"/>
-              <a:t>17/05/2023</a:t>
+              <a:t>18/05/2023</a:t>
             </a:fld>
             <a:endParaRPr lang="en-GB"/>
           </a:p>
@@ -2942,7 +2942,7 @@
           <a:p>
             <a:fld id="{6A40F7CE-1056-4AA7-918B-FDD9DDC9022B}" type="datetimeFigureOut">
               <a:rPr lang="en-GB" smtClean="0"/>
-              <a:t>17/05/2023</a:t>
+              <a:t>18/05/2023</a:t>
             </a:fld>
             <a:endParaRPr lang="en-GB"/>
           </a:p>
@@ -3986,41 +3986,6 @@
           </a:p>
         </p:txBody>
       </p:sp>
-      <p:sp>
-        <p:nvSpPr>
-          <p:cNvPr id="4" name="TextBox 3">
-            <a:extLst>
-              <a:ext uri="{FF2B5EF4-FFF2-40B4-BE49-F238E27FC236}">
-                <a16:creationId xmlns:a16="http://schemas.microsoft.com/office/drawing/2014/main" id="{8323FE91-FEB7-4F6C-B09E-35B4D46C136A}"/>
-              </a:ext>
-            </a:extLst>
-          </p:cNvPr>
-          <p:cNvSpPr txBox="1"/>
-          <p:nvPr/>
-        </p:nvSpPr>
-        <p:spPr>
-          <a:xfrm>
-            <a:off x="11381173" y="6356412"/>
-            <a:ext cx="625492" cy="369332"/>
-          </a:xfrm>
-          <a:prstGeom prst="rect">
-            <a:avLst/>
-          </a:prstGeom>
-          <a:noFill/>
-        </p:spPr>
-        <p:txBody>
-          <a:bodyPr wrap="none" rtlCol="0">
-            <a:spAutoFit/>
-          </a:bodyPr>
-          <a:lstStyle/>
-          <a:p>
-            <a:r>
-              <a:rPr lang="en-GB" dirty="0"/>
-              <a:t>1/12</a:t>
-            </a:r>
-          </a:p>
-        </p:txBody>
-      </p:sp>
     </p:spTree>
     <p:extLst>
       <p:ext uri="{BB962C8B-B14F-4D97-AF65-F5344CB8AC3E}">
@@ -4035,553 +4000,6 @@
 </file>
 
 <file path=ppt/slides/slide10.xml><?xml version="1.0" encoding="utf-8"?>
-<p:sld xmlns:a="http://schemas.openxmlformats.org/drawingml/2006/main" xmlns:r="http://schemas.openxmlformats.org/officeDocument/2006/relationships" xmlns:p="http://schemas.openxmlformats.org/presentationml/2006/main">
-  <p:cSld>
-    <p:bg>
-      <p:bgPr>
-        <a:solidFill>
-          <a:schemeClr val="bg1"/>
-        </a:solidFill>
-        <a:effectLst/>
-      </p:bgPr>
-    </p:bg>
-    <p:spTree>
-      <p:nvGrpSpPr>
-        <p:cNvPr id="1" name=""/>
-        <p:cNvGrpSpPr/>
-        <p:nvPr/>
-      </p:nvGrpSpPr>
-      <p:grpSpPr>
-        <a:xfrm>
-          <a:off x="0" y="0"/>
-          <a:ext cx="0" cy="0"/>
-          <a:chOff x="0" y="0"/>
-          <a:chExt cx="0" cy="0"/>
-        </a:xfrm>
-      </p:grpSpPr>
-      <p:sp useBgFill="1">
-        <p:nvSpPr>
-          <p:cNvPr id="10" name="Rectangle 9">
-            <a:extLst>
-              <a:ext uri="{FF2B5EF4-FFF2-40B4-BE49-F238E27FC236}">
-                <a16:creationId xmlns:a16="http://schemas.microsoft.com/office/drawing/2014/main" id="{7B831B6F-405A-4B47-B9BB-5CA88F285844}"/>
-              </a:ext>
-              <a:ext uri="{C183D7F6-B498-43B3-948B-1728B52AA6E4}">
-                <adec:decorative xmlns:adec="http://schemas.microsoft.com/office/drawing/2017/decorative" val="1"/>
-              </a:ext>
-            </a:extLst>
-          </p:cNvPr>
-          <p:cNvSpPr>
-            <a:spLocks noGrp="1" noRot="1" noChangeAspect="1" noMove="1" noResize="1" noEditPoints="1" noAdjustHandles="1" noChangeArrowheads="1" noChangeShapeType="1" noTextEdit="1"/>
-          </p:cNvSpPr>
-          <p:nvPr>
-            <p:extLst>
-              <p:ext uri="{386F3935-93C4-4BCD-93E2-E3B085C9AB24}">
-                <p16:designElem xmlns:p16="http://schemas.microsoft.com/office/powerpoint/2015/main" val="1"/>
-              </p:ext>
-            </p:extLst>
-          </p:nvPr>
-        </p:nvSpPr>
-        <p:spPr>
-          <a:xfrm>
-            <a:off x="0" y="0"/>
-            <a:ext cx="12192000" cy="6858000"/>
-          </a:xfrm>
-          <a:prstGeom prst="rect">
-            <a:avLst/>
-          </a:prstGeom>
-          <a:ln>
-            <a:noFill/>
-          </a:ln>
-        </p:spPr>
-        <p:style>
-          <a:lnRef idx="2">
-            <a:schemeClr val="accent1">
-              <a:shade val="50000"/>
-            </a:schemeClr>
-          </a:lnRef>
-          <a:fillRef idx="1">
-            <a:schemeClr val="accent1"/>
-          </a:fillRef>
-          <a:effectRef idx="0">
-            <a:schemeClr val="accent1"/>
-          </a:effectRef>
-          <a:fontRef idx="minor">
-            <a:schemeClr val="lt1"/>
-          </a:fontRef>
-        </p:style>
-        <p:txBody>
-          <a:bodyPr rtlCol="0" anchor="ctr"/>
-          <a:lstStyle/>
-          <a:p>
-            <a:pPr algn="ctr"/>
-            <a:endParaRPr lang="en-US"/>
-          </a:p>
-        </p:txBody>
-      </p:sp>
-      <p:sp>
-        <p:nvSpPr>
-          <p:cNvPr id="2" name="Title 1">
-            <a:extLst>
-              <a:ext uri="{FF2B5EF4-FFF2-40B4-BE49-F238E27FC236}">
-                <a16:creationId xmlns:a16="http://schemas.microsoft.com/office/drawing/2014/main" id="{10812B0B-F96D-4A57-BB42-F422121765D1}"/>
-              </a:ext>
-            </a:extLst>
-          </p:cNvPr>
-          <p:cNvSpPr>
-            <a:spLocks noGrp="1"/>
-          </p:cNvSpPr>
-          <p:nvPr>
-            <p:ph type="title"/>
-          </p:nvPr>
-        </p:nvSpPr>
-        <p:spPr>
-          <a:xfrm>
-            <a:off x="6739128" y="638089"/>
-            <a:ext cx="4818888" cy="1476801"/>
-          </a:xfrm>
-        </p:spPr>
-        <p:txBody>
-          <a:bodyPr anchor="b">
-            <a:normAutofit/>
-          </a:bodyPr>
-          <a:lstStyle/>
-          <a:p>
-            <a:r>
-              <a:rPr lang="en-GB" sz="5000"/>
-              <a:t>Analysis: Neural Networks</a:t>
-            </a:r>
-          </a:p>
-        </p:txBody>
-      </p:sp>
-      <p:pic>
-        <p:nvPicPr>
-          <p:cNvPr id="5" name="Picture 4">
-            <a:extLst>
-              <a:ext uri="{FF2B5EF4-FFF2-40B4-BE49-F238E27FC236}">
-                <a16:creationId xmlns:a16="http://schemas.microsoft.com/office/drawing/2014/main" id="{668CC9BE-4B4B-4EF2-87FD-ED33881E10F1}"/>
-              </a:ext>
-            </a:extLst>
-          </p:cNvPr>
-          <p:cNvPicPr>
-            <a:picLocks noChangeAspect="1"/>
-          </p:cNvPicPr>
-          <p:nvPr/>
-        </p:nvPicPr>
-        <p:blipFill>
-          <a:blip r:embed="rId2"/>
-          <a:stretch>
-            <a:fillRect/>
-          </a:stretch>
-        </p:blipFill>
-        <p:spPr>
-          <a:xfrm>
-            <a:off x="225172" y="847006"/>
-            <a:ext cx="6259378" cy="5163987"/>
-          </a:xfrm>
-          <a:prstGeom prst="rect">
-            <a:avLst/>
-          </a:prstGeom>
-        </p:spPr>
-      </p:pic>
-      <p:sp>
-        <p:nvSpPr>
-          <p:cNvPr id="12" name="sketch line">
-            <a:extLst>
-              <a:ext uri="{FF2B5EF4-FFF2-40B4-BE49-F238E27FC236}">
-                <a16:creationId xmlns:a16="http://schemas.microsoft.com/office/drawing/2014/main" id="{953EE71A-6488-4203-A7C4-77102FD0DCCA}"/>
-              </a:ext>
-              <a:ext uri="{C183D7F6-B498-43B3-948B-1728B52AA6E4}">
-                <adec:decorative xmlns:adec="http://schemas.microsoft.com/office/drawing/2017/decorative" val="1"/>
-              </a:ext>
-            </a:extLst>
-          </p:cNvPr>
-          <p:cNvSpPr>
-            <a:spLocks noGrp="1" noRot="1" noChangeAspect="1" noMove="1" noResize="1" noEditPoints="1" noAdjustHandles="1" noChangeArrowheads="1" noChangeShapeType="1" noTextEdit="1"/>
-          </p:cNvSpPr>
-          <p:nvPr>
-            <p:extLst>
-              <p:ext uri="{386F3935-93C4-4BCD-93E2-E3B085C9AB24}">
-                <p16:designElem xmlns:p16="http://schemas.microsoft.com/office/powerpoint/2015/main" val="1"/>
-              </p:ext>
-            </p:extLst>
-          </p:nvPr>
-        </p:nvSpPr>
-        <p:spPr>
-          <a:xfrm>
-            <a:off x="6739128" y="2372868"/>
-            <a:ext cx="3255095" cy="18288"/>
-          </a:xfrm>
-          <a:custGeom>
-            <a:avLst/>
-            <a:gdLst>
-              <a:gd name="connsiteX0" fmla="*/ 0 w 3255095"/>
-              <a:gd name="connsiteY0" fmla="*/ 0 h 18288"/>
-              <a:gd name="connsiteX1" fmla="*/ 618468 w 3255095"/>
-              <a:gd name="connsiteY1" fmla="*/ 0 h 18288"/>
-              <a:gd name="connsiteX2" fmla="*/ 1269487 w 3255095"/>
-              <a:gd name="connsiteY2" fmla="*/ 0 h 18288"/>
-              <a:gd name="connsiteX3" fmla="*/ 1953057 w 3255095"/>
-              <a:gd name="connsiteY3" fmla="*/ 0 h 18288"/>
-              <a:gd name="connsiteX4" fmla="*/ 2636627 w 3255095"/>
-              <a:gd name="connsiteY4" fmla="*/ 0 h 18288"/>
-              <a:gd name="connsiteX5" fmla="*/ 3255095 w 3255095"/>
-              <a:gd name="connsiteY5" fmla="*/ 0 h 18288"/>
-              <a:gd name="connsiteX6" fmla="*/ 3255095 w 3255095"/>
-              <a:gd name="connsiteY6" fmla="*/ 18288 h 18288"/>
-              <a:gd name="connsiteX7" fmla="*/ 2538974 w 3255095"/>
-              <a:gd name="connsiteY7" fmla="*/ 18288 h 18288"/>
-              <a:gd name="connsiteX8" fmla="*/ 1822853 w 3255095"/>
-              <a:gd name="connsiteY8" fmla="*/ 18288 h 18288"/>
-              <a:gd name="connsiteX9" fmla="*/ 1171834 w 3255095"/>
-              <a:gd name="connsiteY9" fmla="*/ 18288 h 18288"/>
-              <a:gd name="connsiteX10" fmla="*/ 0 w 3255095"/>
-              <a:gd name="connsiteY10" fmla="*/ 18288 h 18288"/>
-              <a:gd name="connsiteX11" fmla="*/ 0 w 3255095"/>
-              <a:gd name="connsiteY11" fmla="*/ 0 h 18288"/>
-            </a:gdLst>
-            <a:ahLst/>
-            <a:cxnLst>
-              <a:cxn ang="0">
-                <a:pos x="connsiteX0" y="connsiteY0"/>
-              </a:cxn>
-              <a:cxn ang="0">
-                <a:pos x="connsiteX1" y="connsiteY1"/>
-              </a:cxn>
-              <a:cxn ang="0">
-                <a:pos x="connsiteX2" y="connsiteY2"/>
-              </a:cxn>
-              <a:cxn ang="0">
-                <a:pos x="connsiteX3" y="connsiteY3"/>
-              </a:cxn>
-              <a:cxn ang="0">
-                <a:pos x="connsiteX4" y="connsiteY4"/>
-              </a:cxn>
-              <a:cxn ang="0">
-                <a:pos x="connsiteX5" y="connsiteY5"/>
-              </a:cxn>
-              <a:cxn ang="0">
-                <a:pos x="connsiteX6" y="connsiteY6"/>
-              </a:cxn>
-              <a:cxn ang="0">
-                <a:pos x="connsiteX7" y="connsiteY7"/>
-              </a:cxn>
-              <a:cxn ang="0">
-                <a:pos x="connsiteX8" y="connsiteY8"/>
-              </a:cxn>
-              <a:cxn ang="0">
-                <a:pos x="connsiteX9" y="connsiteY9"/>
-              </a:cxn>
-              <a:cxn ang="0">
-                <a:pos x="connsiteX10" y="connsiteY10"/>
-              </a:cxn>
-              <a:cxn ang="0">
-                <a:pos x="connsiteX11" y="connsiteY11"/>
-              </a:cxn>
-            </a:cxnLst>
-            <a:rect l="l" t="t" r="r" b="b"/>
-            <a:pathLst>
-              <a:path w="3255095" h="18288" fill="none" extrusionOk="0">
-                <a:moveTo>
-                  <a:pt x="0" y="0"/>
-                </a:moveTo>
-                <a:cubicBezTo>
-                  <a:pt x="240201" y="-22123"/>
-                  <a:pt x="462021" y="-19623"/>
-                  <a:pt x="618468" y="0"/>
-                </a:cubicBezTo>
-                <a:cubicBezTo>
-                  <a:pt x="774915" y="19623"/>
-                  <a:pt x="974734" y="2035"/>
-                  <a:pt x="1269487" y="0"/>
-                </a:cubicBezTo>
-                <a:cubicBezTo>
-                  <a:pt x="1564240" y="-2035"/>
-                  <a:pt x="1733579" y="10639"/>
-                  <a:pt x="1953057" y="0"/>
-                </a:cubicBezTo>
-                <a:cubicBezTo>
-                  <a:pt x="2172535" y="-10639"/>
-                  <a:pt x="2453962" y="14018"/>
-                  <a:pt x="2636627" y="0"/>
-                </a:cubicBezTo>
-                <a:cubicBezTo>
-                  <a:pt x="2819292" y="-14018"/>
-                  <a:pt x="3121375" y="5399"/>
-                  <a:pt x="3255095" y="0"/>
-                </a:cubicBezTo>
-                <a:cubicBezTo>
-                  <a:pt x="3254386" y="8157"/>
-                  <a:pt x="3254682" y="12125"/>
-                  <a:pt x="3255095" y="18288"/>
-                </a:cubicBezTo>
-                <a:cubicBezTo>
-                  <a:pt x="3088545" y="23203"/>
-                  <a:pt x="2687475" y="7419"/>
-                  <a:pt x="2538974" y="18288"/>
-                </a:cubicBezTo>
-                <a:cubicBezTo>
-                  <a:pt x="2390473" y="29157"/>
-                  <a:pt x="2137381" y="-8959"/>
-                  <a:pt x="1822853" y="18288"/>
-                </a:cubicBezTo>
-                <a:cubicBezTo>
-                  <a:pt x="1508325" y="45535"/>
-                  <a:pt x="1466437" y="20385"/>
-                  <a:pt x="1171834" y="18288"/>
-                </a:cubicBezTo>
-                <a:cubicBezTo>
-                  <a:pt x="877231" y="16191"/>
-                  <a:pt x="561097" y="37643"/>
-                  <a:pt x="0" y="18288"/>
-                </a:cubicBezTo>
-                <a:cubicBezTo>
-                  <a:pt x="-46" y="12483"/>
-                  <a:pt x="-203" y="6491"/>
-                  <a:pt x="0" y="0"/>
-                </a:cubicBezTo>
-                <a:close/>
-              </a:path>
-              <a:path w="3255095" h="18288" stroke="0" extrusionOk="0">
-                <a:moveTo>
-                  <a:pt x="0" y="0"/>
-                </a:moveTo>
-                <a:cubicBezTo>
-                  <a:pt x="291965" y="19429"/>
-                  <a:pt x="363155" y="8568"/>
-                  <a:pt x="618468" y="0"/>
-                </a:cubicBezTo>
-                <a:cubicBezTo>
-                  <a:pt x="873781" y="-8568"/>
-                  <a:pt x="904459" y="-19505"/>
-                  <a:pt x="1171834" y="0"/>
-                </a:cubicBezTo>
-                <a:cubicBezTo>
-                  <a:pt x="1439209" y="19505"/>
-                  <a:pt x="1744369" y="9790"/>
-                  <a:pt x="1887955" y="0"/>
-                </a:cubicBezTo>
-                <a:cubicBezTo>
-                  <a:pt x="2031541" y="-9790"/>
-                  <a:pt x="2346378" y="21240"/>
-                  <a:pt x="2506423" y="0"/>
-                </a:cubicBezTo>
-                <a:cubicBezTo>
-                  <a:pt x="2666468" y="-21240"/>
-                  <a:pt x="2990257" y="30414"/>
-                  <a:pt x="3255095" y="0"/>
-                </a:cubicBezTo>
-                <a:cubicBezTo>
-                  <a:pt x="3254831" y="4493"/>
-                  <a:pt x="3255479" y="9472"/>
-                  <a:pt x="3255095" y="18288"/>
-                </a:cubicBezTo>
-                <a:cubicBezTo>
-                  <a:pt x="3120743" y="16690"/>
-                  <a:pt x="2759628" y="42462"/>
-                  <a:pt x="2604076" y="18288"/>
-                </a:cubicBezTo>
-                <a:cubicBezTo>
-                  <a:pt x="2448524" y="-5886"/>
-                  <a:pt x="2184336" y="19599"/>
-                  <a:pt x="1887955" y="18288"/>
-                </a:cubicBezTo>
-                <a:cubicBezTo>
-                  <a:pt x="1591574" y="16977"/>
-                  <a:pt x="1548845" y="6870"/>
-                  <a:pt x="1334589" y="18288"/>
-                </a:cubicBezTo>
-                <a:cubicBezTo>
-                  <a:pt x="1120333" y="29706"/>
-                  <a:pt x="996014" y="9662"/>
-                  <a:pt x="683570" y="18288"/>
-                </a:cubicBezTo>
-                <a:cubicBezTo>
-                  <a:pt x="371126" y="26914"/>
-                  <a:pt x="198687" y="16167"/>
-                  <a:pt x="0" y="18288"/>
-                </a:cubicBezTo>
-                <a:cubicBezTo>
-                  <a:pt x="843" y="9577"/>
-                  <a:pt x="371" y="6900"/>
-                  <a:pt x="0" y="0"/>
-                </a:cubicBezTo>
-                <a:close/>
-              </a:path>
-            </a:pathLst>
-          </a:custGeom>
-          <a:solidFill>
-            <a:schemeClr val="accent2"/>
-          </a:solidFill>
-          <a:ln w="38100" cap="rnd">
-            <a:solidFill>
-              <a:schemeClr val="accent2"/>
-            </a:solidFill>
-            <a:round/>
-            <a:extLst>
-              <a:ext uri="{C807C97D-BFC1-408E-A445-0C87EB9F89A2}">
-                <ask:lineSketchStyleProps xmlns:ask="http://schemas.microsoft.com/office/drawing/2018/sketchyshapes" sd="1219033472">
-                  <a:prstGeom prst="rect">
-                    <a:avLst/>
-                  </a:prstGeom>
-                  <ask:type>
-                    <ask:lineSketchFreehand/>
-                  </ask:type>
-                </ask:lineSketchStyleProps>
-              </a:ext>
-            </a:extLst>
-          </a:ln>
-        </p:spPr>
-        <p:style>
-          <a:lnRef idx="2">
-            <a:schemeClr val="accent1">
-              <a:shade val="50000"/>
-            </a:schemeClr>
-          </a:lnRef>
-          <a:fillRef idx="1">
-            <a:schemeClr val="accent1"/>
-          </a:fillRef>
-          <a:effectRef idx="0">
-            <a:schemeClr val="accent1"/>
-          </a:effectRef>
-          <a:fontRef idx="minor">
-            <a:schemeClr val="lt1"/>
-          </a:fontRef>
-        </p:style>
-        <p:txBody>
-          <a:bodyPr rtlCol="0" anchor="ctr"/>
-          <a:lstStyle/>
-          <a:p>
-            <a:pPr algn="ctr"/>
-            <a:endParaRPr lang="en-US"/>
-          </a:p>
-        </p:txBody>
-      </p:sp>
-      <p:sp>
-        <p:nvSpPr>
-          <p:cNvPr id="3" name="Content Placeholder 2">
-            <a:extLst>
-              <a:ext uri="{FF2B5EF4-FFF2-40B4-BE49-F238E27FC236}">
-                <a16:creationId xmlns:a16="http://schemas.microsoft.com/office/drawing/2014/main" id="{BDB373C0-2DFE-4070-AE74-0E6979B27FF2}"/>
-              </a:ext>
-            </a:extLst>
-          </p:cNvPr>
-          <p:cNvSpPr>
-            <a:spLocks noGrp="1"/>
-          </p:cNvSpPr>
-          <p:nvPr>
-            <p:ph idx="1"/>
-          </p:nvPr>
-        </p:nvSpPr>
-        <p:spPr>
-          <a:xfrm>
-            <a:off x="6739128" y="2664886"/>
-            <a:ext cx="4818888" cy="3550789"/>
-          </a:xfrm>
-        </p:spPr>
-        <p:txBody>
-          <a:bodyPr anchor="t">
-            <a:normAutofit/>
-          </a:bodyPr>
-          <a:lstStyle/>
-          <a:p>
-            <a:r>
-              <a:rPr lang="en-GB" sz="2000"/>
-              <a:t>Neural networks built using the Keras framework from TensorFlow</a:t>
-            </a:r>
-          </a:p>
-          <a:p>
-            <a:r>
-              <a:rPr lang="en-GB" sz="2000"/>
-              <a:t>Hyperparameters of a Dense network were tuned for the best Accuracy and Loss results:</a:t>
-            </a:r>
-          </a:p>
-          <a:p>
-            <a:pPr lvl="1"/>
-            <a:r>
-              <a:rPr lang="en-GB" sz="2000"/>
-              <a:t>Number of layers and neurons</a:t>
-            </a:r>
-          </a:p>
-          <a:p>
-            <a:pPr lvl="1"/>
-            <a:r>
-              <a:rPr lang="en-GB" sz="2000"/>
-              <a:t>Learning rate</a:t>
-            </a:r>
-          </a:p>
-          <a:p>
-            <a:pPr lvl="1"/>
-            <a:r>
-              <a:rPr lang="en-GB" sz="2000"/>
-              <a:t>Batch size</a:t>
-            </a:r>
-          </a:p>
-          <a:p>
-            <a:pPr lvl="1"/>
-            <a:r>
-              <a:rPr lang="en-GB" sz="2000"/>
-              <a:t>Epochs</a:t>
-            </a:r>
-          </a:p>
-          <a:p>
-            <a:pPr lvl="1"/>
-            <a:r>
-              <a:rPr lang="en-GB" sz="2000"/>
-              <a:t>Optimisers</a:t>
-            </a:r>
-          </a:p>
-        </p:txBody>
-      </p:sp>
-      <p:sp>
-        <p:nvSpPr>
-          <p:cNvPr id="11" name="TextBox 10">
-            <a:extLst>
-              <a:ext uri="{FF2B5EF4-FFF2-40B4-BE49-F238E27FC236}">
-                <a16:creationId xmlns:a16="http://schemas.microsoft.com/office/drawing/2014/main" id="{61B39D14-8FE7-422F-9D67-FE8E1D76E697}"/>
-              </a:ext>
-            </a:extLst>
-          </p:cNvPr>
-          <p:cNvSpPr txBox="1"/>
-          <p:nvPr/>
-        </p:nvSpPr>
-        <p:spPr>
-          <a:xfrm>
-            <a:off x="11381173" y="6356412"/>
-            <a:ext cx="625492" cy="369332"/>
-          </a:xfrm>
-          <a:prstGeom prst="rect">
-            <a:avLst/>
-          </a:prstGeom>
-          <a:noFill/>
-        </p:spPr>
-        <p:txBody>
-          <a:bodyPr wrap="none" rtlCol="0">
-            <a:spAutoFit/>
-          </a:bodyPr>
-          <a:lstStyle/>
-          <a:p>
-            <a:r>
-              <a:rPr lang="en-GB" dirty="0"/>
-              <a:t>9/12</a:t>
-            </a:r>
-          </a:p>
-        </p:txBody>
-      </p:sp>
-    </p:spTree>
-    <p:extLst>
-      <p:ext uri="{BB962C8B-B14F-4D97-AF65-F5344CB8AC3E}">
-        <p14:creationId xmlns:p14="http://schemas.microsoft.com/office/powerpoint/2010/main" val="297348242"/>
-      </p:ext>
-    </p:extLst>
-  </p:cSld>
-  <p:clrMapOvr>
-    <a:masterClrMapping/>
-  </p:clrMapOvr>
-</p:sld>
-</file>
-
-<file path=ppt/slides/slide11.xml><?xml version="1.0" encoding="utf-8"?>
 <p:sld xmlns:a="http://schemas.openxmlformats.org/drawingml/2006/main" xmlns:r="http://schemas.openxmlformats.org/officeDocument/2006/relationships" xmlns:p="http://schemas.openxmlformats.org/presentationml/2006/main">
   <p:cSld>
     <p:bg>
@@ -5126,14 +4544,103 @@
         </p:blipFill>
         <p:spPr>
           <a:xfrm>
-            <a:off x="1842228" y="3529912"/>
-            <a:ext cx="3654863" cy="2962963"/>
+            <a:off x="1566589" y="3257227"/>
+            <a:ext cx="4163081" cy="3374971"/>
           </a:xfrm>
           <a:prstGeom prst="rect">
             <a:avLst/>
           </a:prstGeom>
         </p:spPr>
       </p:pic>
+      <p:sp>
+        <p:nvSpPr>
+          <p:cNvPr id="3" name="TextBox 2">
+            <a:extLst>
+              <a:ext uri="{FF2B5EF4-FFF2-40B4-BE49-F238E27FC236}">
+                <a16:creationId xmlns:a16="http://schemas.microsoft.com/office/drawing/2014/main" id="{67BE76AC-3C5F-BA12-0644-B9E43E7B2D43}"/>
+              </a:ext>
+            </a:extLst>
+          </p:cNvPr>
+          <p:cNvSpPr txBox="1"/>
+          <p:nvPr/>
+        </p:nvSpPr>
+        <p:spPr>
+          <a:xfrm>
+            <a:off x="11459340" y="6493699"/>
+            <a:ext cx="558166" cy="276999"/>
+          </a:xfrm>
+          <a:prstGeom prst="rect">
+            <a:avLst/>
+          </a:prstGeom>
+          <a:noFill/>
+        </p:spPr>
+        <p:txBody>
+          <a:bodyPr wrap="none" rtlCol="0">
+            <a:spAutoFit/>
+          </a:bodyPr>
+          <a:lstStyle/>
+          <a:p>
+            <a:r>
+              <a:rPr lang="en-GB" sz="1200" dirty="0"/>
+              <a:t>10/13</a:t>
+            </a:r>
+          </a:p>
+        </p:txBody>
+      </p:sp>
+      <p:sp>
+        <p:nvSpPr>
+          <p:cNvPr id="4" name="Rectangle: Rounded Corners 3">
+            <a:extLst>
+              <a:ext uri="{FF2B5EF4-FFF2-40B4-BE49-F238E27FC236}">
+                <a16:creationId xmlns:a16="http://schemas.microsoft.com/office/drawing/2014/main" id="{BFCDD064-86EA-2D99-4F22-548D680A6FC4}"/>
+              </a:ext>
+            </a:extLst>
+          </p:cNvPr>
+          <p:cNvSpPr/>
+          <p:nvPr/>
+        </p:nvSpPr>
+        <p:spPr>
+          <a:xfrm>
+            <a:off x="6927011" y="1104181"/>
+            <a:ext cx="5005553" cy="4787661"/>
+          </a:xfrm>
+          <a:prstGeom prst="roundRect">
+            <a:avLst/>
+          </a:prstGeom>
+          <a:noFill/>
+          <a:ln w="9525" cap="flat" cmpd="sng" algn="ctr">
+            <a:solidFill>
+              <a:schemeClr val="accent2"/>
+            </a:solidFill>
+            <a:prstDash val="solid"/>
+            <a:round/>
+            <a:headEnd type="none" w="med" len="med"/>
+            <a:tailEnd type="none" w="med" len="med"/>
+          </a:ln>
+        </p:spPr>
+        <p:style>
+          <a:lnRef idx="0">
+            <a:scrgbClr r="0" g="0" b="0"/>
+          </a:lnRef>
+          <a:fillRef idx="0">
+            <a:scrgbClr r="0" g="0" b="0"/>
+          </a:fillRef>
+          <a:effectRef idx="0">
+            <a:scrgbClr r="0" g="0" b="0"/>
+          </a:effectRef>
+          <a:fontRef idx="minor">
+            <a:schemeClr val="accent2"/>
+          </a:fontRef>
+        </p:style>
+        <p:txBody>
+          <a:bodyPr rtlCol="0" anchor="ctr"/>
+          <a:lstStyle/>
+          <a:p>
+            <a:pPr algn="ctr"/>
+            <a:endParaRPr lang="en-GB"/>
+          </a:p>
+        </p:txBody>
+      </p:sp>
     </p:spTree>
     <p:extLst>
       <p:ext uri="{BB962C8B-B14F-4D97-AF65-F5344CB8AC3E}">
@@ -5147,7 +4654,7 @@
 </p:sld>
 </file>
 
-<file path=ppt/slides/slide12.xml><?xml version="1.0" encoding="utf-8"?>
+<file path=ppt/slides/slide11.xml><?xml version="1.0" encoding="utf-8"?>
 <p:sld xmlns:a="http://schemas.openxmlformats.org/drawingml/2006/main" xmlns:r="http://schemas.openxmlformats.org/officeDocument/2006/relationships" xmlns:p="http://schemas.openxmlformats.org/presentationml/2006/main">
   <p:cSld>
     <p:bg>
@@ -5807,10 +5314,10 @@
       </p:pic>
       <p:sp>
         <p:nvSpPr>
-          <p:cNvPr id="14" name="TextBox 13">
-            <a:extLst>
-              <a:ext uri="{FF2B5EF4-FFF2-40B4-BE49-F238E27FC236}">
-                <a16:creationId xmlns:a16="http://schemas.microsoft.com/office/drawing/2014/main" id="{CEEC2944-C13C-473C-B8B2-7806D2655FF3}"/>
+          <p:cNvPr id="4" name="TextBox 3">
+            <a:extLst>
+              <a:ext uri="{FF2B5EF4-FFF2-40B4-BE49-F238E27FC236}">
+                <a16:creationId xmlns:a16="http://schemas.microsoft.com/office/drawing/2014/main" id="{4DD2FDD7-270A-62E0-2178-7BEF9EADE122}"/>
               </a:ext>
             </a:extLst>
           </p:cNvPr>
@@ -5819,8 +5326,8 @@
         </p:nvSpPr>
         <p:spPr>
           <a:xfrm>
-            <a:off x="11381173" y="6356412"/>
-            <a:ext cx="742511" cy="369332"/>
+            <a:off x="11459340" y="6493699"/>
+            <a:ext cx="558166" cy="276999"/>
           </a:xfrm>
           <a:prstGeom prst="rect">
             <a:avLst/>
@@ -5834,8 +5341,8 @@
           <a:lstStyle/>
           <a:p>
             <a:r>
-              <a:rPr lang="en-GB" dirty="0"/>
-              <a:t>11/12</a:t>
+              <a:rPr lang="en-GB" sz="1200" dirty="0"/>
+              <a:t>11/13</a:t>
             </a:r>
           </a:p>
         </p:txBody>
@@ -5853,7 +5360,7 @@
 </p:sld>
 </file>
 
-<file path=ppt/slides/slide13.xml><?xml version="1.0" encoding="utf-8"?>
+<file path=ppt/slides/slide12.xml><?xml version="1.0" encoding="utf-8"?>
 <p:sld xmlns:a="http://schemas.openxmlformats.org/drawingml/2006/main" xmlns:r="http://schemas.openxmlformats.org/officeDocument/2006/relationships" xmlns:p="http://schemas.openxmlformats.org/presentationml/2006/main">
   <p:cSld>
     <p:bg>
@@ -6405,31 +5912,31 @@
           <a:lstStyle/>
           <a:p>
             <a:r>
-              <a:rPr lang="en-GB" sz="2000"/>
+              <a:rPr lang="en-GB" sz="2000" dirty="0"/>
               <a:t>A large dataset was created, using a number of obstacles</a:t>
             </a:r>
           </a:p>
           <a:p>
             <a:r>
-              <a:rPr lang="en-GB" sz="2000"/>
+              <a:rPr lang="en-GB" sz="2000" dirty="0"/>
               <a:t>Initial analysis indicated that detecting obstacles is possible, but standard machine-learning techniques alone were not sufficient</a:t>
             </a:r>
           </a:p>
           <a:p>
             <a:r>
-              <a:rPr lang="en-GB" sz="2000"/>
+              <a:rPr lang="en-GB" sz="2000" dirty="0"/>
               <a:t>Development of neural network proved promising with good accuracy scores</a:t>
             </a:r>
           </a:p>
           <a:p>
             <a:r>
-              <a:rPr lang="en-GB" sz="2000"/>
-              <a:t>Deploying the model onto the constrained device generated a number of challenges, which have not been fully overcome</a:t>
-            </a:r>
-          </a:p>
-          <a:p>
-            <a:r>
-              <a:rPr lang="en-GB" sz="2000"/>
+              <a:rPr lang="en-GB" sz="2000" dirty="0"/>
+              <a:t>Deploying the model onto the constrained device generated several challenges, which have not been fully overcome</a:t>
+            </a:r>
+          </a:p>
+          <a:p>
+            <a:r>
+              <a:rPr lang="en-GB" sz="2000" dirty="0"/>
               <a:t>If these challenges could be overcome, this work has shown the potential to develop a system which could be used by people with visual impairments to navigate an unfamiliar indoor environment</a:t>
             </a:r>
           </a:p>
@@ -6437,10 +5944,10 @@
       </p:sp>
       <p:sp>
         <p:nvSpPr>
-          <p:cNvPr id="11" name="TextBox 10">
-            <a:extLst>
-              <a:ext uri="{FF2B5EF4-FFF2-40B4-BE49-F238E27FC236}">
-                <a16:creationId xmlns:a16="http://schemas.microsoft.com/office/drawing/2014/main" id="{D6A75DE6-0AFF-4901-9200-35DDDFCD2C4A}"/>
+          <p:cNvPr id="4" name="TextBox 3">
+            <a:extLst>
+              <a:ext uri="{FF2B5EF4-FFF2-40B4-BE49-F238E27FC236}">
+                <a16:creationId xmlns:a16="http://schemas.microsoft.com/office/drawing/2014/main" id="{1F21DFA2-A8B0-1956-2FFF-03436DC3ACF5}"/>
               </a:ext>
             </a:extLst>
           </p:cNvPr>
@@ -6449,8 +5956,8 @@
         </p:nvSpPr>
         <p:spPr>
           <a:xfrm>
-            <a:off x="11381173" y="6356412"/>
-            <a:ext cx="742511" cy="369332"/>
+            <a:off x="11459340" y="6493699"/>
+            <a:ext cx="558166" cy="276999"/>
           </a:xfrm>
           <a:prstGeom prst="rect">
             <a:avLst/>
@@ -6464,8 +5971,8 @@
           <a:lstStyle/>
           <a:p>
             <a:r>
-              <a:rPr lang="en-GB" dirty="0"/>
-              <a:t>12/12</a:t>
+              <a:rPr lang="en-GB" sz="1200" dirty="0"/>
+              <a:t>12/13</a:t>
             </a:r>
           </a:p>
         </p:txBody>
@@ -6474,6 +5981,665 @@
     <p:extLst>
       <p:ext uri="{BB962C8B-B14F-4D97-AF65-F5344CB8AC3E}">
         <p14:creationId xmlns:p14="http://schemas.microsoft.com/office/powerpoint/2010/main" val="461684805"/>
+      </p:ext>
+    </p:extLst>
+  </p:cSld>
+  <p:clrMapOvr>
+    <a:masterClrMapping/>
+  </p:clrMapOvr>
+</p:sld>
+</file>
+
+<file path=ppt/slides/slide13.xml><?xml version="1.0" encoding="utf-8"?>
+<p:sld xmlns:a="http://schemas.openxmlformats.org/drawingml/2006/main" xmlns:r="http://schemas.openxmlformats.org/officeDocument/2006/relationships" xmlns:p="http://schemas.openxmlformats.org/presentationml/2006/main">
+  <p:cSld>
+    <p:bg>
+      <p:bgPr>
+        <a:solidFill>
+          <a:schemeClr val="bg1"/>
+        </a:solidFill>
+        <a:effectLst/>
+      </p:bgPr>
+    </p:bg>
+    <p:spTree>
+      <p:nvGrpSpPr>
+        <p:cNvPr id="1" name=""/>
+        <p:cNvGrpSpPr/>
+        <p:nvPr/>
+      </p:nvGrpSpPr>
+      <p:grpSpPr>
+        <a:xfrm>
+          <a:off x="0" y="0"/>
+          <a:ext cx="0" cy="0"/>
+          <a:chOff x="0" y="0"/>
+          <a:chExt cx="0" cy="0"/>
+        </a:xfrm>
+      </p:grpSpPr>
+      <p:sp useBgFill="1">
+        <p:nvSpPr>
+          <p:cNvPr id="7" name="Rectangle 6">
+            <a:extLst>
+              <a:ext uri="{FF2B5EF4-FFF2-40B4-BE49-F238E27FC236}">
+                <a16:creationId xmlns:a16="http://schemas.microsoft.com/office/drawing/2014/main" id="{FFD48BC7-DC40-47DE-87EE-9F4B6ECB9ABB}"/>
+              </a:ext>
+              <a:ext uri="{C183D7F6-B498-43B3-948B-1728B52AA6E4}">
+                <adec:decorative xmlns:adec="http://schemas.microsoft.com/office/drawing/2017/decorative" val="1"/>
+              </a:ext>
+            </a:extLst>
+          </p:cNvPr>
+          <p:cNvSpPr>
+            <a:spLocks noGrp="1" noRot="1" noChangeAspect="1" noMove="1" noResize="1" noEditPoints="1" noAdjustHandles="1" noChangeArrowheads="1" noChangeShapeType="1" noTextEdit="1"/>
+          </p:cNvSpPr>
+          <p:nvPr>
+            <p:extLst>
+              <p:ext uri="{386F3935-93C4-4BCD-93E2-E3B085C9AB24}">
+                <p16:designElem xmlns:p16="http://schemas.microsoft.com/office/powerpoint/2015/main" val="1"/>
+              </p:ext>
+            </p:extLst>
+          </p:nvPr>
+        </p:nvSpPr>
+        <p:spPr>
+          <a:xfrm>
+            <a:off x="0" y="0"/>
+            <a:ext cx="12192000" cy="6858000"/>
+          </a:xfrm>
+          <a:prstGeom prst="rect">
+            <a:avLst/>
+          </a:prstGeom>
+          <a:ln>
+            <a:noFill/>
+          </a:ln>
+        </p:spPr>
+        <p:style>
+          <a:lnRef idx="2">
+            <a:schemeClr val="accent1">
+              <a:shade val="50000"/>
+            </a:schemeClr>
+          </a:lnRef>
+          <a:fillRef idx="1">
+            <a:schemeClr val="accent1"/>
+          </a:fillRef>
+          <a:effectRef idx="0">
+            <a:schemeClr val="accent1"/>
+          </a:effectRef>
+          <a:fontRef idx="minor">
+            <a:schemeClr val="lt1"/>
+          </a:fontRef>
+        </p:style>
+        <p:txBody>
+          <a:bodyPr rtlCol="0" anchor="ctr"/>
+          <a:lstStyle/>
+          <a:p>
+            <a:pPr algn="ctr"/>
+            <a:endParaRPr lang="en-US"/>
+          </a:p>
+        </p:txBody>
+      </p:sp>
+      <p:sp useBgFill="1">
+        <p:nvSpPr>
+          <p:cNvPr id="9" name="Freeform: Shape 8">
+            <a:extLst>
+              <a:ext uri="{FF2B5EF4-FFF2-40B4-BE49-F238E27FC236}">
+                <a16:creationId xmlns:a16="http://schemas.microsoft.com/office/drawing/2014/main" id="{E502BBC7-2C76-46F3-BC24-5985BC13DB88}"/>
+              </a:ext>
+              <a:ext uri="{C183D7F6-B498-43B3-948B-1728B52AA6E4}">
+                <adec:decorative xmlns:adec="http://schemas.microsoft.com/office/drawing/2017/decorative" val="1"/>
+              </a:ext>
+            </a:extLst>
+          </p:cNvPr>
+          <p:cNvSpPr>
+            <a:spLocks noGrp="1" noRot="1" noChangeAspect="1" noMove="1" noResize="1" noEditPoints="1" noAdjustHandles="1" noChangeArrowheads="1" noChangeShapeType="1" noTextEdit="1"/>
+          </p:cNvSpPr>
+          <p:nvPr>
+            <p:extLst>
+              <p:ext uri="{386F3935-93C4-4BCD-93E2-E3B085C9AB24}">
+                <p16:designElem xmlns:p16="http://schemas.microsoft.com/office/powerpoint/2015/main" val="1"/>
+              </p:ext>
+            </p:extLst>
+          </p:nvPr>
+        </p:nvSpPr>
+        <p:spPr>
+          <a:xfrm>
+            <a:off x="1114425" y="0"/>
+            <a:ext cx="9963150" cy="6858000"/>
+          </a:xfrm>
+          <a:custGeom>
+            <a:avLst/>
+            <a:gdLst>
+              <a:gd name="connsiteX0" fmla="*/ 1595771 w 9963150"/>
+              <a:gd name="connsiteY0" fmla="*/ 0 h 6858000"/>
+              <a:gd name="connsiteX1" fmla="*/ 8367379 w 9963150"/>
+              <a:gd name="connsiteY1" fmla="*/ 0 h 6858000"/>
+              <a:gd name="connsiteX2" fmla="*/ 8504080 w 9963150"/>
+              <a:gd name="connsiteY2" fmla="*/ 130333 h 6858000"/>
+              <a:gd name="connsiteX3" fmla="*/ 9963150 w 9963150"/>
+              <a:gd name="connsiteY3" fmla="*/ 3652838 h 6858000"/>
+              <a:gd name="connsiteX4" fmla="*/ 8825600 w 9963150"/>
+              <a:gd name="connsiteY4" fmla="*/ 6821583 h 6858000"/>
+              <a:gd name="connsiteX5" fmla="*/ 8794055 w 9963150"/>
+              <a:gd name="connsiteY5" fmla="*/ 6858000 h 6858000"/>
+              <a:gd name="connsiteX6" fmla="*/ 1169096 w 9963150"/>
+              <a:gd name="connsiteY6" fmla="*/ 6858000 h 6858000"/>
+              <a:gd name="connsiteX7" fmla="*/ 1137550 w 9963150"/>
+              <a:gd name="connsiteY7" fmla="*/ 6821583 h 6858000"/>
+              <a:gd name="connsiteX8" fmla="*/ 0 w 9963150"/>
+              <a:gd name="connsiteY8" fmla="*/ 3652838 h 6858000"/>
+              <a:gd name="connsiteX9" fmla="*/ 1459070 w 9963150"/>
+              <a:gd name="connsiteY9" fmla="*/ 130333 h 6858000"/>
+            </a:gdLst>
+            <a:ahLst/>
+            <a:cxnLst>
+              <a:cxn ang="0">
+                <a:pos x="connsiteX0" y="connsiteY0"/>
+              </a:cxn>
+              <a:cxn ang="0">
+                <a:pos x="connsiteX1" y="connsiteY1"/>
+              </a:cxn>
+              <a:cxn ang="0">
+                <a:pos x="connsiteX2" y="connsiteY2"/>
+              </a:cxn>
+              <a:cxn ang="0">
+                <a:pos x="connsiteX3" y="connsiteY3"/>
+              </a:cxn>
+              <a:cxn ang="0">
+                <a:pos x="connsiteX4" y="connsiteY4"/>
+              </a:cxn>
+              <a:cxn ang="0">
+                <a:pos x="connsiteX5" y="connsiteY5"/>
+              </a:cxn>
+              <a:cxn ang="0">
+                <a:pos x="connsiteX6" y="connsiteY6"/>
+              </a:cxn>
+              <a:cxn ang="0">
+                <a:pos x="connsiteX7" y="connsiteY7"/>
+              </a:cxn>
+              <a:cxn ang="0">
+                <a:pos x="connsiteX8" y="connsiteY8"/>
+              </a:cxn>
+              <a:cxn ang="0">
+                <a:pos x="connsiteX9" y="connsiteY9"/>
+              </a:cxn>
+            </a:cxnLst>
+            <a:rect l="l" t="t" r="r" b="b"/>
+            <a:pathLst>
+              <a:path w="9963150" h="6858000">
+                <a:moveTo>
+                  <a:pt x="1595771" y="0"/>
+                </a:moveTo>
+                <a:lnTo>
+                  <a:pt x="8367379" y="0"/>
+                </a:lnTo>
+                <a:lnTo>
+                  <a:pt x="8504080" y="130333"/>
+                </a:lnTo>
+                <a:cubicBezTo>
+                  <a:pt x="9405568" y="1031820"/>
+                  <a:pt x="9963150" y="2277214"/>
+                  <a:pt x="9963150" y="3652838"/>
+                </a:cubicBezTo>
+                <a:cubicBezTo>
+                  <a:pt x="9963150" y="4856509"/>
+                  <a:pt x="9536251" y="5960473"/>
+                  <a:pt x="8825600" y="6821583"/>
+                </a:cubicBezTo>
+                <a:lnTo>
+                  <a:pt x="8794055" y="6858000"/>
+                </a:lnTo>
+                <a:lnTo>
+                  <a:pt x="1169096" y="6858000"/>
+                </a:lnTo>
+                <a:lnTo>
+                  <a:pt x="1137550" y="6821583"/>
+                </a:lnTo>
+                <a:cubicBezTo>
+                  <a:pt x="426899" y="5960473"/>
+                  <a:pt x="0" y="4856509"/>
+                  <a:pt x="0" y="3652838"/>
+                </a:cubicBezTo>
+                <a:cubicBezTo>
+                  <a:pt x="0" y="2277214"/>
+                  <a:pt x="557582" y="1031820"/>
+                  <a:pt x="1459070" y="130333"/>
+                </a:cubicBezTo>
+                <a:close/>
+              </a:path>
+            </a:pathLst>
+          </a:custGeom>
+          <a:ln w="9525">
+            <a:solidFill>
+              <a:srgbClr val="EFEFEF"/>
+            </a:solidFill>
+          </a:ln>
+          <a:effectLst>
+            <a:outerShdw blurRad="139700" sx="102000" sy="102000" algn="ctr" rotWithShape="0">
+              <a:schemeClr val="bg1">
+                <a:lumMod val="85000"/>
+                <a:alpha val="38000"/>
+              </a:schemeClr>
+            </a:outerShdw>
+          </a:effectLst>
+        </p:spPr>
+        <p:style>
+          <a:lnRef idx="2">
+            <a:schemeClr val="accent1">
+              <a:shade val="50000"/>
+            </a:schemeClr>
+          </a:lnRef>
+          <a:fillRef idx="1">
+            <a:schemeClr val="accent1"/>
+          </a:fillRef>
+          <a:effectRef idx="0">
+            <a:schemeClr val="accent1"/>
+          </a:effectRef>
+          <a:fontRef idx="minor">
+            <a:schemeClr val="lt1"/>
+          </a:fontRef>
+        </p:style>
+        <p:txBody>
+          <a:bodyPr wrap="square" rtlCol="0" anchor="ctr">
+            <a:noAutofit/>
+          </a:bodyPr>
+          <a:lstStyle/>
+          <a:p>
+            <a:pPr marL="0" marR="0" lvl="0" indent="0" algn="ctr" defTabSz="914400" rtl="0" eaLnBrk="1" fontAlgn="auto" latinLnBrk="0" hangingPunct="1">
+              <a:lnSpc>
+                <a:spcPct val="100000"/>
+              </a:lnSpc>
+              <a:spcBef>
+                <a:spcPts val="0"/>
+              </a:spcBef>
+              <a:spcAft>
+                <a:spcPts val="0"/>
+              </a:spcAft>
+              <a:buClrTx/>
+              <a:buSzTx/>
+              <a:buFontTx/>
+              <a:buNone/>
+              <a:tabLst/>
+              <a:defRPr/>
+            </a:pPr>
+            <a:endParaRPr kumimoji="0" lang="en-US" sz="1800" b="0" i="0" u="none" strike="noStrike" kern="1200" cap="none" spc="0" normalizeH="0" baseline="0" noProof="0">
+              <a:ln>
+                <a:noFill/>
+              </a:ln>
+              <a:solidFill>
+                <a:prstClr val="white"/>
+              </a:solidFill>
+              <a:effectLst/>
+              <a:uLnTx/>
+              <a:uFillTx/>
+              <a:latin typeface="Calibri" panose="020F0502020204030204"/>
+              <a:ea typeface="+mn-ea"/>
+              <a:cs typeface="+mn-cs"/>
+            </a:endParaRPr>
+          </a:p>
+        </p:txBody>
+      </p:sp>
+      <p:sp useBgFill="1">
+        <p:nvSpPr>
+          <p:cNvPr id="11" name="Freeform: Shape 10">
+            <a:extLst>
+              <a:ext uri="{FF2B5EF4-FFF2-40B4-BE49-F238E27FC236}">
+                <a16:creationId xmlns:a16="http://schemas.microsoft.com/office/drawing/2014/main" id="{C7F28D52-2A5F-4D23-81AE-7CB8B591C7AF}"/>
+              </a:ext>
+              <a:ext uri="{C183D7F6-B498-43B3-948B-1728B52AA6E4}">
+                <adec:decorative xmlns:adec="http://schemas.microsoft.com/office/drawing/2017/decorative" val="1"/>
+              </a:ext>
+            </a:extLst>
+          </p:cNvPr>
+          <p:cNvSpPr>
+            <a:spLocks noGrp="1" noRot="1" noChangeAspect="1" noMove="1" noResize="1" noEditPoints="1" noAdjustHandles="1" noChangeArrowheads="1" noChangeShapeType="1" noTextEdit="1"/>
+          </p:cNvSpPr>
+          <p:nvPr>
+            <p:extLst>
+              <p:ext uri="{386F3935-93C4-4BCD-93E2-E3B085C9AB24}">
+                <p16:designElem xmlns:p16="http://schemas.microsoft.com/office/powerpoint/2015/main" val="1"/>
+              </p:ext>
+            </p:extLst>
+          </p:nvPr>
+        </p:nvSpPr>
+        <p:spPr>
+          <a:xfrm>
+            <a:off x="1121664" y="0"/>
+            <a:ext cx="9948672" cy="6858000"/>
+          </a:xfrm>
+          <a:custGeom>
+            <a:avLst/>
+            <a:gdLst>
+              <a:gd name="connsiteX0" fmla="*/ 1595771 w 9963150"/>
+              <a:gd name="connsiteY0" fmla="*/ 0 h 6858000"/>
+              <a:gd name="connsiteX1" fmla="*/ 8367379 w 9963150"/>
+              <a:gd name="connsiteY1" fmla="*/ 0 h 6858000"/>
+              <a:gd name="connsiteX2" fmla="*/ 8504080 w 9963150"/>
+              <a:gd name="connsiteY2" fmla="*/ 130333 h 6858000"/>
+              <a:gd name="connsiteX3" fmla="*/ 9963150 w 9963150"/>
+              <a:gd name="connsiteY3" fmla="*/ 3652838 h 6858000"/>
+              <a:gd name="connsiteX4" fmla="*/ 8825600 w 9963150"/>
+              <a:gd name="connsiteY4" fmla="*/ 6821583 h 6858000"/>
+              <a:gd name="connsiteX5" fmla="*/ 8794055 w 9963150"/>
+              <a:gd name="connsiteY5" fmla="*/ 6858000 h 6858000"/>
+              <a:gd name="connsiteX6" fmla="*/ 1169096 w 9963150"/>
+              <a:gd name="connsiteY6" fmla="*/ 6858000 h 6858000"/>
+              <a:gd name="connsiteX7" fmla="*/ 1137550 w 9963150"/>
+              <a:gd name="connsiteY7" fmla="*/ 6821583 h 6858000"/>
+              <a:gd name="connsiteX8" fmla="*/ 0 w 9963150"/>
+              <a:gd name="connsiteY8" fmla="*/ 3652838 h 6858000"/>
+              <a:gd name="connsiteX9" fmla="*/ 1459070 w 9963150"/>
+              <a:gd name="connsiteY9" fmla="*/ 130333 h 6858000"/>
+            </a:gdLst>
+            <a:ahLst/>
+            <a:cxnLst>
+              <a:cxn ang="0">
+                <a:pos x="connsiteX0" y="connsiteY0"/>
+              </a:cxn>
+              <a:cxn ang="0">
+                <a:pos x="connsiteX1" y="connsiteY1"/>
+              </a:cxn>
+              <a:cxn ang="0">
+                <a:pos x="connsiteX2" y="connsiteY2"/>
+              </a:cxn>
+              <a:cxn ang="0">
+                <a:pos x="connsiteX3" y="connsiteY3"/>
+              </a:cxn>
+              <a:cxn ang="0">
+                <a:pos x="connsiteX4" y="connsiteY4"/>
+              </a:cxn>
+              <a:cxn ang="0">
+                <a:pos x="connsiteX5" y="connsiteY5"/>
+              </a:cxn>
+              <a:cxn ang="0">
+                <a:pos x="connsiteX6" y="connsiteY6"/>
+              </a:cxn>
+              <a:cxn ang="0">
+                <a:pos x="connsiteX7" y="connsiteY7"/>
+              </a:cxn>
+              <a:cxn ang="0">
+                <a:pos x="connsiteX8" y="connsiteY8"/>
+              </a:cxn>
+              <a:cxn ang="0">
+                <a:pos x="connsiteX9" y="connsiteY9"/>
+              </a:cxn>
+            </a:cxnLst>
+            <a:rect l="l" t="t" r="r" b="b"/>
+            <a:pathLst>
+              <a:path w="9963150" h="6858000">
+                <a:moveTo>
+                  <a:pt x="1595771" y="0"/>
+                </a:moveTo>
+                <a:lnTo>
+                  <a:pt x="8367379" y="0"/>
+                </a:lnTo>
+                <a:lnTo>
+                  <a:pt x="8504080" y="130333"/>
+                </a:lnTo>
+                <a:cubicBezTo>
+                  <a:pt x="9405568" y="1031820"/>
+                  <a:pt x="9963150" y="2277214"/>
+                  <a:pt x="9963150" y="3652838"/>
+                </a:cubicBezTo>
+                <a:cubicBezTo>
+                  <a:pt x="9963150" y="4856509"/>
+                  <a:pt x="9536251" y="5960473"/>
+                  <a:pt x="8825600" y="6821583"/>
+                </a:cubicBezTo>
+                <a:lnTo>
+                  <a:pt x="8794055" y="6858000"/>
+                </a:lnTo>
+                <a:lnTo>
+                  <a:pt x="1169096" y="6858000"/>
+                </a:lnTo>
+                <a:lnTo>
+                  <a:pt x="1137550" y="6821583"/>
+                </a:lnTo>
+                <a:cubicBezTo>
+                  <a:pt x="426899" y="5960473"/>
+                  <a:pt x="0" y="4856509"/>
+                  <a:pt x="0" y="3652838"/>
+                </a:cubicBezTo>
+                <a:cubicBezTo>
+                  <a:pt x="0" y="2277214"/>
+                  <a:pt x="557582" y="1031820"/>
+                  <a:pt x="1459070" y="130333"/>
+                </a:cubicBezTo>
+                <a:close/>
+              </a:path>
+            </a:pathLst>
+          </a:custGeom>
+          <a:ln w="9525">
+            <a:noFill/>
+          </a:ln>
+          <a:effectLst/>
+        </p:spPr>
+        <p:style>
+          <a:lnRef idx="2">
+            <a:schemeClr val="accent1">
+              <a:shade val="50000"/>
+            </a:schemeClr>
+          </a:lnRef>
+          <a:fillRef idx="1">
+            <a:schemeClr val="accent1"/>
+          </a:fillRef>
+          <a:effectRef idx="0">
+            <a:schemeClr val="accent1"/>
+          </a:effectRef>
+          <a:fontRef idx="minor">
+            <a:schemeClr val="lt1"/>
+          </a:fontRef>
+        </p:style>
+        <p:txBody>
+          <a:bodyPr wrap="square" rtlCol="0" anchor="ctr">
+            <a:noAutofit/>
+          </a:bodyPr>
+          <a:lstStyle/>
+          <a:p>
+            <a:pPr marL="0" marR="0" lvl="0" indent="0" algn="ctr" defTabSz="914400" rtl="0" eaLnBrk="1" fontAlgn="auto" latinLnBrk="0" hangingPunct="1">
+              <a:lnSpc>
+                <a:spcPct val="100000"/>
+              </a:lnSpc>
+              <a:spcBef>
+                <a:spcPts val="0"/>
+              </a:spcBef>
+              <a:spcAft>
+                <a:spcPts val="0"/>
+              </a:spcAft>
+              <a:buClrTx/>
+              <a:buSzTx/>
+              <a:buFontTx/>
+              <a:buNone/>
+              <a:tabLst/>
+              <a:defRPr/>
+            </a:pPr>
+            <a:endParaRPr kumimoji="0" lang="en-US" sz="1800" b="0" i="0" u="none" strike="noStrike" kern="1200" cap="none" spc="0" normalizeH="0" baseline="0" noProof="0">
+              <a:ln>
+                <a:noFill/>
+              </a:ln>
+              <a:solidFill>
+                <a:prstClr val="white"/>
+              </a:solidFill>
+              <a:effectLst/>
+              <a:uLnTx/>
+              <a:uFillTx/>
+              <a:latin typeface="Calibri" panose="020F0502020204030204"/>
+              <a:ea typeface="+mn-ea"/>
+              <a:cs typeface="+mn-cs"/>
+            </a:endParaRPr>
+          </a:p>
+        </p:txBody>
+      </p:sp>
+      <p:sp>
+        <p:nvSpPr>
+          <p:cNvPr id="2" name="Title 1">
+            <a:extLst>
+              <a:ext uri="{FF2B5EF4-FFF2-40B4-BE49-F238E27FC236}">
+                <a16:creationId xmlns:a16="http://schemas.microsoft.com/office/drawing/2014/main" id="{37676DAE-C4F2-C8CE-8CC0-B5E097E2A1B7}"/>
+              </a:ext>
+            </a:extLst>
+          </p:cNvPr>
+          <p:cNvSpPr>
+            <a:spLocks noGrp="1"/>
+          </p:cNvSpPr>
+          <p:nvPr>
+            <p:ph type="title"/>
+          </p:nvPr>
+        </p:nvSpPr>
+        <p:spPr>
+          <a:xfrm>
+            <a:off x="1524003" y="1999615"/>
+            <a:ext cx="9144000" cy="2764028"/>
+          </a:xfrm>
+        </p:spPr>
+        <p:txBody>
+          <a:bodyPr vert="horz" lIns="91440" tIns="45720" rIns="91440" bIns="45720" rtlCol="0" anchor="ctr">
+            <a:normAutofit/>
+          </a:bodyPr>
+          <a:lstStyle/>
+          <a:p>
+            <a:pPr algn="ctr"/>
+            <a:r>
+              <a:rPr lang="en-US" sz="7200" kern="1200">
+                <a:solidFill>
+                  <a:schemeClr val="tx1"/>
+                </a:solidFill>
+                <a:latin typeface="+mj-lt"/>
+                <a:ea typeface="+mj-ea"/>
+                <a:cs typeface="+mj-cs"/>
+              </a:rPr>
+              <a:t>Questions?</a:t>
+            </a:r>
+          </a:p>
+        </p:txBody>
+      </p:sp>
+      <p:sp>
+        <p:nvSpPr>
+          <p:cNvPr id="13" name="Rectangle 12">
+            <a:extLst>
+              <a:ext uri="{FF2B5EF4-FFF2-40B4-BE49-F238E27FC236}">
+                <a16:creationId xmlns:a16="http://schemas.microsoft.com/office/drawing/2014/main" id="{3629484E-3792-4B3D-89AD-7C8A1ED0E0D4}"/>
+              </a:ext>
+              <a:ext uri="{C183D7F6-B498-43B3-948B-1728B52AA6E4}">
+                <adec:decorative xmlns:adec="http://schemas.microsoft.com/office/drawing/2017/decorative" val="1"/>
+              </a:ext>
+            </a:extLst>
+          </p:cNvPr>
+          <p:cNvSpPr>
+            <a:spLocks noGrp="1" noRot="1" noChangeAspect="1" noMove="1" noResize="1" noEditPoints="1" noAdjustHandles="1" noChangeArrowheads="1" noChangeShapeType="1" noTextEdit="1"/>
+          </p:cNvSpPr>
+          <p:nvPr>
+            <p:extLst>
+              <p:ext uri="{386F3935-93C4-4BCD-93E2-E3B085C9AB24}">
+                <p16:designElem xmlns:p16="http://schemas.microsoft.com/office/powerpoint/2015/main" val="1"/>
+              </p:ext>
+            </p:extLst>
+          </p:nvPr>
+        </p:nvSpPr>
+        <p:spPr>
+          <a:xfrm>
+            <a:off x="3718560" y="5524786"/>
+            <a:ext cx="4754880" cy="27432"/>
+          </a:xfrm>
+          <a:prstGeom prst="rect">
+            <a:avLst/>
+          </a:prstGeom>
+          <a:solidFill>
+            <a:schemeClr val="accent2"/>
+          </a:solidFill>
+          <a:ln>
+            <a:noFill/>
+          </a:ln>
+        </p:spPr>
+        <p:style>
+          <a:lnRef idx="2">
+            <a:schemeClr val="accent1">
+              <a:shade val="50000"/>
+            </a:schemeClr>
+          </a:lnRef>
+          <a:fillRef idx="1">
+            <a:schemeClr val="accent1"/>
+          </a:fillRef>
+          <a:effectRef idx="0">
+            <a:schemeClr val="accent1"/>
+          </a:effectRef>
+          <a:fontRef idx="minor">
+            <a:schemeClr val="lt1"/>
+          </a:fontRef>
+        </p:style>
+        <p:txBody>
+          <a:bodyPr rtlCol="0" anchor="ctr"/>
+          <a:lstStyle/>
+          <a:p>
+            <a:pPr marL="0" marR="0" lvl="0" indent="0" algn="ctr" defTabSz="914400" rtl="0" eaLnBrk="1" fontAlgn="auto" latinLnBrk="0" hangingPunct="1">
+              <a:lnSpc>
+                <a:spcPct val="100000"/>
+              </a:lnSpc>
+              <a:spcBef>
+                <a:spcPts val="0"/>
+              </a:spcBef>
+              <a:spcAft>
+                <a:spcPts val="0"/>
+              </a:spcAft>
+              <a:buClrTx/>
+              <a:buSzTx/>
+              <a:buFontTx/>
+              <a:buNone/>
+              <a:tabLst/>
+              <a:defRPr/>
+            </a:pPr>
+            <a:endParaRPr kumimoji="0" lang="en-US" sz="1800" b="0" i="0" u="none" strike="noStrike" kern="1200" cap="none" spc="0" normalizeH="0" baseline="0" noProof="0">
+              <a:ln>
+                <a:noFill/>
+              </a:ln>
+              <a:solidFill>
+                <a:prstClr val="white"/>
+              </a:solidFill>
+              <a:effectLst/>
+              <a:uLnTx/>
+              <a:uFillTx/>
+              <a:latin typeface="Calibri" panose="020F0502020204030204"/>
+              <a:ea typeface="+mn-ea"/>
+              <a:cs typeface="+mn-cs"/>
+            </a:endParaRPr>
+          </a:p>
+        </p:txBody>
+      </p:sp>
+      <p:sp>
+        <p:nvSpPr>
+          <p:cNvPr id="6" name="TextBox 5">
+            <a:extLst>
+              <a:ext uri="{FF2B5EF4-FFF2-40B4-BE49-F238E27FC236}">
+                <a16:creationId xmlns:a16="http://schemas.microsoft.com/office/drawing/2014/main" id="{3A47341B-7172-CF6F-03A8-80E16B6A5B5E}"/>
+              </a:ext>
+            </a:extLst>
+          </p:cNvPr>
+          <p:cNvSpPr txBox="1"/>
+          <p:nvPr/>
+        </p:nvSpPr>
+        <p:spPr>
+          <a:xfrm>
+            <a:off x="11459340" y="6493699"/>
+            <a:ext cx="558166" cy="276999"/>
+          </a:xfrm>
+          <a:prstGeom prst="rect">
+            <a:avLst/>
+          </a:prstGeom>
+          <a:noFill/>
+        </p:spPr>
+        <p:txBody>
+          <a:bodyPr wrap="none" rtlCol="0">
+            <a:spAutoFit/>
+          </a:bodyPr>
+          <a:lstStyle/>
+          <a:p>
+            <a:r>
+              <a:rPr lang="en-GB" sz="1200" dirty="0"/>
+              <a:t>13/13</a:t>
+            </a:r>
+          </a:p>
+        </p:txBody>
+      </p:sp>
+    </p:spTree>
+    <p:extLst>
+      <p:ext uri="{BB962C8B-B14F-4D97-AF65-F5344CB8AC3E}">
+        <p14:creationId xmlns:p14="http://schemas.microsoft.com/office/powerpoint/2010/main" val="2527850657"/>
       </p:ext>
     </p:extLst>
   </p:cSld>
@@ -6597,7 +6763,7 @@
           <a:lstStyle/>
           <a:p>
             <a:r>
-              <a:rPr lang="en-GB" sz="6000"/>
+              <a:rPr lang="en-GB" sz="6000" dirty="0"/>
               <a:t>Agenda	</a:t>
             </a:r>
           </a:p>
@@ -6770,7 +6936,13 @@
           <a:p>
             <a:r>
               <a:rPr lang="en-GB" sz="1900" dirty="0"/>
-              <a:t>Research background</a:t>
+              <a:t>Research background and Previous Work</a:t>
+            </a:r>
+          </a:p>
+          <a:p>
+            <a:r>
+              <a:rPr lang="en-GB" sz="1900" dirty="0"/>
+              <a:t>Aims and Objectives</a:t>
             </a:r>
           </a:p>
           <a:p>
@@ -6810,17 +6982,23 @@
           <a:p>
             <a:r>
               <a:rPr lang="en-GB" sz="1900" dirty="0"/>
-              <a:t>Evaluation</a:t>
+              <a:t>Conclusions and Future Work</a:t>
+            </a:r>
+          </a:p>
+          <a:p>
+            <a:r>
+              <a:rPr lang="en-GB" sz="1900" dirty="0"/>
+              <a:t>Questions</a:t>
             </a:r>
           </a:p>
         </p:txBody>
       </p:sp>
       <p:sp>
         <p:nvSpPr>
-          <p:cNvPr id="22" name="TextBox 21">
-            <a:extLst>
-              <a:ext uri="{FF2B5EF4-FFF2-40B4-BE49-F238E27FC236}">
-                <a16:creationId xmlns:a16="http://schemas.microsoft.com/office/drawing/2014/main" id="{5730685C-256C-4467-8812-FD3E43B940F7}"/>
+          <p:cNvPr id="4" name="TextBox 3">
+            <a:extLst>
+              <a:ext uri="{FF2B5EF4-FFF2-40B4-BE49-F238E27FC236}">
+                <a16:creationId xmlns:a16="http://schemas.microsoft.com/office/drawing/2014/main" id="{C647EA98-0D0E-585F-B633-87F3FB8EB553}"/>
               </a:ext>
             </a:extLst>
           </p:cNvPr>
@@ -6829,8 +7007,8 @@
         </p:nvSpPr>
         <p:spPr>
           <a:xfrm>
-            <a:off x="11381173" y="6356412"/>
-            <a:ext cx="625492" cy="369332"/>
+            <a:off x="11459340" y="6493699"/>
+            <a:ext cx="479618" cy="276999"/>
           </a:xfrm>
           <a:prstGeom prst="rect">
             <a:avLst/>
@@ -6844,8 +7022,8 @@
           <a:lstStyle/>
           <a:p>
             <a:r>
-              <a:rPr lang="en-GB" dirty="0"/>
-              <a:t>2/12</a:t>
+              <a:rPr lang="en-GB" sz="1200" dirty="0"/>
+              <a:t>2/13</a:t>
             </a:r>
           </a:p>
         </p:txBody>
@@ -6972,13 +7150,13 @@
         </p:spPr>
         <p:txBody>
           <a:bodyPr anchor="b">
-            <a:normAutofit/>
+            <a:normAutofit fontScale="90000"/>
           </a:bodyPr>
           <a:lstStyle/>
           <a:p>
             <a:r>
               <a:rPr lang="en-GB" sz="5400" dirty="0"/>
-              <a:t>Project Background</a:t>
+              <a:t>Project Background and Previous Work</a:t>
             </a:r>
           </a:p>
         </p:txBody>
@@ -7285,7 +7463,7 @@
         <p:spPr>
           <a:xfrm>
             <a:off x="640081" y="2872899"/>
-            <a:ext cx="4561648" cy="3320668"/>
+            <a:ext cx="4561648" cy="2474443"/>
           </a:xfrm>
         </p:spPr>
         <p:txBody>
@@ -7296,7 +7474,15 @@
           <a:p>
             <a:r>
               <a:rPr lang="en-GB" sz="1500" dirty="0"/>
-              <a:t>As we live longer, more and more people are expected to develop visual impairments. Experts predict by 2050 the number of people suffering from sight loss will double to over 4 million [L. Pezzullo, 2018]</a:t>
+              <a:t>As we live longer, more and more people are expected to develop visual impairments. Experts predict by 2050 the number of people suffering from sight loss will double to over 4 million [L. </a:t>
+            </a:r>
+            <a:r>
+              <a:rPr lang="en-GB" sz="1500" dirty="0" err="1"/>
+              <a:t>Pezzullo</a:t>
+            </a:r>
+            <a:r>
+              <a:rPr lang="en-GB" sz="1500" dirty="0"/>
+              <a:t>, 2018]</a:t>
             </a:r>
           </a:p>
           <a:p>
@@ -7330,8 +7516,8 @@
         </p:nvSpPr>
         <p:spPr>
           <a:xfrm>
-            <a:off x="640080" y="5999519"/>
-            <a:ext cx="10757139" cy="461665"/>
+            <a:off x="640080" y="5467245"/>
+            <a:ext cx="11298878" cy="1200329"/>
           </a:xfrm>
           <a:prstGeom prst="rect">
             <a:avLst/>
@@ -7344,13 +7530,733 @@
           </a:bodyPr>
           <a:lstStyle/>
           <a:p>
-            <a:r>
-              <a:rPr lang="en-GB" sz="1200" b="0" i="0" dirty="0">
+            <a:pPr marL="171450" indent="-171450">
+              <a:buFont typeface="Arial" panose="020B0604020202020204" pitchFamily="34" charset="0"/>
+              <a:buChar char="•"/>
+            </a:pPr>
+            <a:r>
+              <a:rPr lang="en-GB" sz="900" b="0" i="0" dirty="0">
                 <a:effectLst/>
               </a:rPr>
-              <a:t>L. Pezzullo, J. Streatfeild, P. Simkiss and D. Shickle, ”The economic impact of sight loss and blindness in the UK adult population,” BMC Health Services Research, vol. 18, 2018.</a:t>
-            </a:r>
-            <a:endParaRPr lang="en-GB" sz="1200" dirty="0"/>
+              <a:t>L. </a:t>
+            </a:r>
+            <a:r>
+              <a:rPr lang="en-GB" sz="900" b="0" i="0" dirty="0" err="1">
+                <a:effectLst/>
+              </a:rPr>
+              <a:t>Pezzullo</a:t>
+            </a:r>
+            <a:r>
+              <a:rPr lang="en-GB" sz="900" b="0" i="0" dirty="0">
+                <a:effectLst/>
+              </a:rPr>
+              <a:t>, J. </a:t>
+            </a:r>
+            <a:r>
+              <a:rPr lang="en-GB" sz="900" b="0" i="0" dirty="0" err="1">
+                <a:effectLst/>
+              </a:rPr>
+              <a:t>Streatfeild</a:t>
+            </a:r>
+            <a:r>
+              <a:rPr lang="en-GB" sz="900" b="0" i="0" dirty="0">
+                <a:effectLst/>
+              </a:rPr>
+              <a:t>, P. </a:t>
+            </a:r>
+            <a:r>
+              <a:rPr lang="en-GB" sz="900" b="0" i="0" dirty="0" err="1">
+                <a:effectLst/>
+              </a:rPr>
+              <a:t>Simkiss</a:t>
+            </a:r>
+            <a:r>
+              <a:rPr lang="en-GB" sz="900" b="0" i="0" dirty="0">
+                <a:effectLst/>
+              </a:rPr>
+              <a:t> and D. </a:t>
+            </a:r>
+            <a:r>
+              <a:rPr lang="en-GB" sz="900" b="0" i="0" dirty="0" err="1">
+                <a:effectLst/>
+              </a:rPr>
+              <a:t>Shickle</a:t>
+            </a:r>
+            <a:r>
+              <a:rPr lang="en-GB" sz="900" b="0" i="0" dirty="0">
+                <a:effectLst/>
+              </a:rPr>
+              <a:t>, ”The economic impact of sight loss and blindness in the UK adult population,” BMC Health Services Research, vol. 18, 2018.</a:t>
+            </a:r>
+          </a:p>
+          <a:p>
+            <a:pPr marL="171450" indent="-171450">
+              <a:buFont typeface="Arial" panose="020B0604020202020204" pitchFamily="34" charset="0"/>
+              <a:buChar char="•"/>
+            </a:pPr>
+            <a:r>
+              <a:rPr lang="en-GB" sz="900" b="0" i="0" dirty="0">
+                <a:effectLst/>
+              </a:rPr>
+              <a:t>Amira. A. </a:t>
+            </a:r>
+            <a:r>
+              <a:rPr lang="en-GB" sz="900" b="0" i="0" dirty="0" err="1">
+                <a:effectLst/>
+              </a:rPr>
+              <a:t>Elsonbat</a:t>
+            </a:r>
+            <a:r>
+              <a:rPr lang="en-GB" sz="900" dirty="0"/>
+              <a:t>, “</a:t>
+            </a:r>
+            <a:r>
+              <a:rPr lang="en-GB" sz="900" b="0" i="0" dirty="0">
+                <a:effectLst/>
+              </a:rPr>
+              <a:t>Smart Blind Stick Design and Implementation”. International Journal of Engineering and Advanced Technology,2021, (IJEAT), 10(5), 17–20. </a:t>
+            </a:r>
+            <a:r>
+              <a:rPr lang="en-GB" sz="900" dirty="0" err="1"/>
+              <a:t>doi</a:t>
+            </a:r>
+            <a:r>
+              <a:rPr lang="en-GB" sz="900" dirty="0"/>
+              <a:t>: 10.35940/ijeat.D2535.0610521</a:t>
+            </a:r>
+            <a:endParaRPr lang="en-GB" sz="900" b="0" i="0" dirty="0">
+              <a:effectLst/>
+            </a:endParaRPr>
+          </a:p>
+          <a:p>
+            <a:pPr marL="171450" indent="-171450">
+              <a:buFont typeface="Arial" panose="020B0604020202020204" pitchFamily="34" charset="0"/>
+              <a:buChar char="•"/>
+            </a:pPr>
+            <a:r>
+              <a:rPr lang="en-GB" sz="900" b="0" i="0" dirty="0">
+                <a:effectLst/>
+              </a:rPr>
+              <a:t>Masaki Kuribayashi, </a:t>
+            </a:r>
+            <a:r>
+              <a:rPr lang="en-GB" sz="900" b="0" i="0" dirty="0" err="1">
+                <a:effectLst/>
+              </a:rPr>
+              <a:t>Seita</a:t>
+            </a:r>
+            <a:r>
+              <a:rPr lang="en-GB" sz="900" b="0" i="0" dirty="0">
+                <a:effectLst/>
+              </a:rPr>
+              <a:t> </a:t>
+            </a:r>
+            <a:r>
+              <a:rPr lang="en-GB" sz="900" b="0" i="0" dirty="0" err="1">
+                <a:effectLst/>
+              </a:rPr>
+              <a:t>Kayukawa</a:t>
+            </a:r>
+            <a:r>
+              <a:rPr lang="en-GB" sz="900" b="0" i="0" dirty="0">
+                <a:effectLst/>
+              </a:rPr>
+              <a:t>, Hironobu Takagi, Chieko Asakawa, and Shigeo </a:t>
+            </a:r>
+            <a:r>
+              <a:rPr lang="en-GB" sz="900" b="0" i="0" dirty="0" err="1">
+                <a:effectLst/>
+              </a:rPr>
+              <a:t>Morishima</a:t>
+            </a:r>
+            <a:r>
+              <a:rPr lang="en-GB" sz="900" b="0" i="0" dirty="0">
+                <a:effectLst/>
+              </a:rPr>
+              <a:t>. 2021. </a:t>
+            </a:r>
+            <a:r>
+              <a:rPr lang="en-GB" sz="900" b="0" i="0" dirty="0" err="1">
+                <a:effectLst/>
+              </a:rPr>
+              <a:t>LineChaser</a:t>
+            </a:r>
+            <a:r>
+              <a:rPr lang="en-GB" sz="900" b="0" i="0" dirty="0">
+                <a:effectLst/>
+              </a:rPr>
+              <a:t>: M. Kuribayashi, K. </a:t>
+            </a:r>
+            <a:r>
+              <a:rPr lang="en-GB" sz="900" b="0" i="0" dirty="0" err="1">
+                <a:effectLst/>
+              </a:rPr>
+              <a:t>Seita</a:t>
+            </a:r>
+            <a:r>
+              <a:rPr lang="en-GB" sz="900" b="0" i="0" dirty="0">
+                <a:effectLst/>
+              </a:rPr>
+              <a:t>, T. Hironobu, A. Chieko and M. Shigeo, ”</a:t>
+            </a:r>
+            <a:r>
+              <a:rPr lang="en-GB" sz="900" b="0" i="0" dirty="0" err="1">
+                <a:effectLst/>
+              </a:rPr>
+              <a:t>LineChaser</a:t>
+            </a:r>
+            <a:r>
+              <a:rPr lang="en-GB" sz="900" b="0" i="0" dirty="0">
+                <a:effectLst/>
+              </a:rPr>
+              <a:t>: A Smartphone-Based Navigation System for Blind People to Stand in Lines,” Proceedings of the 2021 CHI Conference on Human Factors in Computing Systems, p. 13, 2021</a:t>
+            </a:r>
+          </a:p>
+          <a:p>
+            <a:pPr marL="171450" indent="-171450">
+              <a:buFont typeface="Arial" panose="020B0604020202020204" pitchFamily="34" charset="0"/>
+              <a:buChar char="•"/>
+            </a:pPr>
+            <a:r>
+              <a:rPr lang="en-GB" sz="900" b="0" i="0" dirty="0">
+                <a:solidFill>
+                  <a:srgbClr val="333333"/>
+                </a:solidFill>
+                <a:effectLst/>
+              </a:rPr>
+              <a:t>K. A. B. </a:t>
+            </a:r>
+            <a:r>
+              <a:rPr lang="en-GB" sz="900" b="0" i="0" dirty="0" err="1">
+                <a:solidFill>
+                  <a:srgbClr val="333333"/>
+                </a:solidFill>
+                <a:effectLst/>
+              </a:rPr>
+              <a:t>Za’aba</a:t>
+            </a:r>
+            <a:r>
+              <a:rPr lang="en-GB" sz="900" b="0" i="0" dirty="0">
+                <a:solidFill>
+                  <a:srgbClr val="333333"/>
+                </a:solidFill>
+                <a:effectLst/>
+              </a:rPr>
+              <a:t> and L. B. </a:t>
+            </a:r>
+            <a:r>
+              <a:rPr lang="en-GB" sz="900" b="0" i="0" dirty="0" err="1">
+                <a:solidFill>
+                  <a:srgbClr val="333333"/>
+                </a:solidFill>
+                <a:effectLst/>
+              </a:rPr>
+              <a:t>Theng</a:t>
+            </a:r>
+            <a:r>
+              <a:rPr lang="en-GB" sz="900" b="0" i="0" dirty="0">
+                <a:solidFill>
+                  <a:srgbClr val="333333"/>
+                </a:solidFill>
+                <a:effectLst/>
+              </a:rPr>
+              <a:t>, "Edge Based Obstacle Detection Model Focused on Indoor Floor-Based Obstacles," </a:t>
+            </a:r>
+            <a:r>
+              <a:rPr lang="en-GB" sz="900" b="0" i="1" dirty="0">
+                <a:solidFill>
+                  <a:srgbClr val="333333"/>
+                </a:solidFill>
+                <a:effectLst/>
+              </a:rPr>
+              <a:t>2019 IEEE 9th Symposium on Computer Applications &amp; Industrial Electronics (ISCAIE)</a:t>
+            </a:r>
+            <a:r>
+              <a:rPr lang="en-GB" sz="900" b="0" i="0" dirty="0">
+                <a:solidFill>
+                  <a:srgbClr val="333333"/>
+                </a:solidFill>
+                <a:effectLst/>
+              </a:rPr>
+              <a:t>, Malaysia, 2019, pp. 202-207, </a:t>
+            </a:r>
+            <a:r>
+              <a:rPr lang="en-GB" sz="900" b="0" i="0" dirty="0" err="1">
+                <a:solidFill>
+                  <a:srgbClr val="333333"/>
+                </a:solidFill>
+                <a:effectLst/>
+              </a:rPr>
+              <a:t>doi</a:t>
+            </a:r>
+            <a:r>
+              <a:rPr lang="en-GB" sz="900" b="0" i="0" dirty="0">
+                <a:solidFill>
+                  <a:srgbClr val="333333"/>
+                </a:solidFill>
+                <a:effectLst/>
+              </a:rPr>
+              <a:t>: 10.1109/ISCAIE.2019.8743866</a:t>
+            </a:r>
+          </a:p>
+          <a:p>
+            <a:pPr marL="171450" indent="-171450">
+              <a:buFont typeface="Arial" panose="020B0604020202020204" pitchFamily="34" charset="0"/>
+              <a:buChar char="•"/>
+            </a:pPr>
+            <a:r>
+              <a:rPr lang="en-GB" sz="900" b="0" i="0" dirty="0">
+                <a:effectLst/>
+              </a:rPr>
+              <a:t>R. </a:t>
+            </a:r>
+            <a:r>
+              <a:rPr lang="en-GB" sz="900" b="0" i="0" dirty="0" err="1">
+                <a:effectLst/>
+              </a:rPr>
+              <a:t>Sattiraju</a:t>
+            </a:r>
+            <a:r>
+              <a:rPr lang="en-GB" sz="900" b="0" i="0" dirty="0">
+                <a:effectLst/>
+              </a:rPr>
+              <a:t>, J. </a:t>
+            </a:r>
+            <a:r>
+              <a:rPr lang="en-GB" sz="900" b="0" i="0" dirty="0" err="1">
+                <a:effectLst/>
+              </a:rPr>
+              <a:t>Kochems</a:t>
+            </a:r>
+            <a:r>
+              <a:rPr lang="en-GB" sz="900" b="0" i="0" dirty="0">
+                <a:effectLst/>
+              </a:rPr>
+              <a:t> and H. D. </a:t>
+            </a:r>
+            <a:r>
+              <a:rPr lang="en-GB" sz="900" b="0" i="0" dirty="0" err="1">
+                <a:effectLst/>
+              </a:rPr>
+              <a:t>Schotten</a:t>
+            </a:r>
+            <a:r>
+              <a:rPr lang="en-GB" sz="900" b="0" i="0" dirty="0">
+                <a:effectLst/>
+              </a:rPr>
+              <a:t>, ”Machine learning based obstacle detection for Automatic Train Pairing,” 2017 IEEE 13th International Workshop on Factory Communication Systems (WFCS), Trondheim, Norway, 2017, pp. 1-4, </a:t>
+            </a:r>
+            <a:r>
+              <a:rPr lang="en-GB" sz="900" b="0" i="0" dirty="0" err="1">
+                <a:effectLst/>
+              </a:rPr>
+              <a:t>doi</a:t>
+            </a:r>
+            <a:r>
+              <a:rPr lang="en-GB" sz="900" b="0" i="0" dirty="0">
+                <a:effectLst/>
+              </a:rPr>
+              <a:t>: 10.1109/WFCS.2017.7991962.</a:t>
+            </a:r>
+            <a:endParaRPr lang="en-GB" sz="900" dirty="0"/>
+          </a:p>
+        </p:txBody>
+      </p:sp>
+      <p:sp>
+        <p:nvSpPr>
+          <p:cNvPr id="6" name="Content Placeholder 2">
+            <a:extLst>
+              <a:ext uri="{FF2B5EF4-FFF2-40B4-BE49-F238E27FC236}">
+                <a16:creationId xmlns:a16="http://schemas.microsoft.com/office/drawing/2014/main" id="{341116AB-DB99-AB01-8EF3-FAE45BCBEA2B}"/>
+              </a:ext>
+            </a:extLst>
+          </p:cNvPr>
+          <p:cNvSpPr txBox="1">
+            <a:spLocks/>
+          </p:cNvSpPr>
+          <p:nvPr/>
+        </p:nvSpPr>
+        <p:spPr>
+          <a:xfrm>
+            <a:off x="5544080" y="606150"/>
+            <a:ext cx="6007839" cy="4809169"/>
+          </a:xfrm>
+          <a:prstGeom prst="rect">
+            <a:avLst/>
+          </a:prstGeom>
+        </p:spPr>
+        <p:txBody>
+          <a:bodyPr vert="horz" lIns="91440" tIns="45720" rIns="91440" bIns="45720" rtlCol="0">
+            <a:normAutofit/>
+          </a:bodyPr>
+          <a:lstStyle>
+            <a:lvl1pPr marL="228600" indent="-228600" algn="l" defTabSz="914400" rtl="0" eaLnBrk="1" latinLnBrk="0" hangingPunct="1">
+              <a:lnSpc>
+                <a:spcPct val="90000"/>
+              </a:lnSpc>
+              <a:spcBef>
+                <a:spcPts val="1000"/>
+              </a:spcBef>
+              <a:buFont typeface="Arial" panose="020B0604020202020204" pitchFamily="34" charset="0"/>
+              <a:buChar char="•"/>
+              <a:defRPr sz="2800" kern="1200">
+                <a:solidFill>
+                  <a:schemeClr val="tx1"/>
+                </a:solidFill>
+                <a:latin typeface="+mn-lt"/>
+                <a:ea typeface="+mn-ea"/>
+                <a:cs typeface="+mn-cs"/>
+              </a:defRPr>
+            </a:lvl1pPr>
+            <a:lvl2pPr marL="685800" indent="-228600" algn="l" defTabSz="914400" rtl="0" eaLnBrk="1" latinLnBrk="0" hangingPunct="1">
+              <a:lnSpc>
+                <a:spcPct val="90000"/>
+              </a:lnSpc>
+              <a:spcBef>
+                <a:spcPts val="500"/>
+              </a:spcBef>
+              <a:buFont typeface="Arial" panose="020B0604020202020204" pitchFamily="34" charset="0"/>
+              <a:buChar char="•"/>
+              <a:defRPr sz="2400" kern="1200">
+                <a:solidFill>
+                  <a:schemeClr val="tx1"/>
+                </a:solidFill>
+                <a:latin typeface="+mn-lt"/>
+                <a:ea typeface="+mn-ea"/>
+                <a:cs typeface="+mn-cs"/>
+              </a:defRPr>
+            </a:lvl2pPr>
+            <a:lvl3pPr marL="1143000" indent="-228600" algn="l" defTabSz="914400" rtl="0" eaLnBrk="1" latinLnBrk="0" hangingPunct="1">
+              <a:lnSpc>
+                <a:spcPct val="90000"/>
+              </a:lnSpc>
+              <a:spcBef>
+                <a:spcPts val="500"/>
+              </a:spcBef>
+              <a:buFont typeface="Arial" panose="020B0604020202020204" pitchFamily="34" charset="0"/>
+              <a:buChar char="•"/>
+              <a:defRPr sz="2000" kern="1200">
+                <a:solidFill>
+                  <a:schemeClr val="tx1"/>
+                </a:solidFill>
+                <a:latin typeface="+mn-lt"/>
+                <a:ea typeface="+mn-ea"/>
+                <a:cs typeface="+mn-cs"/>
+              </a:defRPr>
+            </a:lvl3pPr>
+            <a:lvl4pPr marL="1600200" indent="-228600" algn="l" defTabSz="914400" rtl="0" eaLnBrk="1" latinLnBrk="0" hangingPunct="1">
+              <a:lnSpc>
+                <a:spcPct val="90000"/>
+              </a:lnSpc>
+              <a:spcBef>
+                <a:spcPts val="500"/>
+              </a:spcBef>
+              <a:buFont typeface="Arial" panose="020B0604020202020204" pitchFamily="34" charset="0"/>
+              <a:buChar char="•"/>
+              <a:defRPr sz="1800" kern="1200">
+                <a:solidFill>
+                  <a:schemeClr val="tx1"/>
+                </a:solidFill>
+                <a:latin typeface="+mn-lt"/>
+                <a:ea typeface="+mn-ea"/>
+                <a:cs typeface="+mn-cs"/>
+              </a:defRPr>
+            </a:lvl4pPr>
+            <a:lvl5pPr marL="2057400" indent="-228600" algn="l" defTabSz="914400" rtl="0" eaLnBrk="1" latinLnBrk="0" hangingPunct="1">
+              <a:lnSpc>
+                <a:spcPct val="90000"/>
+              </a:lnSpc>
+              <a:spcBef>
+                <a:spcPts val="500"/>
+              </a:spcBef>
+              <a:buFont typeface="Arial" panose="020B0604020202020204" pitchFamily="34" charset="0"/>
+              <a:buChar char="•"/>
+              <a:defRPr sz="1800" kern="1200">
+                <a:solidFill>
+                  <a:schemeClr val="tx1"/>
+                </a:solidFill>
+                <a:latin typeface="+mn-lt"/>
+                <a:ea typeface="+mn-ea"/>
+                <a:cs typeface="+mn-cs"/>
+              </a:defRPr>
+            </a:lvl5pPr>
+            <a:lvl6pPr marL="2514600" indent="-228600" algn="l" defTabSz="914400" rtl="0" eaLnBrk="1" latinLnBrk="0" hangingPunct="1">
+              <a:lnSpc>
+                <a:spcPct val="90000"/>
+              </a:lnSpc>
+              <a:spcBef>
+                <a:spcPts val="500"/>
+              </a:spcBef>
+              <a:buFont typeface="Arial" panose="020B0604020202020204" pitchFamily="34" charset="0"/>
+              <a:buChar char="•"/>
+              <a:defRPr sz="1800" kern="1200">
+                <a:solidFill>
+                  <a:schemeClr val="tx1"/>
+                </a:solidFill>
+                <a:latin typeface="+mn-lt"/>
+                <a:ea typeface="+mn-ea"/>
+                <a:cs typeface="+mn-cs"/>
+              </a:defRPr>
+            </a:lvl6pPr>
+            <a:lvl7pPr marL="2971800" indent="-228600" algn="l" defTabSz="914400" rtl="0" eaLnBrk="1" latinLnBrk="0" hangingPunct="1">
+              <a:lnSpc>
+                <a:spcPct val="90000"/>
+              </a:lnSpc>
+              <a:spcBef>
+                <a:spcPts val="500"/>
+              </a:spcBef>
+              <a:buFont typeface="Arial" panose="020B0604020202020204" pitchFamily="34" charset="0"/>
+              <a:buChar char="•"/>
+              <a:defRPr sz="1800" kern="1200">
+                <a:solidFill>
+                  <a:schemeClr val="tx1"/>
+                </a:solidFill>
+                <a:latin typeface="+mn-lt"/>
+                <a:ea typeface="+mn-ea"/>
+                <a:cs typeface="+mn-cs"/>
+              </a:defRPr>
+            </a:lvl7pPr>
+            <a:lvl8pPr marL="3429000" indent="-228600" algn="l" defTabSz="914400" rtl="0" eaLnBrk="1" latinLnBrk="0" hangingPunct="1">
+              <a:lnSpc>
+                <a:spcPct val="90000"/>
+              </a:lnSpc>
+              <a:spcBef>
+                <a:spcPts val="500"/>
+              </a:spcBef>
+              <a:buFont typeface="Arial" panose="020B0604020202020204" pitchFamily="34" charset="0"/>
+              <a:buChar char="•"/>
+              <a:defRPr sz="1800" kern="1200">
+                <a:solidFill>
+                  <a:schemeClr val="tx1"/>
+                </a:solidFill>
+                <a:latin typeface="+mn-lt"/>
+                <a:ea typeface="+mn-ea"/>
+                <a:cs typeface="+mn-cs"/>
+              </a:defRPr>
+            </a:lvl8pPr>
+            <a:lvl9pPr marL="3886200" indent="-228600" algn="l" defTabSz="914400" rtl="0" eaLnBrk="1" latinLnBrk="0" hangingPunct="1">
+              <a:lnSpc>
+                <a:spcPct val="90000"/>
+              </a:lnSpc>
+              <a:spcBef>
+                <a:spcPts val="500"/>
+              </a:spcBef>
+              <a:buFont typeface="Arial" panose="020B0604020202020204" pitchFamily="34" charset="0"/>
+              <a:buChar char="•"/>
+              <a:defRPr sz="1800" kern="1200">
+                <a:solidFill>
+                  <a:schemeClr val="tx1"/>
+                </a:solidFill>
+                <a:latin typeface="+mn-lt"/>
+                <a:ea typeface="+mn-ea"/>
+                <a:cs typeface="+mn-cs"/>
+              </a:defRPr>
+            </a:lvl9pPr>
+          </a:lstStyle>
+          <a:p>
+            <a:r>
+              <a:rPr lang="en-GB" sz="1500" dirty="0"/>
+              <a:t>Smart Blind Stick [</a:t>
+            </a:r>
+            <a:r>
+              <a:rPr lang="en-GB" sz="1500" dirty="0" err="1"/>
+              <a:t>Elsonbat</a:t>
+            </a:r>
+            <a:r>
+              <a:rPr lang="en-GB" sz="1500" dirty="0"/>
+              <a:t>, 2021]</a:t>
+            </a:r>
+          </a:p>
+          <a:p>
+            <a:pPr lvl="1"/>
+            <a:r>
+              <a:rPr lang="en-GB" sz="1200" dirty="0"/>
+              <a:t>A traditional cane used by blind people was upgraded with an ultrasonic sensor for distance measurement and a water sensor for detecting rainfall or water level</a:t>
+            </a:r>
+          </a:p>
+          <a:p>
+            <a:pPr lvl="1"/>
+            <a:r>
+              <a:rPr lang="en-GB" sz="1200" dirty="0"/>
+              <a:t>System is connected to an application which runs on a smartphone</a:t>
+            </a:r>
+          </a:p>
+          <a:p>
+            <a:r>
+              <a:rPr lang="en-GB" sz="1500" dirty="0" err="1"/>
+              <a:t>LineChaser</a:t>
+            </a:r>
+            <a:r>
+              <a:rPr lang="en-GB" sz="1500" dirty="0"/>
+              <a:t> [</a:t>
+            </a:r>
+            <a:r>
+              <a:rPr lang="en-GB" sz="1500" b="0" i="0" dirty="0">
+                <a:effectLst/>
+              </a:rPr>
+              <a:t>Kuribayashi et. </a:t>
+            </a:r>
+            <a:r>
+              <a:rPr lang="en-GB" sz="1500" dirty="0"/>
+              <a:t>al, 2021]</a:t>
+            </a:r>
+          </a:p>
+          <a:p>
+            <a:pPr lvl="1"/>
+            <a:r>
+              <a:rPr lang="en-GB" sz="1200" dirty="0"/>
+              <a:t>System is used to allow a person with visual impairments to join and follow a queue of people by continuously monitoring and reporting the distance and direction of the last person in the queue</a:t>
+            </a:r>
+          </a:p>
+          <a:p>
+            <a:pPr lvl="1"/>
+            <a:r>
+              <a:rPr lang="en-GB" sz="1200" dirty="0"/>
+              <a:t>The system uses a smartphone camera to detect people nearby, and an in-built infrared sensor which is to estimate the distance to that person</a:t>
+            </a:r>
+          </a:p>
+          <a:p>
+            <a:pPr lvl="1"/>
+            <a:r>
+              <a:rPr lang="en-GB" sz="1200" dirty="0"/>
+              <a:t>Requires the user to operate and hold a smartphone throughout</a:t>
+            </a:r>
+          </a:p>
+          <a:p>
+            <a:r>
+              <a:rPr lang="en-GB" sz="1500" dirty="0"/>
+              <a:t>Edge Based Obstacle Detection [</a:t>
+            </a:r>
+            <a:r>
+              <a:rPr lang="en-GB" sz="1500" b="0" i="0" dirty="0" err="1">
+                <a:solidFill>
+                  <a:srgbClr val="333333"/>
+                </a:solidFill>
+                <a:effectLst/>
+              </a:rPr>
+              <a:t>Za’aba</a:t>
+            </a:r>
+            <a:r>
+              <a:rPr lang="en-GB" sz="1500" dirty="0">
+                <a:solidFill>
+                  <a:srgbClr val="333333"/>
+                </a:solidFill>
+              </a:rPr>
+              <a:t> et. al., 2019]</a:t>
+            </a:r>
+          </a:p>
+          <a:p>
+            <a:pPr lvl="1"/>
+            <a:r>
+              <a:rPr lang="en-GB" sz="1200" dirty="0">
+                <a:solidFill>
+                  <a:srgbClr val="333333"/>
+                </a:solidFill>
+              </a:rPr>
+              <a:t>This technique uses the cameras on smartphones and tablets to gather data which is run through machine learning algorithms to detect the presence of obstacles</a:t>
+            </a:r>
+          </a:p>
+          <a:p>
+            <a:pPr lvl="1"/>
+            <a:r>
+              <a:rPr lang="en-GB" sz="1200" dirty="0">
+                <a:solidFill>
+                  <a:srgbClr val="333333"/>
+                </a:solidFill>
+              </a:rPr>
+              <a:t>The authors also employ proximity sensors, accelerometers, and gyroscopes to adapt to the environment</a:t>
+            </a:r>
+          </a:p>
+          <a:p>
+            <a:r>
+              <a:rPr lang="en-GB" sz="1500" dirty="0">
+                <a:solidFill>
+                  <a:srgbClr val="333333"/>
+                </a:solidFill>
+              </a:rPr>
+              <a:t>Automatic Train Pairing [</a:t>
+            </a:r>
+            <a:r>
+              <a:rPr lang="en-GB" sz="1500" dirty="0" err="1">
+                <a:solidFill>
+                  <a:srgbClr val="333333"/>
+                </a:solidFill>
+              </a:rPr>
+              <a:t>Sattiraju</a:t>
+            </a:r>
+            <a:r>
+              <a:rPr lang="en-GB" sz="1500" dirty="0">
+                <a:solidFill>
+                  <a:srgbClr val="333333"/>
+                </a:solidFill>
+              </a:rPr>
+              <a:t> et. al., 2017]</a:t>
+            </a:r>
+          </a:p>
+          <a:p>
+            <a:pPr lvl="1"/>
+            <a:r>
+              <a:rPr lang="en-GB" sz="1200" dirty="0">
+                <a:solidFill>
+                  <a:srgbClr val="333333"/>
+                </a:solidFill>
+              </a:rPr>
+              <a:t>This work discusses using Real-Time Ranging and Localisation for Automatic Train Pairing</a:t>
+            </a:r>
+          </a:p>
+          <a:p>
+            <a:pPr lvl="1"/>
+            <a:r>
+              <a:rPr lang="en-GB" sz="1200" dirty="0">
+                <a:solidFill>
+                  <a:srgbClr val="333333"/>
+                </a:solidFill>
+              </a:rPr>
+              <a:t>Authors discuss the use of labelling systems, such as grid labelling and the performance of classification algorithms</a:t>
+            </a:r>
+          </a:p>
+          <a:p>
+            <a:pPr lvl="1"/>
+            <a:endParaRPr lang="en-GB" sz="1100" dirty="0">
+              <a:solidFill>
+                <a:srgbClr val="333333"/>
+              </a:solidFill>
+            </a:endParaRPr>
+          </a:p>
+        </p:txBody>
+      </p:sp>
+      <p:sp>
+        <p:nvSpPr>
+          <p:cNvPr id="7" name="TextBox 6">
+            <a:extLst>
+              <a:ext uri="{FF2B5EF4-FFF2-40B4-BE49-F238E27FC236}">
+                <a16:creationId xmlns:a16="http://schemas.microsoft.com/office/drawing/2014/main" id="{F70B4735-A6FA-C478-08F3-1294226B432C}"/>
+              </a:ext>
+            </a:extLst>
+          </p:cNvPr>
+          <p:cNvSpPr txBox="1"/>
+          <p:nvPr/>
+        </p:nvSpPr>
+        <p:spPr>
+          <a:xfrm>
+            <a:off x="11459340" y="6493699"/>
+            <a:ext cx="479618" cy="276999"/>
+          </a:xfrm>
+          <a:prstGeom prst="rect">
+            <a:avLst/>
+          </a:prstGeom>
+          <a:noFill/>
+        </p:spPr>
+        <p:txBody>
+          <a:bodyPr wrap="none" rtlCol="0">
+            <a:spAutoFit/>
+          </a:bodyPr>
+          <a:lstStyle/>
+          <a:p>
+            <a:r>
+              <a:rPr lang="en-GB" sz="1200" dirty="0"/>
+              <a:t>3/13</a:t>
+            </a:r>
           </a:p>
         </p:txBody>
       </p:sp>
@@ -7397,7 +8303,7 @@
           <p:cNvPr id="8" name="Rectangle 7">
             <a:extLst>
               <a:ext uri="{FF2B5EF4-FFF2-40B4-BE49-F238E27FC236}">
-                <a16:creationId xmlns:a16="http://schemas.microsoft.com/office/drawing/2014/main" id="{100EDD19-6802-4EC3-95CE-CFFAB042CFD6}"/>
+                <a16:creationId xmlns:a16="http://schemas.microsoft.com/office/drawing/2014/main" id="{777A147A-9ED8-46B4-8660-1B3C2AA880B5}"/>
               </a:ext>
               <a:ext uri="{C183D7F6-B498-43B3-948B-1728B52AA6E4}">
                 <adec:decorative xmlns:adec="http://schemas.microsoft.com/office/drawing/2017/decorative" val="1"/>
@@ -7457,7 +8363,7 @@
           <p:cNvPr id="2" name="Title 1">
             <a:extLst>
               <a:ext uri="{FF2B5EF4-FFF2-40B4-BE49-F238E27FC236}">
-                <a16:creationId xmlns:a16="http://schemas.microsoft.com/office/drawing/2014/main" id="{5617C9E4-4765-40A3-9C67-4E02080690CC}"/>
+                <a16:creationId xmlns:a16="http://schemas.microsoft.com/office/drawing/2014/main" id="{03DE9774-FC29-4DF7-ABE2-589FEA6E26CC}"/>
               </a:ext>
             </a:extLst>
           </p:cNvPr>
@@ -7470,8 +8376,8 @@
         </p:nvSpPr>
         <p:spPr>
           <a:xfrm>
-            <a:off x="838200" y="365125"/>
-            <a:ext cx="10515600" cy="1325563"/>
+            <a:off x="841248" y="548640"/>
+            <a:ext cx="3600860" cy="5431536"/>
           </a:xfrm>
         </p:spPr>
         <p:txBody>
@@ -7481,8 +8387,8 @@
           <a:lstStyle/>
           <a:p>
             <a:r>
-              <a:rPr lang="en-GB" sz="5400"/>
-              <a:t>Project Background</a:t>
+              <a:rPr lang="en-GB" sz="5400" dirty="0"/>
+              <a:t>Aims and Objectives</a:t>
             </a:r>
           </a:p>
         </p:txBody>
@@ -7492,7 +8398,7 @@
           <p:cNvPr id="10" name="sketch line">
             <a:extLst>
               <a:ext uri="{FF2B5EF4-FFF2-40B4-BE49-F238E27FC236}">
-                <a16:creationId xmlns:a16="http://schemas.microsoft.com/office/drawing/2014/main" id="{DB17E863-922E-4C26-BD64-E8FD41D28661}"/>
+                <a16:creationId xmlns:a16="http://schemas.microsoft.com/office/drawing/2014/main" id="{5D6C15A0-C087-4593-8414-2B4EC1CDC3DE}"/>
               </a:ext>
               <a:ext uri="{C183D7F6-B498-43B3-948B-1728B52AA6E4}">
                 <adec:decorative xmlns:adec="http://schemas.microsoft.com/office/drawing/2017/decorative" val="1"/>
@@ -7511,85 +8417,47 @@
           </p:nvPr>
         </p:nvSpPr>
         <p:spPr>
-          <a:xfrm>
-            <a:off x="669036" y="1677373"/>
-            <a:ext cx="10853928" cy="18288"/>
+          <a:xfrm rot="5400000">
+            <a:off x="2543983" y="3258715"/>
+            <a:ext cx="4480560" cy="18288"/>
           </a:xfrm>
           <a:custGeom>
             <a:avLst/>
             <a:gdLst>
-              <a:gd name="connsiteX0" fmla="*/ 0 w 10853928"/>
+              <a:gd name="connsiteX0" fmla="*/ 0 w 4480560"/>
               <a:gd name="connsiteY0" fmla="*/ 0 h 18288"/>
-              <a:gd name="connsiteX1" fmla="*/ 461292 w 10853928"/>
+              <a:gd name="connsiteX1" fmla="*/ 595274 w 4480560"/>
               <a:gd name="connsiteY1" fmla="*/ 0 h 18288"/>
-              <a:gd name="connsiteX2" fmla="*/ 1139662 w 10853928"/>
+              <a:gd name="connsiteX2" fmla="*/ 1100938 w 4480560"/>
               <a:gd name="connsiteY2" fmla="*/ 0 h 18288"/>
-              <a:gd name="connsiteX3" fmla="*/ 1926572 w 10853928"/>
+              <a:gd name="connsiteX3" fmla="*/ 1651406 w 4480560"/>
               <a:gd name="connsiteY3" fmla="*/ 0 h 18288"/>
-              <a:gd name="connsiteX4" fmla="*/ 2279325 w 10853928"/>
+              <a:gd name="connsiteX4" fmla="*/ 2336292 w 4480560"/>
               <a:gd name="connsiteY4" fmla="*/ 0 h 18288"/>
-              <a:gd name="connsiteX5" fmla="*/ 2632078 w 10853928"/>
+              <a:gd name="connsiteX5" fmla="*/ 2931566 w 4480560"/>
               <a:gd name="connsiteY5" fmla="*/ 0 h 18288"/>
-              <a:gd name="connsiteX6" fmla="*/ 3527527 w 10853928"/>
+              <a:gd name="connsiteX6" fmla="*/ 3482035 w 4480560"/>
               <a:gd name="connsiteY6" fmla="*/ 0 h 18288"/>
-              <a:gd name="connsiteX7" fmla="*/ 4205897 w 10853928"/>
+              <a:gd name="connsiteX7" fmla="*/ 4480560 w 4480560"/>
               <a:gd name="connsiteY7" fmla="*/ 0 h 18288"/>
-              <a:gd name="connsiteX8" fmla="*/ 4558650 w 10853928"/>
-              <a:gd name="connsiteY8" fmla="*/ 0 h 18288"/>
-              <a:gd name="connsiteX9" fmla="*/ 5237020 w 10853928"/>
-              <a:gd name="connsiteY9" fmla="*/ 0 h 18288"/>
-              <a:gd name="connsiteX10" fmla="*/ 6132469 w 10853928"/>
-              <a:gd name="connsiteY10" fmla="*/ 0 h 18288"/>
-              <a:gd name="connsiteX11" fmla="*/ 6702301 w 10853928"/>
-              <a:gd name="connsiteY11" fmla="*/ 0 h 18288"/>
-              <a:gd name="connsiteX12" fmla="*/ 7272132 w 10853928"/>
-              <a:gd name="connsiteY12" fmla="*/ 0 h 18288"/>
-              <a:gd name="connsiteX13" fmla="*/ 7950502 w 10853928"/>
-              <a:gd name="connsiteY13" fmla="*/ 0 h 18288"/>
-              <a:gd name="connsiteX14" fmla="*/ 8737412 w 10853928"/>
-              <a:gd name="connsiteY14" fmla="*/ 0 h 18288"/>
-              <a:gd name="connsiteX15" fmla="*/ 9524322 w 10853928"/>
-              <a:gd name="connsiteY15" fmla="*/ 0 h 18288"/>
-              <a:gd name="connsiteX16" fmla="*/ 10853928 w 10853928"/>
+              <a:gd name="connsiteX8" fmla="*/ 4480560 w 4480560"/>
+              <a:gd name="connsiteY8" fmla="*/ 18288 h 18288"/>
+              <a:gd name="connsiteX9" fmla="*/ 3840480 w 4480560"/>
+              <a:gd name="connsiteY9" fmla="*/ 18288 h 18288"/>
+              <a:gd name="connsiteX10" fmla="*/ 3290011 w 4480560"/>
+              <a:gd name="connsiteY10" fmla="*/ 18288 h 18288"/>
+              <a:gd name="connsiteX11" fmla="*/ 2560320 w 4480560"/>
+              <a:gd name="connsiteY11" fmla="*/ 18288 h 18288"/>
+              <a:gd name="connsiteX12" fmla="*/ 1965046 w 4480560"/>
+              <a:gd name="connsiteY12" fmla="*/ 18288 h 18288"/>
+              <a:gd name="connsiteX13" fmla="*/ 1459382 w 4480560"/>
+              <a:gd name="connsiteY13" fmla="*/ 18288 h 18288"/>
+              <a:gd name="connsiteX14" fmla="*/ 774497 w 4480560"/>
+              <a:gd name="connsiteY14" fmla="*/ 18288 h 18288"/>
+              <a:gd name="connsiteX15" fmla="*/ 0 w 4480560"/>
+              <a:gd name="connsiteY15" fmla="*/ 18288 h 18288"/>
+              <a:gd name="connsiteX16" fmla="*/ 0 w 4480560"/>
               <a:gd name="connsiteY16" fmla="*/ 0 h 18288"/>
-              <a:gd name="connsiteX17" fmla="*/ 10853928 w 10853928"/>
-              <a:gd name="connsiteY17" fmla="*/ 18288 h 18288"/>
-              <a:gd name="connsiteX18" fmla="*/ 10392636 w 10853928"/>
-              <a:gd name="connsiteY18" fmla="*/ 18288 h 18288"/>
-              <a:gd name="connsiteX19" fmla="*/ 9497187 w 10853928"/>
-              <a:gd name="connsiteY19" fmla="*/ 18288 h 18288"/>
-              <a:gd name="connsiteX20" fmla="*/ 8818817 w 10853928"/>
-              <a:gd name="connsiteY20" fmla="*/ 18288 h 18288"/>
-              <a:gd name="connsiteX21" fmla="*/ 8466064 w 10853928"/>
-              <a:gd name="connsiteY21" fmla="*/ 18288 h 18288"/>
-              <a:gd name="connsiteX22" fmla="*/ 7787693 w 10853928"/>
-              <a:gd name="connsiteY22" fmla="*/ 18288 h 18288"/>
-              <a:gd name="connsiteX23" fmla="*/ 7217862 w 10853928"/>
-              <a:gd name="connsiteY23" fmla="*/ 18288 h 18288"/>
-              <a:gd name="connsiteX24" fmla="*/ 6648031 w 10853928"/>
-              <a:gd name="connsiteY24" fmla="*/ 18288 h 18288"/>
-              <a:gd name="connsiteX25" fmla="*/ 6078200 w 10853928"/>
-              <a:gd name="connsiteY25" fmla="*/ 18288 h 18288"/>
-              <a:gd name="connsiteX26" fmla="*/ 5508368 w 10853928"/>
-              <a:gd name="connsiteY26" fmla="*/ 18288 h 18288"/>
-              <a:gd name="connsiteX27" fmla="*/ 4721459 w 10853928"/>
-              <a:gd name="connsiteY27" fmla="*/ 18288 h 18288"/>
-              <a:gd name="connsiteX28" fmla="*/ 4043088 w 10853928"/>
-              <a:gd name="connsiteY28" fmla="*/ 18288 h 18288"/>
-              <a:gd name="connsiteX29" fmla="*/ 3690336 w 10853928"/>
-              <a:gd name="connsiteY29" fmla="*/ 18288 h 18288"/>
-              <a:gd name="connsiteX30" fmla="*/ 3120504 w 10853928"/>
-              <a:gd name="connsiteY30" fmla="*/ 18288 h 18288"/>
-              <a:gd name="connsiteX31" fmla="*/ 2333595 w 10853928"/>
-              <a:gd name="connsiteY31" fmla="*/ 18288 h 18288"/>
-              <a:gd name="connsiteX32" fmla="*/ 1872303 w 10853928"/>
-              <a:gd name="connsiteY32" fmla="*/ 18288 h 18288"/>
-              <a:gd name="connsiteX33" fmla="*/ 976854 w 10853928"/>
-              <a:gd name="connsiteY33" fmla="*/ 18288 h 18288"/>
-              <a:gd name="connsiteX34" fmla="*/ 0 w 10853928"/>
-              <a:gd name="connsiteY34" fmla="*/ 18288 h 18288"/>
-              <a:gd name="connsiteX35" fmla="*/ 0 w 10853928"/>
-              <a:gd name="connsiteY35" fmla="*/ 0 h 18288"/>
             </a:gdLst>
             <a:ahLst/>
             <a:cxnLst>
@@ -7644,434 +8512,177 @@
               <a:cxn ang="0">
                 <a:pos x="connsiteX16" y="connsiteY16"/>
               </a:cxn>
-              <a:cxn ang="0">
-                <a:pos x="connsiteX17" y="connsiteY17"/>
-              </a:cxn>
-              <a:cxn ang="0">
-                <a:pos x="connsiteX18" y="connsiteY18"/>
-              </a:cxn>
-              <a:cxn ang="0">
-                <a:pos x="connsiteX19" y="connsiteY19"/>
-              </a:cxn>
-              <a:cxn ang="0">
-                <a:pos x="connsiteX20" y="connsiteY20"/>
-              </a:cxn>
-              <a:cxn ang="0">
-                <a:pos x="connsiteX21" y="connsiteY21"/>
-              </a:cxn>
-              <a:cxn ang="0">
-                <a:pos x="connsiteX22" y="connsiteY22"/>
-              </a:cxn>
-              <a:cxn ang="0">
-                <a:pos x="connsiteX23" y="connsiteY23"/>
-              </a:cxn>
-              <a:cxn ang="0">
-                <a:pos x="connsiteX24" y="connsiteY24"/>
-              </a:cxn>
-              <a:cxn ang="0">
-                <a:pos x="connsiteX25" y="connsiteY25"/>
-              </a:cxn>
-              <a:cxn ang="0">
-                <a:pos x="connsiteX26" y="connsiteY26"/>
-              </a:cxn>
-              <a:cxn ang="0">
-                <a:pos x="connsiteX27" y="connsiteY27"/>
-              </a:cxn>
-              <a:cxn ang="0">
-                <a:pos x="connsiteX28" y="connsiteY28"/>
-              </a:cxn>
-              <a:cxn ang="0">
-                <a:pos x="connsiteX29" y="connsiteY29"/>
-              </a:cxn>
-              <a:cxn ang="0">
-                <a:pos x="connsiteX30" y="connsiteY30"/>
-              </a:cxn>
-              <a:cxn ang="0">
-                <a:pos x="connsiteX31" y="connsiteY31"/>
-              </a:cxn>
-              <a:cxn ang="0">
-                <a:pos x="connsiteX32" y="connsiteY32"/>
-              </a:cxn>
-              <a:cxn ang="0">
-                <a:pos x="connsiteX33" y="connsiteY33"/>
-              </a:cxn>
-              <a:cxn ang="0">
-                <a:pos x="connsiteX34" y="connsiteY34"/>
-              </a:cxn>
-              <a:cxn ang="0">
-                <a:pos x="connsiteX35" y="connsiteY35"/>
-              </a:cxn>
             </a:cxnLst>
             <a:rect l="l" t="t" r="r" b="b"/>
             <a:pathLst>
-              <a:path w="10853928" h="18288" fill="none" extrusionOk="0">
+              <a:path w="4480560" h="18288" fill="none" extrusionOk="0">
                 <a:moveTo>
                   <a:pt x="0" y="0"/>
                 </a:moveTo>
                 <a:cubicBezTo>
-                  <a:pt x="146993" y="-19076"/>
-                  <a:pt x="347684" y="-4790"/>
-                  <a:pt x="461292" y="0"/>
-                </a:cubicBezTo>
-                <a:cubicBezTo>
-                  <a:pt x="574900" y="4790"/>
-                  <a:pt x="808367" y="19821"/>
-                  <a:pt x="1139662" y="0"/>
-                </a:cubicBezTo>
-                <a:cubicBezTo>
-                  <a:pt x="1470957" y="-19821"/>
-                  <a:pt x="1627405" y="5721"/>
-                  <a:pt x="1926572" y="0"/>
-                </a:cubicBezTo>
-                <a:cubicBezTo>
-                  <a:pt x="2225739" y="-5721"/>
-                  <a:pt x="2137730" y="-3235"/>
-                  <a:pt x="2279325" y="0"/>
-                </a:cubicBezTo>
-                <a:cubicBezTo>
-                  <a:pt x="2420920" y="3235"/>
-                  <a:pt x="2456518" y="9685"/>
-                  <a:pt x="2632078" y="0"/>
-                </a:cubicBezTo>
-                <a:cubicBezTo>
-                  <a:pt x="2807638" y="-9685"/>
-                  <a:pt x="3211516" y="-43007"/>
-                  <a:pt x="3527527" y="0"/>
-                </a:cubicBezTo>
-                <a:cubicBezTo>
-                  <a:pt x="3843538" y="43007"/>
-                  <a:pt x="4058833" y="22042"/>
-                  <a:pt x="4205897" y="0"/>
-                </a:cubicBezTo>
-                <a:cubicBezTo>
-                  <a:pt x="4352961" y="-22042"/>
-                  <a:pt x="4474805" y="-11846"/>
-                  <a:pt x="4558650" y="0"/>
-                </a:cubicBezTo>
-                <a:cubicBezTo>
-                  <a:pt x="4642495" y="11846"/>
-                  <a:pt x="5041928" y="-6069"/>
-                  <a:pt x="5237020" y="0"/>
-                </a:cubicBezTo>
-                <a:cubicBezTo>
-                  <a:pt x="5432112" y="6069"/>
-                  <a:pt x="5943266" y="-17479"/>
-                  <a:pt x="6132469" y="0"/>
-                </a:cubicBezTo>
-                <a:cubicBezTo>
-                  <a:pt x="6321672" y="17479"/>
-                  <a:pt x="6483872" y="26234"/>
-                  <a:pt x="6702301" y="0"/>
-                </a:cubicBezTo>
-                <a:cubicBezTo>
-                  <a:pt x="6920730" y="-26234"/>
-                  <a:pt x="6991194" y="-15156"/>
-                  <a:pt x="7272132" y="0"/>
-                </a:cubicBezTo>
-                <a:cubicBezTo>
-                  <a:pt x="7553070" y="15156"/>
-                  <a:pt x="7684444" y="-32961"/>
-                  <a:pt x="7950502" y="0"/>
-                </a:cubicBezTo>
-                <a:cubicBezTo>
-                  <a:pt x="8216560" y="32961"/>
-                  <a:pt x="8493290" y="-10491"/>
-                  <a:pt x="8737412" y="0"/>
-                </a:cubicBezTo>
-                <a:cubicBezTo>
-                  <a:pt x="8981534" y="10491"/>
-                  <a:pt x="9191586" y="-13899"/>
-                  <a:pt x="9524322" y="0"/>
-                </a:cubicBezTo>
-                <a:cubicBezTo>
-                  <a:pt x="9857058" y="13899"/>
-                  <a:pt x="10297509" y="7485"/>
-                  <a:pt x="10853928" y="0"/>
-                </a:cubicBezTo>
-                <a:cubicBezTo>
-                  <a:pt x="10854574" y="4451"/>
-                  <a:pt x="10854418" y="9226"/>
-                  <a:pt x="10853928" y="18288"/>
-                </a:cubicBezTo>
-                <a:cubicBezTo>
-                  <a:pt x="10691638" y="28522"/>
-                  <a:pt x="10574319" y="29578"/>
-                  <a:pt x="10392636" y="18288"/>
-                </a:cubicBezTo>
-                <a:cubicBezTo>
-                  <a:pt x="10210953" y="6998"/>
-                  <a:pt x="9836277" y="-16742"/>
-                  <a:pt x="9497187" y="18288"/>
-                </a:cubicBezTo>
-                <a:cubicBezTo>
-                  <a:pt x="9158097" y="53318"/>
-                  <a:pt x="9119479" y="30714"/>
-                  <a:pt x="8818817" y="18288"/>
-                </a:cubicBezTo>
-                <a:cubicBezTo>
-                  <a:pt x="8518155" y="5863"/>
-                  <a:pt x="8640037" y="6483"/>
-                  <a:pt x="8466064" y="18288"/>
-                </a:cubicBezTo>
-                <a:cubicBezTo>
-                  <a:pt x="8292091" y="30093"/>
-                  <a:pt x="7997656" y="18914"/>
-                  <a:pt x="7787693" y="18288"/>
-                </a:cubicBezTo>
-                <a:cubicBezTo>
-                  <a:pt x="7577730" y="17662"/>
-                  <a:pt x="7412468" y="21416"/>
-                  <a:pt x="7217862" y="18288"/>
-                </a:cubicBezTo>
-                <a:cubicBezTo>
-                  <a:pt x="7023256" y="15160"/>
-                  <a:pt x="6898018" y="14824"/>
-                  <a:pt x="6648031" y="18288"/>
-                </a:cubicBezTo>
-                <a:cubicBezTo>
-                  <a:pt x="6398044" y="21752"/>
-                  <a:pt x="6254402" y="38625"/>
-                  <a:pt x="6078200" y="18288"/>
-                </a:cubicBezTo>
-                <a:cubicBezTo>
-                  <a:pt x="5901998" y="-2049"/>
-                  <a:pt x="5622886" y="3213"/>
-                  <a:pt x="5508368" y="18288"/>
-                </a:cubicBezTo>
-                <a:cubicBezTo>
-                  <a:pt x="5393850" y="33363"/>
-                  <a:pt x="5036260" y="26830"/>
-                  <a:pt x="4721459" y="18288"/>
-                </a:cubicBezTo>
-                <a:cubicBezTo>
-                  <a:pt x="4406658" y="9746"/>
-                  <a:pt x="4239221" y="41551"/>
-                  <a:pt x="4043088" y="18288"/>
-                </a:cubicBezTo>
-                <a:cubicBezTo>
-                  <a:pt x="3846955" y="-4975"/>
-                  <a:pt x="3818802" y="34658"/>
-                  <a:pt x="3690336" y="18288"/>
-                </a:cubicBezTo>
-                <a:cubicBezTo>
-                  <a:pt x="3561870" y="1918"/>
-                  <a:pt x="3265491" y="42194"/>
-                  <a:pt x="3120504" y="18288"/>
-                </a:cubicBezTo>
-                <a:cubicBezTo>
-                  <a:pt x="2975517" y="-5618"/>
-                  <a:pt x="2720254" y="36673"/>
-                  <a:pt x="2333595" y="18288"/>
-                </a:cubicBezTo>
-                <a:cubicBezTo>
-                  <a:pt x="1946936" y="-97"/>
-                  <a:pt x="2097241" y="5776"/>
-                  <a:pt x="1872303" y="18288"/>
-                </a:cubicBezTo>
-                <a:cubicBezTo>
-                  <a:pt x="1647365" y="30800"/>
-                  <a:pt x="1282708" y="45380"/>
-                  <a:pt x="976854" y="18288"/>
-                </a:cubicBezTo>
-                <a:cubicBezTo>
-                  <a:pt x="671000" y="-8804"/>
-                  <a:pt x="408401" y="-12775"/>
+                  <a:pt x="267821" y="8731"/>
+                  <a:pt x="334105" y="2629"/>
+                  <a:pt x="595274" y="0"/>
+                </a:cubicBezTo>
+                <a:cubicBezTo>
+                  <a:pt x="856443" y="-2629"/>
+                  <a:pt x="863808" y="-13353"/>
+                  <a:pt x="1100938" y="0"/>
+                </a:cubicBezTo>
+                <a:cubicBezTo>
+                  <a:pt x="1338068" y="13353"/>
+                  <a:pt x="1431663" y="-25862"/>
+                  <a:pt x="1651406" y="0"/>
+                </a:cubicBezTo>
+                <a:cubicBezTo>
+                  <a:pt x="1871149" y="25862"/>
+                  <a:pt x="2173163" y="23827"/>
+                  <a:pt x="2336292" y="0"/>
+                </a:cubicBezTo>
+                <a:cubicBezTo>
+                  <a:pt x="2499421" y="-23827"/>
+                  <a:pt x="2720589" y="28148"/>
+                  <a:pt x="2931566" y="0"/>
+                </a:cubicBezTo>
+                <a:cubicBezTo>
+                  <a:pt x="3142543" y="-28148"/>
+                  <a:pt x="3323630" y="27022"/>
+                  <a:pt x="3482035" y="0"/>
+                </a:cubicBezTo>
+                <a:cubicBezTo>
+                  <a:pt x="3640440" y="-27022"/>
+                  <a:pt x="4012110" y="-20118"/>
+                  <a:pt x="4480560" y="0"/>
+                </a:cubicBezTo>
+                <a:cubicBezTo>
+                  <a:pt x="4480958" y="7429"/>
+                  <a:pt x="4480540" y="10822"/>
+                  <a:pt x="4480560" y="18288"/>
+                </a:cubicBezTo>
+                <a:cubicBezTo>
+                  <a:pt x="4314132" y="14924"/>
+                  <a:pt x="4028383" y="36632"/>
+                  <a:pt x="3840480" y="18288"/>
+                </a:cubicBezTo>
+                <a:cubicBezTo>
+                  <a:pt x="3652577" y="-56"/>
+                  <a:pt x="3547615" y="2848"/>
+                  <a:pt x="3290011" y="18288"/>
+                </a:cubicBezTo>
+                <a:cubicBezTo>
+                  <a:pt x="3032407" y="33728"/>
+                  <a:pt x="2830268" y="8719"/>
+                  <a:pt x="2560320" y="18288"/>
+                </a:cubicBezTo>
+                <a:cubicBezTo>
+                  <a:pt x="2290372" y="27857"/>
+                  <a:pt x="2147422" y="6728"/>
+                  <a:pt x="1965046" y="18288"/>
+                </a:cubicBezTo>
+                <a:cubicBezTo>
+                  <a:pt x="1782670" y="29848"/>
+                  <a:pt x="1689791" y="40680"/>
+                  <a:pt x="1459382" y="18288"/>
+                </a:cubicBezTo>
+                <a:cubicBezTo>
+                  <a:pt x="1228973" y="-4104"/>
+                  <a:pt x="915486" y="36501"/>
+                  <a:pt x="774497" y="18288"/>
+                </a:cubicBezTo>
+                <a:cubicBezTo>
+                  <a:pt x="633508" y="75"/>
+                  <a:pt x="361442" y="-11107"/>
                   <a:pt x="0" y="18288"/>
                 </a:cubicBezTo>
                 <a:cubicBezTo>
-                  <a:pt x="-213" y="9468"/>
-                  <a:pt x="187" y="4459"/>
+                  <a:pt x="-591" y="13205"/>
+                  <a:pt x="-663" y="6329"/>
                   <a:pt x="0" y="0"/>
                 </a:cubicBezTo>
                 <a:close/>
               </a:path>
-              <a:path w="10853928" h="18288" stroke="0" extrusionOk="0">
+              <a:path w="4480560" h="18288" stroke="0" extrusionOk="0">
                 <a:moveTo>
                   <a:pt x="0" y="0"/>
                 </a:moveTo>
                 <a:cubicBezTo>
-                  <a:pt x="267322" y="15284"/>
-                  <a:pt x="415388" y="-21048"/>
-                  <a:pt x="569831" y="0"/>
-                </a:cubicBezTo>
-                <a:cubicBezTo>
-                  <a:pt x="724274" y="21048"/>
-                  <a:pt x="769333" y="-2353"/>
-                  <a:pt x="922584" y="0"/>
-                </a:cubicBezTo>
-                <a:cubicBezTo>
-                  <a:pt x="1075835" y="2353"/>
-                  <a:pt x="1399490" y="-145"/>
-                  <a:pt x="1818033" y="0"/>
-                </a:cubicBezTo>
-                <a:cubicBezTo>
-                  <a:pt x="2236576" y="145"/>
-                  <a:pt x="2145330" y="5482"/>
-                  <a:pt x="2387864" y="0"/>
-                </a:cubicBezTo>
-                <a:cubicBezTo>
-                  <a:pt x="2630398" y="-5482"/>
-                  <a:pt x="2793207" y="18487"/>
-                  <a:pt x="2957695" y="0"/>
-                </a:cubicBezTo>
-                <a:cubicBezTo>
-                  <a:pt x="3122183" y="-18487"/>
-                  <a:pt x="3579141" y="19003"/>
-                  <a:pt x="3853144" y="0"/>
-                </a:cubicBezTo>
-                <a:cubicBezTo>
-                  <a:pt x="4127147" y="-19003"/>
-                  <a:pt x="4209857" y="12211"/>
-                  <a:pt x="4314436" y="0"/>
-                </a:cubicBezTo>
-                <a:cubicBezTo>
-                  <a:pt x="4419015" y="-12211"/>
-                  <a:pt x="4762459" y="-17220"/>
-                  <a:pt x="5209885" y="0"/>
-                </a:cubicBezTo>
-                <a:cubicBezTo>
-                  <a:pt x="5657311" y="17220"/>
-                  <a:pt x="5692663" y="-3290"/>
-                  <a:pt x="6105335" y="0"/>
-                </a:cubicBezTo>
-                <a:cubicBezTo>
-                  <a:pt x="6518007" y="3290"/>
-                  <a:pt x="6455516" y="-5124"/>
-                  <a:pt x="6783705" y="0"/>
-                </a:cubicBezTo>
-                <a:cubicBezTo>
-                  <a:pt x="7111894" y="5124"/>
-                  <a:pt x="7441941" y="-17829"/>
-                  <a:pt x="7679154" y="0"/>
-                </a:cubicBezTo>
-                <a:cubicBezTo>
-                  <a:pt x="7916367" y="17829"/>
-                  <a:pt x="8102967" y="-24363"/>
-                  <a:pt x="8248985" y="0"/>
-                </a:cubicBezTo>
-                <a:cubicBezTo>
-                  <a:pt x="8395003" y="24363"/>
-                  <a:pt x="8552393" y="25505"/>
-                  <a:pt x="8818817" y="0"/>
-                </a:cubicBezTo>
-                <a:cubicBezTo>
-                  <a:pt x="9085241" y="-25505"/>
-                  <a:pt x="9411308" y="38000"/>
-                  <a:pt x="9605726" y="0"/>
-                </a:cubicBezTo>
-                <a:cubicBezTo>
-                  <a:pt x="9800144" y="-38000"/>
-                  <a:pt x="10006468" y="-25741"/>
-                  <a:pt x="10175558" y="0"/>
-                </a:cubicBezTo>
-                <a:cubicBezTo>
-                  <a:pt x="10344648" y="25741"/>
-                  <a:pt x="10696282" y="695"/>
-                  <a:pt x="10853928" y="0"/>
-                </a:cubicBezTo>
-                <a:cubicBezTo>
-                  <a:pt x="10853521" y="8690"/>
-                  <a:pt x="10853774" y="14141"/>
-                  <a:pt x="10853928" y="18288"/>
-                </a:cubicBezTo>
-                <a:cubicBezTo>
-                  <a:pt x="10608124" y="24255"/>
-                  <a:pt x="10343415" y="22307"/>
-                  <a:pt x="10067018" y="18288"/>
-                </a:cubicBezTo>
-                <a:cubicBezTo>
-                  <a:pt x="9790621" y="14270"/>
-                  <a:pt x="9843266" y="3564"/>
-                  <a:pt x="9714266" y="18288"/>
-                </a:cubicBezTo>
-                <a:cubicBezTo>
-                  <a:pt x="9585266" y="33012"/>
-                  <a:pt x="9379484" y="1875"/>
-                  <a:pt x="9252974" y="18288"/>
-                </a:cubicBezTo>
-                <a:cubicBezTo>
-                  <a:pt x="9126464" y="34701"/>
-                  <a:pt x="8580678" y="-4904"/>
-                  <a:pt x="8357525" y="18288"/>
-                </a:cubicBezTo>
-                <a:cubicBezTo>
-                  <a:pt x="8134372" y="41480"/>
-                  <a:pt x="7903199" y="26458"/>
-                  <a:pt x="7679154" y="18288"/>
-                </a:cubicBezTo>
-                <a:cubicBezTo>
-                  <a:pt x="7455109" y="10118"/>
-                  <a:pt x="7435944" y="27109"/>
-                  <a:pt x="7217862" y="18288"/>
-                </a:cubicBezTo>
-                <a:cubicBezTo>
-                  <a:pt x="6999780" y="9467"/>
-                  <a:pt x="6680409" y="18985"/>
-                  <a:pt x="6539492" y="18288"/>
-                </a:cubicBezTo>
-                <a:cubicBezTo>
-                  <a:pt x="6398575" y="17592"/>
-                  <a:pt x="6312077" y="33018"/>
-                  <a:pt x="6186739" y="18288"/>
-                </a:cubicBezTo>
-                <a:cubicBezTo>
-                  <a:pt x="6061401" y="3558"/>
-                  <a:pt x="5947033" y="12075"/>
-                  <a:pt x="5833986" y="18288"/>
-                </a:cubicBezTo>
-                <a:cubicBezTo>
-                  <a:pt x="5720939" y="24501"/>
-                  <a:pt x="5482226" y="8586"/>
-                  <a:pt x="5155616" y="18288"/>
-                </a:cubicBezTo>
-                <a:cubicBezTo>
-                  <a:pt x="4829006" y="27991"/>
-                  <a:pt x="4841274" y="29316"/>
-                  <a:pt x="4694324" y="18288"/>
-                </a:cubicBezTo>
-                <a:cubicBezTo>
-                  <a:pt x="4547374" y="7260"/>
-                  <a:pt x="4077675" y="7013"/>
-                  <a:pt x="3907414" y="18288"/>
-                </a:cubicBezTo>
-                <a:cubicBezTo>
-                  <a:pt x="3737153" y="29564"/>
-                  <a:pt x="3538393" y="21630"/>
-                  <a:pt x="3446122" y="18288"/>
-                </a:cubicBezTo>
-                <a:cubicBezTo>
-                  <a:pt x="3353851" y="14946"/>
-                  <a:pt x="2990320" y="-8091"/>
-                  <a:pt x="2659212" y="18288"/>
-                </a:cubicBezTo>
-                <a:cubicBezTo>
-                  <a:pt x="2328104" y="44667"/>
-                  <a:pt x="2427653" y="9607"/>
-                  <a:pt x="2306460" y="18288"/>
-                </a:cubicBezTo>
-                <a:cubicBezTo>
-                  <a:pt x="2185267" y="26969"/>
-                  <a:pt x="1719763" y="3717"/>
-                  <a:pt x="1519550" y="18288"/>
-                </a:cubicBezTo>
-                <a:cubicBezTo>
-                  <a:pt x="1319337" y="32860"/>
-                  <a:pt x="1167371" y="17040"/>
-                  <a:pt x="1058258" y="18288"/>
-                </a:cubicBezTo>
-                <a:cubicBezTo>
-                  <a:pt x="949145" y="19536"/>
-                  <a:pt x="780234" y="31447"/>
-                  <a:pt x="705505" y="18288"/>
-                </a:cubicBezTo>
-                <a:cubicBezTo>
-                  <a:pt x="630776" y="5129"/>
-                  <a:pt x="215796" y="30056"/>
+                  <a:pt x="285465" y="225"/>
+                  <a:pt x="322691" y="16223"/>
+                  <a:pt x="595274" y="0"/>
+                </a:cubicBezTo>
+                <a:cubicBezTo>
+                  <a:pt x="867857" y="-16223"/>
+                  <a:pt x="989129" y="-11242"/>
+                  <a:pt x="1100938" y="0"/>
+                </a:cubicBezTo>
+                <a:cubicBezTo>
+                  <a:pt x="1212747" y="11242"/>
+                  <a:pt x="1574350" y="-36410"/>
+                  <a:pt x="1830629" y="0"/>
+                </a:cubicBezTo>
+                <a:cubicBezTo>
+                  <a:pt x="2086908" y="36410"/>
+                  <a:pt x="2180922" y="4645"/>
+                  <a:pt x="2425903" y="0"/>
+                </a:cubicBezTo>
+                <a:cubicBezTo>
+                  <a:pt x="2670884" y="-4645"/>
+                  <a:pt x="2782024" y="22929"/>
+                  <a:pt x="3021178" y="0"/>
+                </a:cubicBezTo>
+                <a:cubicBezTo>
+                  <a:pt x="3260332" y="-22929"/>
+                  <a:pt x="3456982" y="-1586"/>
+                  <a:pt x="3750869" y="0"/>
+                </a:cubicBezTo>
+                <a:cubicBezTo>
+                  <a:pt x="4044756" y="1586"/>
+                  <a:pt x="4302726" y="17043"/>
+                  <a:pt x="4480560" y="0"/>
+                </a:cubicBezTo>
+                <a:cubicBezTo>
+                  <a:pt x="4479674" y="5429"/>
+                  <a:pt x="4481381" y="14046"/>
+                  <a:pt x="4480560" y="18288"/>
+                </a:cubicBezTo>
+                <a:cubicBezTo>
+                  <a:pt x="4279652" y="-6850"/>
+                  <a:pt x="4200762" y="41566"/>
+                  <a:pt x="3930091" y="18288"/>
+                </a:cubicBezTo>
+                <a:cubicBezTo>
+                  <a:pt x="3659420" y="-4990"/>
+                  <a:pt x="3456052" y="22294"/>
+                  <a:pt x="3290011" y="18288"/>
+                </a:cubicBezTo>
+                <a:cubicBezTo>
+                  <a:pt x="3123970" y="14282"/>
+                  <a:pt x="2882392" y="32818"/>
+                  <a:pt x="2649931" y="18288"/>
+                </a:cubicBezTo>
+                <a:cubicBezTo>
+                  <a:pt x="2417470" y="3758"/>
+                  <a:pt x="2238426" y="7337"/>
+                  <a:pt x="2054657" y="18288"/>
+                </a:cubicBezTo>
+                <a:cubicBezTo>
+                  <a:pt x="1870888" y="29239"/>
+                  <a:pt x="1566368" y="45040"/>
+                  <a:pt x="1324966" y="18288"/>
+                </a:cubicBezTo>
+                <a:cubicBezTo>
+                  <a:pt x="1083564" y="-8464"/>
+                  <a:pt x="787410" y="10946"/>
+                  <a:pt x="595274" y="18288"/>
+                </a:cubicBezTo>
+                <a:cubicBezTo>
+                  <a:pt x="403138" y="25630"/>
+                  <a:pt x="169622" y="10499"/>
                   <a:pt x="0" y="18288"/>
                 </a:cubicBezTo>
                 <a:cubicBezTo>
-                  <a:pt x="-53" y="11301"/>
-                  <a:pt x="-649" y="7756"/>
+                  <a:pt x="668" y="13665"/>
+                  <a:pt x="578" y="5675"/>
                   <a:pt x="0" y="0"/>
                 </a:cubicBezTo>
                 <a:close/>
@@ -8130,7 +8741,7 @@
           <p:cNvPr id="3" name="Content Placeholder 2">
             <a:extLst>
               <a:ext uri="{FF2B5EF4-FFF2-40B4-BE49-F238E27FC236}">
-                <a16:creationId xmlns:a16="http://schemas.microsoft.com/office/drawing/2014/main" id="{13F7C234-1D1F-42F7-BC2F-DA0033736CAC}"/>
+                <a16:creationId xmlns:a16="http://schemas.microsoft.com/office/drawing/2014/main" id="{35264758-0FA0-4DD0-8F30-3EED54220B55}"/>
               </a:ext>
             </a:extLst>
           </p:cNvPr>
@@ -8143,124 +8754,179 @@
         </p:nvSpPr>
         <p:spPr>
           <a:xfrm>
-            <a:off x="838200" y="1929384"/>
-            <a:ext cx="10515600" cy="4251960"/>
+            <a:off x="5126417" y="3761116"/>
+            <a:ext cx="6224335" cy="2282895"/>
           </a:xfrm>
         </p:spPr>
         <p:txBody>
-          <a:bodyPr>
+          <a:bodyPr anchor="ctr">
             <a:normAutofit/>
           </a:bodyPr>
           <a:lstStyle/>
           <a:p>
-            <a:r>
-              <a:rPr lang="en-GB" sz="2200"/>
-              <a:t>As we live longer, more and more people are expected to develop visual impairments</a:t>
-            </a:r>
-          </a:p>
-          <a:p>
-            <a:r>
-              <a:rPr lang="en-GB" sz="2200"/>
-              <a:t>Having a visual impairment can have a serious impact on a person’s physical and mental health</a:t>
-            </a:r>
-          </a:p>
-          <a:p>
-            <a:r>
-              <a:rPr lang="en-GB" sz="2200"/>
-              <a:t>Development and use of an Edge device for obstacle detection and navigation would allow the user to live a more full, independent life</a:t>
-            </a:r>
-          </a:p>
-          <a:p>
-            <a:endParaRPr lang="en-GB" sz="2200"/>
-          </a:p>
-        </p:txBody>
-      </p:sp>
-    </p:spTree>
-    <p:extLst>
-      <p:ext uri="{BB962C8B-B14F-4D97-AF65-F5344CB8AC3E}">
-        <p14:creationId xmlns:p14="http://schemas.microsoft.com/office/powerpoint/2010/main" val="1229666948"/>
-      </p:ext>
-    </p:extLst>
-  </p:cSld>
-  <p:clrMapOvr>
-    <a:masterClrMapping/>
-  </p:clrMapOvr>
-</p:sld>
-</file>
-
-<file path=ppt/slides/slide5.xml><?xml version="1.0" encoding="utf-8"?>
-<p:sld xmlns:a="http://schemas.openxmlformats.org/drawingml/2006/main" xmlns:r="http://schemas.openxmlformats.org/officeDocument/2006/relationships" xmlns:p="http://schemas.openxmlformats.org/presentationml/2006/main">
-  <p:cSld>
-    <p:spTree>
-      <p:nvGrpSpPr>
-        <p:cNvPr id="1" name=""/>
-        <p:cNvGrpSpPr/>
-        <p:nvPr/>
-      </p:nvGrpSpPr>
-      <p:grpSpPr>
-        <a:xfrm>
-          <a:off x="0" y="0"/>
-          <a:ext cx="0" cy="0"/>
-          <a:chOff x="0" y="0"/>
-          <a:chExt cx="0" cy="0"/>
-        </a:xfrm>
-      </p:grpSpPr>
+            <a:pPr marL="0" indent="0">
+              <a:buNone/>
+            </a:pPr>
+            <a:endParaRPr lang="en-GB" sz="2200" i="1" dirty="0"/>
+          </a:p>
+          <a:p>
+            <a:r>
+              <a:rPr lang="en-GB" sz="2200" dirty="0"/>
+              <a:t>Development of a Data Collection System</a:t>
+            </a:r>
+          </a:p>
+          <a:p>
+            <a:r>
+              <a:rPr lang="en-GB" sz="2200" dirty="0"/>
+              <a:t>Investigate various Machine Learning techniques </a:t>
+            </a:r>
+          </a:p>
+          <a:p>
+            <a:r>
+              <a:rPr lang="en-GB" sz="2200" dirty="0"/>
+              <a:t>Development of an Edge device system to allow model deployment</a:t>
+            </a:r>
+          </a:p>
+          <a:p>
+            <a:endParaRPr lang="en-GB" sz="2200" i="1" dirty="0"/>
+          </a:p>
+          <a:p>
+            <a:endParaRPr lang="en-GB" sz="2200" dirty="0"/>
+          </a:p>
+        </p:txBody>
+      </p:sp>
       <p:sp>
         <p:nvSpPr>
-          <p:cNvPr id="2" name="Title 1">
-            <a:extLst>
-              <a:ext uri="{FF2B5EF4-FFF2-40B4-BE49-F238E27FC236}">
-                <a16:creationId xmlns:a16="http://schemas.microsoft.com/office/drawing/2014/main" id="{03DE9774-FC29-4DF7-ABE2-589FEA6E26CC}"/>
-              </a:ext>
-            </a:extLst>
-          </p:cNvPr>
-          <p:cNvSpPr>
-            <a:spLocks noGrp="1"/>
-          </p:cNvSpPr>
-          <p:nvPr>
-            <p:ph type="title"/>
-          </p:nvPr>
-        </p:nvSpPr>
-        <p:spPr/>
-        <p:txBody>
-          <a:bodyPr/>
-          <a:lstStyle/>
-          <a:p>
-            <a:r>
-              <a:rPr lang="en-GB" dirty="0"/>
-              <a:t>Aims and Objectives</a:t>
-            </a:r>
+          <p:cNvPr id="4" name="Rectangle: Rounded Corners 3">
+            <a:extLst>
+              <a:ext uri="{FF2B5EF4-FFF2-40B4-BE49-F238E27FC236}">
+                <a16:creationId xmlns:a16="http://schemas.microsoft.com/office/drawing/2014/main" id="{03A56D64-5033-783F-0F1D-82D373FFB403}"/>
+              </a:ext>
+            </a:extLst>
+          </p:cNvPr>
+          <p:cNvSpPr/>
+          <p:nvPr/>
+        </p:nvSpPr>
+        <p:spPr>
+          <a:xfrm>
+            <a:off x="5126417" y="1464419"/>
+            <a:ext cx="6206046" cy="1482708"/>
+          </a:xfrm>
+          <a:prstGeom prst="roundRect">
+            <a:avLst/>
+          </a:prstGeom>
+          <a:noFill/>
+          <a:ln w="9525" cap="flat" cmpd="sng" algn="ctr">
+            <a:solidFill>
+              <a:schemeClr val="accent2"/>
+            </a:solidFill>
+            <a:prstDash val="solid"/>
+            <a:round/>
+            <a:headEnd type="none" w="med" len="med"/>
+            <a:tailEnd type="none" w="med" len="med"/>
+          </a:ln>
+        </p:spPr>
+        <p:style>
+          <a:lnRef idx="0">
+            <a:scrgbClr r="0" g="0" b="0"/>
+          </a:lnRef>
+          <a:fillRef idx="0">
+            <a:scrgbClr r="0" g="0" b="0"/>
+          </a:fillRef>
+          <a:effectRef idx="0">
+            <a:scrgbClr r="0" g="0" b="0"/>
+          </a:effectRef>
+          <a:fontRef idx="minor">
+            <a:schemeClr val="accent2"/>
+          </a:fontRef>
+        </p:style>
+        <p:txBody>
+          <a:bodyPr rtlCol="0" anchor="ctr"/>
+          <a:lstStyle/>
+          <a:p>
+            <a:pPr algn="ctr"/>
+            <a:endParaRPr lang="en-GB"/>
           </a:p>
         </p:txBody>
       </p:sp>
       <p:sp>
         <p:nvSpPr>
-          <p:cNvPr id="3" name="Content Placeholder 2">
-            <a:extLst>
-              <a:ext uri="{FF2B5EF4-FFF2-40B4-BE49-F238E27FC236}">
-                <a16:creationId xmlns:a16="http://schemas.microsoft.com/office/drawing/2014/main" id="{35264758-0FA0-4DD0-8F30-3EED54220B55}"/>
-              </a:ext>
-            </a:extLst>
-          </p:cNvPr>
-          <p:cNvSpPr>
-            <a:spLocks noGrp="1"/>
-          </p:cNvSpPr>
-          <p:nvPr>
-            <p:ph idx="1"/>
-          </p:nvPr>
-        </p:nvSpPr>
-        <p:spPr/>
-        <p:txBody>
-          <a:bodyPr/>
-          <a:lstStyle/>
-          <a:p>
-            <a:r>
-              <a:rPr lang="en-GB" sz="2800" i="1" dirty="0"/>
-              <a:t>Develop a system for obstacle detection and localisation in an indoor setting to allow navigation of an unfamiliar setting by people with visual impairments</a:t>
-            </a:r>
-          </a:p>
-          <a:p>
-            <a:endParaRPr lang="en-GB" dirty="0"/>
+          <p:cNvPr id="6" name="TextBox 5">
+            <a:extLst>
+              <a:ext uri="{FF2B5EF4-FFF2-40B4-BE49-F238E27FC236}">
+                <a16:creationId xmlns:a16="http://schemas.microsoft.com/office/drawing/2014/main" id="{5B332770-D623-775B-B709-978B56C2E4EF}"/>
+              </a:ext>
+            </a:extLst>
+          </p:cNvPr>
+          <p:cNvSpPr txBox="1"/>
+          <p:nvPr/>
+        </p:nvSpPr>
+        <p:spPr>
+          <a:xfrm>
+            <a:off x="5237901" y="1670266"/>
+            <a:ext cx="6094562" cy="923330"/>
+          </a:xfrm>
+          <a:prstGeom prst="rect">
+            <a:avLst/>
+          </a:prstGeom>
+          <a:noFill/>
+        </p:spPr>
+        <p:txBody>
+          <a:bodyPr wrap="square">
+            <a:spAutoFit/>
+          </a:bodyPr>
+          <a:lstStyle/>
+          <a:p>
+            <a:pPr marL="0" indent="0" algn="ctr">
+              <a:buNone/>
+            </a:pPr>
+            <a:r>
+              <a:rPr lang="en-GB" sz="1800" i="1" dirty="0"/>
+              <a:t>Develop an Edge system for obstacle detection and localisation in an indoor setting, to allow navigation of an unfamiliar </a:t>
+            </a:r>
+            <a:r>
+              <a:rPr lang="en-GB" i="1" dirty="0"/>
+              <a:t>environment</a:t>
+            </a:r>
+            <a:r>
+              <a:rPr lang="en-GB" sz="1800" i="1" dirty="0"/>
+              <a:t> by people with visual impairments</a:t>
+            </a:r>
+          </a:p>
+        </p:txBody>
+      </p:sp>
+      <p:sp>
+        <p:nvSpPr>
+          <p:cNvPr id="7" name="TextBox 6">
+            <a:extLst>
+              <a:ext uri="{FF2B5EF4-FFF2-40B4-BE49-F238E27FC236}">
+                <a16:creationId xmlns:a16="http://schemas.microsoft.com/office/drawing/2014/main" id="{5769DC95-7161-077D-4E8A-6BD00978A356}"/>
+              </a:ext>
+            </a:extLst>
+          </p:cNvPr>
+          <p:cNvSpPr txBox="1"/>
+          <p:nvPr/>
+        </p:nvSpPr>
+        <p:spPr>
+          <a:xfrm>
+            <a:off x="11459340" y="6493699"/>
+            <a:ext cx="479618" cy="276999"/>
+          </a:xfrm>
+          <a:prstGeom prst="rect">
+            <a:avLst/>
+          </a:prstGeom>
+          <a:noFill/>
+        </p:spPr>
+        <p:txBody>
+          <a:bodyPr wrap="none" rtlCol="0">
+            <a:spAutoFit/>
+          </a:bodyPr>
+          <a:lstStyle/>
+          <a:p>
+            <a:r>
+              <a:rPr lang="en-GB" sz="1200" dirty="0"/>
+              <a:t>4/13</a:t>
+            </a:r>
           </a:p>
         </p:txBody>
       </p:sp>
@@ -8277,7 +8943,7 @@
 </p:sld>
 </file>
 
-<file path=ppt/slides/slide6.xml><?xml version="1.0" encoding="utf-8"?>
+<file path=ppt/slides/slide5.xml><?xml version="1.0" encoding="utf-8"?>
 <p:sld xmlns:a="http://schemas.openxmlformats.org/drawingml/2006/main" xmlns:r="http://schemas.openxmlformats.org/officeDocument/2006/relationships" xmlns:p="http://schemas.openxmlformats.org/presentationml/2006/main">
   <p:cSld>
     <p:bg>
@@ -8818,10 +9484,10 @@
       </p:pic>
       <p:sp>
         <p:nvSpPr>
-          <p:cNvPr id="29" name="TextBox 28">
-            <a:extLst>
-              <a:ext uri="{FF2B5EF4-FFF2-40B4-BE49-F238E27FC236}">
-                <a16:creationId xmlns:a16="http://schemas.microsoft.com/office/drawing/2014/main" id="{26003D4B-1CE7-4F30-AAFC-2D65D67B748F}"/>
+          <p:cNvPr id="4" name="TextBox 3">
+            <a:extLst>
+              <a:ext uri="{FF2B5EF4-FFF2-40B4-BE49-F238E27FC236}">
+                <a16:creationId xmlns:a16="http://schemas.microsoft.com/office/drawing/2014/main" id="{B0DDE1BB-BB0D-69AA-4279-404E13FB3E41}"/>
               </a:ext>
             </a:extLst>
           </p:cNvPr>
@@ -8830,8 +9496,8 @@
         </p:nvSpPr>
         <p:spPr>
           <a:xfrm>
-            <a:off x="11381173" y="6356412"/>
-            <a:ext cx="625492" cy="369332"/>
+            <a:off x="11459340" y="6493699"/>
+            <a:ext cx="479618" cy="276999"/>
           </a:xfrm>
           <a:prstGeom prst="rect">
             <a:avLst/>
@@ -8845,8 +9511,8 @@
           <a:lstStyle/>
           <a:p>
             <a:r>
-              <a:rPr lang="en-GB" dirty="0"/>
-              <a:t>5/12</a:t>
+              <a:rPr lang="en-GB" sz="1200" dirty="0"/>
+              <a:t>5/13</a:t>
             </a:r>
           </a:p>
         </p:txBody>
@@ -8864,7 +9530,7 @@
 </p:sld>
 </file>
 
-<file path=ppt/slides/slide7.xml><?xml version="1.0" encoding="utf-8"?>
+<file path=ppt/slides/slide6.xml><?xml version="1.0" encoding="utf-8"?>
 <p:sld xmlns:a="http://schemas.openxmlformats.org/drawingml/2006/main" xmlns:r="http://schemas.openxmlformats.org/officeDocument/2006/relationships" xmlns:p="http://schemas.openxmlformats.org/presentationml/2006/main">
   <p:cSld>
     <p:bg>
@@ -9735,10 +10401,10 @@
       </p:sp>
       <p:sp>
         <p:nvSpPr>
-          <p:cNvPr id="17" name="TextBox 16">
-            <a:extLst>
-              <a:ext uri="{FF2B5EF4-FFF2-40B4-BE49-F238E27FC236}">
-                <a16:creationId xmlns:a16="http://schemas.microsoft.com/office/drawing/2014/main" id="{5B0885D0-AA2A-4316-A0B1-3B24EA6B656D}"/>
+          <p:cNvPr id="4" name="TextBox 3">
+            <a:extLst>
+              <a:ext uri="{FF2B5EF4-FFF2-40B4-BE49-F238E27FC236}">
+                <a16:creationId xmlns:a16="http://schemas.microsoft.com/office/drawing/2014/main" id="{398EE5C3-82E5-6654-60C3-D5E0F9393196}"/>
               </a:ext>
             </a:extLst>
           </p:cNvPr>
@@ -9747,8 +10413,8 @@
         </p:nvSpPr>
         <p:spPr>
           <a:xfrm>
-            <a:off x="11381173" y="6356412"/>
-            <a:ext cx="625492" cy="369332"/>
+            <a:off x="11459340" y="6493699"/>
+            <a:ext cx="479618" cy="276999"/>
           </a:xfrm>
           <a:prstGeom prst="rect">
             <a:avLst/>
@@ -9762,8 +10428,8 @@
           <a:lstStyle/>
           <a:p>
             <a:r>
-              <a:rPr lang="en-GB" dirty="0"/>
-              <a:t>6/12</a:t>
+              <a:rPr lang="en-GB" sz="1200" dirty="0"/>
+              <a:t>6/13</a:t>
             </a:r>
           </a:p>
         </p:txBody>
@@ -9781,7 +10447,7 @@
 </p:sld>
 </file>
 
-<file path=ppt/slides/slide8.xml><?xml version="1.0" encoding="utf-8"?>
+<file path=ppt/slides/slide7.xml><?xml version="1.0" encoding="utf-8"?>
 <p:sld xmlns:a="http://schemas.openxmlformats.org/drawingml/2006/main" xmlns:r="http://schemas.openxmlformats.org/officeDocument/2006/relationships" xmlns:p="http://schemas.openxmlformats.org/presentationml/2006/main">
   <p:cSld>
     <p:bg>
@@ -10467,10 +11133,10 @@
       </p:pic>
       <p:sp>
         <p:nvSpPr>
-          <p:cNvPr id="17" name="TextBox 16">
-            <a:extLst>
-              <a:ext uri="{FF2B5EF4-FFF2-40B4-BE49-F238E27FC236}">
-                <a16:creationId xmlns:a16="http://schemas.microsoft.com/office/drawing/2014/main" id="{AE22CB6D-3B4F-4A29-8799-9EF2658746C9}"/>
+          <p:cNvPr id="4" name="TextBox 3">
+            <a:extLst>
+              <a:ext uri="{FF2B5EF4-FFF2-40B4-BE49-F238E27FC236}">
+                <a16:creationId xmlns:a16="http://schemas.microsoft.com/office/drawing/2014/main" id="{95C84966-FD83-6209-908E-3368DA99BB34}"/>
               </a:ext>
             </a:extLst>
           </p:cNvPr>
@@ -10479,8 +11145,8 @@
         </p:nvSpPr>
         <p:spPr>
           <a:xfrm>
-            <a:off x="11381173" y="6356412"/>
-            <a:ext cx="625492" cy="369332"/>
+            <a:off x="11459340" y="6493699"/>
+            <a:ext cx="479618" cy="276999"/>
           </a:xfrm>
           <a:prstGeom prst="rect">
             <a:avLst/>
@@ -10494,8 +11160,8 @@
           <a:lstStyle/>
           <a:p>
             <a:r>
-              <a:rPr lang="en-GB" dirty="0"/>
-              <a:t>7/12</a:t>
+              <a:rPr lang="en-GB" sz="1200" dirty="0"/>
+              <a:t>7/13</a:t>
             </a:r>
           </a:p>
         </p:txBody>
@@ -10504,6 +11170,465 @@
     <p:extLst>
       <p:ext uri="{BB962C8B-B14F-4D97-AF65-F5344CB8AC3E}">
         <p14:creationId xmlns:p14="http://schemas.microsoft.com/office/powerpoint/2010/main" val="117562250"/>
+      </p:ext>
+    </p:extLst>
+  </p:cSld>
+  <p:clrMapOvr>
+    <a:masterClrMapping/>
+  </p:clrMapOvr>
+</p:sld>
+</file>
+
+<file path=ppt/slides/slide8.xml><?xml version="1.0" encoding="utf-8"?>
+<p:sld xmlns:a="http://schemas.openxmlformats.org/drawingml/2006/main" xmlns:r="http://schemas.openxmlformats.org/officeDocument/2006/relationships" xmlns:p="http://schemas.openxmlformats.org/presentationml/2006/main">
+  <p:cSld>
+    <p:bg>
+      <p:bgPr>
+        <a:solidFill>
+          <a:schemeClr val="bg1"/>
+        </a:solidFill>
+        <a:effectLst/>
+      </p:bgPr>
+    </p:bg>
+    <p:spTree>
+      <p:nvGrpSpPr>
+        <p:cNvPr id="1" name=""/>
+        <p:cNvGrpSpPr/>
+        <p:nvPr/>
+      </p:nvGrpSpPr>
+      <p:grpSpPr>
+        <a:xfrm>
+          <a:off x="0" y="0"/>
+          <a:ext cx="0" cy="0"/>
+          <a:chOff x="0" y="0"/>
+          <a:chExt cx="0" cy="0"/>
+        </a:xfrm>
+      </p:grpSpPr>
+      <p:sp useBgFill="1">
+        <p:nvSpPr>
+          <p:cNvPr id="22" name="Rectangle 17">
+            <a:extLst>
+              <a:ext uri="{FF2B5EF4-FFF2-40B4-BE49-F238E27FC236}">
+                <a16:creationId xmlns:a16="http://schemas.microsoft.com/office/drawing/2014/main" id="{32AEEBC8-9D30-42EF-95F2-386C2653FBF0}"/>
+              </a:ext>
+              <a:ext uri="{C183D7F6-B498-43B3-948B-1728B52AA6E4}">
+                <adec:decorative xmlns:adec="http://schemas.microsoft.com/office/drawing/2017/decorative" val="1"/>
+              </a:ext>
+            </a:extLst>
+          </p:cNvPr>
+          <p:cNvSpPr>
+            <a:spLocks noGrp="1" noRot="1" noChangeAspect="1" noMove="1" noResize="1" noEditPoints="1" noAdjustHandles="1" noChangeArrowheads="1" noChangeShapeType="1" noTextEdit="1"/>
+          </p:cNvSpPr>
+          <p:nvPr>
+            <p:extLst>
+              <p:ext uri="{386F3935-93C4-4BCD-93E2-E3B085C9AB24}">
+                <p16:designElem xmlns:p16="http://schemas.microsoft.com/office/powerpoint/2015/main" val="1"/>
+              </p:ext>
+            </p:extLst>
+          </p:nvPr>
+        </p:nvSpPr>
+        <p:spPr>
+          <a:xfrm>
+            <a:off x="0" y="0"/>
+            <a:ext cx="12192000" cy="6858000"/>
+          </a:xfrm>
+          <a:prstGeom prst="rect">
+            <a:avLst/>
+          </a:prstGeom>
+          <a:ln>
+            <a:noFill/>
+          </a:ln>
+        </p:spPr>
+        <p:style>
+          <a:lnRef idx="2">
+            <a:schemeClr val="accent1">
+              <a:shade val="50000"/>
+            </a:schemeClr>
+          </a:lnRef>
+          <a:fillRef idx="1">
+            <a:schemeClr val="accent1"/>
+          </a:fillRef>
+          <a:effectRef idx="0">
+            <a:schemeClr val="accent1"/>
+          </a:effectRef>
+          <a:fontRef idx="minor">
+            <a:schemeClr val="lt1"/>
+          </a:fontRef>
+        </p:style>
+        <p:txBody>
+          <a:bodyPr rtlCol="0" anchor="ctr"/>
+          <a:lstStyle/>
+          <a:p>
+            <a:pPr algn="ctr"/>
+            <a:endParaRPr lang="en-US"/>
+          </a:p>
+        </p:txBody>
+      </p:sp>
+      <p:sp>
+        <p:nvSpPr>
+          <p:cNvPr id="2" name="Title 1">
+            <a:extLst>
+              <a:ext uri="{FF2B5EF4-FFF2-40B4-BE49-F238E27FC236}">
+                <a16:creationId xmlns:a16="http://schemas.microsoft.com/office/drawing/2014/main" id="{AFEA1C2F-CC27-4217-98E9-5BCDDAC201B8}"/>
+              </a:ext>
+            </a:extLst>
+          </p:cNvPr>
+          <p:cNvSpPr>
+            <a:spLocks noGrp="1"/>
+          </p:cNvSpPr>
+          <p:nvPr>
+            <p:ph type="title"/>
+          </p:nvPr>
+        </p:nvSpPr>
+        <p:spPr>
+          <a:xfrm>
+            <a:off x="630936" y="502920"/>
+            <a:ext cx="3419856" cy="1463040"/>
+          </a:xfrm>
+        </p:spPr>
+        <p:txBody>
+          <a:bodyPr anchor="ctr">
+            <a:normAutofit/>
+          </a:bodyPr>
+          <a:lstStyle/>
+          <a:p>
+            <a:r>
+              <a:rPr lang="en-GB" sz="3400"/>
+              <a:t>Analysis: Machine Learning</a:t>
+            </a:r>
+          </a:p>
+        </p:txBody>
+      </p:sp>
+      <p:sp>
+        <p:nvSpPr>
+          <p:cNvPr id="23" name="sketch line">
+            <a:extLst>
+              <a:ext uri="{FF2B5EF4-FFF2-40B4-BE49-F238E27FC236}">
+                <a16:creationId xmlns:a16="http://schemas.microsoft.com/office/drawing/2014/main" id="{2E92FA66-67D7-4CB4-94D3-E643A9AD4757}"/>
+              </a:ext>
+              <a:ext uri="{C183D7F6-B498-43B3-948B-1728B52AA6E4}">
+                <adec:decorative xmlns:adec="http://schemas.microsoft.com/office/drawing/2017/decorative" val="1"/>
+              </a:ext>
+            </a:extLst>
+          </p:cNvPr>
+          <p:cNvSpPr>
+            <a:spLocks noGrp="1" noRot="1" noChangeAspect="1" noMove="1" noResize="1" noEditPoints="1" noAdjustHandles="1" noChangeArrowheads="1" noChangeShapeType="1" noTextEdit="1"/>
+          </p:cNvSpPr>
+          <p:nvPr>
+            <p:extLst>
+              <p:ext uri="{386F3935-93C4-4BCD-93E2-E3B085C9AB24}">
+                <p16:designElem xmlns:p16="http://schemas.microsoft.com/office/powerpoint/2015/main" val="1"/>
+              </p:ext>
+            </p:extLst>
+          </p:nvPr>
+        </p:nvSpPr>
+        <p:spPr>
+          <a:xfrm rot="5400000">
+            <a:off x="3566159" y="1225296"/>
+            <a:ext cx="1554480" cy="18288"/>
+          </a:xfrm>
+          <a:custGeom>
+            <a:avLst/>
+            <a:gdLst>
+              <a:gd name="connsiteX0" fmla="*/ 0 w 1554480"/>
+              <a:gd name="connsiteY0" fmla="*/ 0 h 18288"/>
+              <a:gd name="connsiteX1" fmla="*/ 549250 w 1554480"/>
+              <a:gd name="connsiteY1" fmla="*/ 0 h 18288"/>
+              <a:gd name="connsiteX2" fmla="*/ 1082954 w 1554480"/>
+              <a:gd name="connsiteY2" fmla="*/ 0 h 18288"/>
+              <a:gd name="connsiteX3" fmla="*/ 1554480 w 1554480"/>
+              <a:gd name="connsiteY3" fmla="*/ 0 h 18288"/>
+              <a:gd name="connsiteX4" fmla="*/ 1554480 w 1554480"/>
+              <a:gd name="connsiteY4" fmla="*/ 18288 h 18288"/>
+              <a:gd name="connsiteX5" fmla="*/ 1067410 w 1554480"/>
+              <a:gd name="connsiteY5" fmla="*/ 18288 h 18288"/>
+              <a:gd name="connsiteX6" fmla="*/ 549250 w 1554480"/>
+              <a:gd name="connsiteY6" fmla="*/ 18288 h 18288"/>
+              <a:gd name="connsiteX7" fmla="*/ 0 w 1554480"/>
+              <a:gd name="connsiteY7" fmla="*/ 18288 h 18288"/>
+              <a:gd name="connsiteX8" fmla="*/ 0 w 1554480"/>
+              <a:gd name="connsiteY8" fmla="*/ 0 h 18288"/>
+            </a:gdLst>
+            <a:ahLst/>
+            <a:cxnLst>
+              <a:cxn ang="0">
+                <a:pos x="connsiteX0" y="connsiteY0"/>
+              </a:cxn>
+              <a:cxn ang="0">
+                <a:pos x="connsiteX1" y="connsiteY1"/>
+              </a:cxn>
+              <a:cxn ang="0">
+                <a:pos x="connsiteX2" y="connsiteY2"/>
+              </a:cxn>
+              <a:cxn ang="0">
+                <a:pos x="connsiteX3" y="connsiteY3"/>
+              </a:cxn>
+              <a:cxn ang="0">
+                <a:pos x="connsiteX4" y="connsiteY4"/>
+              </a:cxn>
+              <a:cxn ang="0">
+                <a:pos x="connsiteX5" y="connsiteY5"/>
+              </a:cxn>
+              <a:cxn ang="0">
+                <a:pos x="connsiteX6" y="connsiteY6"/>
+              </a:cxn>
+              <a:cxn ang="0">
+                <a:pos x="connsiteX7" y="connsiteY7"/>
+              </a:cxn>
+              <a:cxn ang="0">
+                <a:pos x="connsiteX8" y="connsiteY8"/>
+              </a:cxn>
+            </a:cxnLst>
+            <a:rect l="l" t="t" r="r" b="b"/>
+            <a:pathLst>
+              <a:path w="1554480" h="18288" fill="none" extrusionOk="0">
+                <a:moveTo>
+                  <a:pt x="0" y="0"/>
+                </a:moveTo>
+                <a:cubicBezTo>
+                  <a:pt x="114141" y="-19864"/>
+                  <a:pt x="345055" y="-1657"/>
+                  <a:pt x="549250" y="0"/>
+                </a:cubicBezTo>
+                <a:cubicBezTo>
+                  <a:pt x="753445" y="1657"/>
+                  <a:pt x="862292" y="-5674"/>
+                  <a:pt x="1082954" y="0"/>
+                </a:cubicBezTo>
+                <a:cubicBezTo>
+                  <a:pt x="1303616" y="5674"/>
+                  <a:pt x="1363530" y="4537"/>
+                  <a:pt x="1554480" y="0"/>
+                </a:cubicBezTo>
+                <a:cubicBezTo>
+                  <a:pt x="1554963" y="7176"/>
+                  <a:pt x="1553909" y="13682"/>
+                  <a:pt x="1554480" y="18288"/>
+                </a:cubicBezTo>
+                <a:cubicBezTo>
+                  <a:pt x="1338847" y="6127"/>
+                  <a:pt x="1215066" y="37851"/>
+                  <a:pt x="1067410" y="18288"/>
+                </a:cubicBezTo>
+                <a:cubicBezTo>
+                  <a:pt x="919754" y="-1275"/>
+                  <a:pt x="800465" y="3080"/>
+                  <a:pt x="549250" y="18288"/>
+                </a:cubicBezTo>
+                <a:cubicBezTo>
+                  <a:pt x="298035" y="33496"/>
+                  <a:pt x="158868" y="22769"/>
+                  <a:pt x="0" y="18288"/>
+                </a:cubicBezTo>
+                <a:cubicBezTo>
+                  <a:pt x="-655" y="13237"/>
+                  <a:pt x="709" y="4645"/>
+                  <a:pt x="0" y="0"/>
+                </a:cubicBezTo>
+                <a:close/>
+              </a:path>
+              <a:path w="1554480" h="18288" stroke="0" extrusionOk="0">
+                <a:moveTo>
+                  <a:pt x="0" y="0"/>
+                </a:moveTo>
+                <a:cubicBezTo>
+                  <a:pt x="249941" y="-58"/>
+                  <a:pt x="367334" y="23448"/>
+                  <a:pt x="502615" y="0"/>
+                </a:cubicBezTo>
+                <a:cubicBezTo>
+                  <a:pt x="637897" y="-23448"/>
+                  <a:pt x="813653" y="-20418"/>
+                  <a:pt x="974141" y="0"/>
+                </a:cubicBezTo>
+                <a:cubicBezTo>
+                  <a:pt x="1134629" y="20418"/>
+                  <a:pt x="1268772" y="6288"/>
+                  <a:pt x="1554480" y="0"/>
+                </a:cubicBezTo>
+                <a:cubicBezTo>
+                  <a:pt x="1554917" y="7222"/>
+                  <a:pt x="1555359" y="13299"/>
+                  <a:pt x="1554480" y="18288"/>
+                </a:cubicBezTo>
+                <a:cubicBezTo>
+                  <a:pt x="1336087" y="12172"/>
+                  <a:pt x="1310024" y="19759"/>
+                  <a:pt x="1067410" y="18288"/>
+                </a:cubicBezTo>
+                <a:cubicBezTo>
+                  <a:pt x="824796" y="16818"/>
+                  <a:pt x="787902" y="34647"/>
+                  <a:pt x="518160" y="18288"/>
+                </a:cubicBezTo>
+                <a:cubicBezTo>
+                  <a:pt x="248418" y="1930"/>
+                  <a:pt x="133160" y="9205"/>
+                  <a:pt x="0" y="18288"/>
+                </a:cubicBezTo>
+                <a:cubicBezTo>
+                  <a:pt x="-643" y="9451"/>
+                  <a:pt x="-340" y="7114"/>
+                  <a:pt x="0" y="0"/>
+                </a:cubicBezTo>
+                <a:close/>
+              </a:path>
+            </a:pathLst>
+          </a:custGeom>
+          <a:solidFill>
+            <a:schemeClr val="accent2"/>
+          </a:solidFill>
+          <a:ln w="41275" cap="rnd">
+            <a:solidFill>
+              <a:schemeClr val="accent2"/>
+            </a:solidFill>
+            <a:round/>
+            <a:extLst>
+              <a:ext uri="{C807C97D-BFC1-408E-A445-0C87EB9F89A2}">
+                <ask:lineSketchStyleProps xmlns:ask="http://schemas.microsoft.com/office/drawing/2018/sketchyshapes" sd="1219033472">
+                  <a:prstGeom prst="rect">
+                    <a:avLst/>
+                  </a:prstGeom>
+                  <ask:type>
+                    <ask:lineSketchFreehand/>
+                  </ask:type>
+                </ask:lineSketchStyleProps>
+              </a:ext>
+            </a:extLst>
+          </a:ln>
+        </p:spPr>
+        <p:style>
+          <a:lnRef idx="2">
+            <a:schemeClr val="accent1">
+              <a:shade val="50000"/>
+            </a:schemeClr>
+          </a:lnRef>
+          <a:fillRef idx="1">
+            <a:schemeClr val="accent1"/>
+          </a:fillRef>
+          <a:effectRef idx="0">
+            <a:schemeClr val="accent1"/>
+          </a:effectRef>
+          <a:fontRef idx="minor">
+            <a:schemeClr val="lt1"/>
+          </a:fontRef>
+        </p:style>
+        <p:txBody>
+          <a:bodyPr rtlCol="0" anchor="ctr"/>
+          <a:lstStyle/>
+          <a:p>
+            <a:pPr algn="ctr"/>
+            <a:endParaRPr lang="en-US"/>
+          </a:p>
+        </p:txBody>
+      </p:sp>
+      <p:sp>
+        <p:nvSpPr>
+          <p:cNvPr id="3" name="Content Placeholder 2">
+            <a:extLst>
+              <a:ext uri="{FF2B5EF4-FFF2-40B4-BE49-F238E27FC236}">
+                <a16:creationId xmlns:a16="http://schemas.microsoft.com/office/drawing/2014/main" id="{E1AD3A56-E26D-4B21-BB52-6EC513C9BCE5}"/>
+              </a:ext>
+            </a:extLst>
+          </p:cNvPr>
+          <p:cNvSpPr>
+            <a:spLocks noGrp="1"/>
+          </p:cNvSpPr>
+          <p:nvPr>
+            <p:ph idx="1"/>
+          </p:nvPr>
+        </p:nvSpPr>
+        <p:spPr>
+          <a:xfrm>
+            <a:off x="4654295" y="502920"/>
+            <a:ext cx="6894576" cy="1463040"/>
+          </a:xfrm>
+        </p:spPr>
+        <p:txBody>
+          <a:bodyPr anchor="ctr">
+            <a:normAutofit/>
+          </a:bodyPr>
+          <a:lstStyle/>
+          <a:p>
+            <a:r>
+              <a:rPr lang="en-GB" sz="2200" dirty="0"/>
+              <a:t>With the Decision Tree and K-Nearest Neighbour showing 100% accuracy, I wanted to dig deeper into these results</a:t>
+            </a:r>
+          </a:p>
+          <a:p>
+            <a:endParaRPr lang="en-GB" sz="2200" dirty="0"/>
+          </a:p>
+        </p:txBody>
+      </p:sp>
+      <p:pic>
+        <p:nvPicPr>
+          <p:cNvPr id="6" name="Picture 5">
+            <a:extLst>
+              <a:ext uri="{FF2B5EF4-FFF2-40B4-BE49-F238E27FC236}">
+                <a16:creationId xmlns:a16="http://schemas.microsoft.com/office/drawing/2014/main" id="{9490FF09-E9B4-4598-84BA-7E368EA8F4BA}"/>
+              </a:ext>
+            </a:extLst>
+          </p:cNvPr>
+          <p:cNvPicPr>
+            <a:picLocks noChangeAspect="1"/>
+          </p:cNvPicPr>
+          <p:nvPr/>
+        </p:nvPicPr>
+        <p:blipFill>
+          <a:blip r:embed="rId2"/>
+          <a:stretch>
+            <a:fillRect/>
+          </a:stretch>
+        </p:blipFill>
+        <p:spPr>
+          <a:xfrm>
+            <a:off x="2676669" y="2290936"/>
+            <a:ext cx="6826470" cy="3959352"/>
+          </a:xfrm>
+          <a:prstGeom prst="rect">
+            <a:avLst/>
+          </a:prstGeom>
+        </p:spPr>
+      </p:pic>
+      <p:sp>
+        <p:nvSpPr>
+          <p:cNvPr id="4" name="TextBox 3">
+            <a:extLst>
+              <a:ext uri="{FF2B5EF4-FFF2-40B4-BE49-F238E27FC236}">
+                <a16:creationId xmlns:a16="http://schemas.microsoft.com/office/drawing/2014/main" id="{8FFAE1E2-ACFA-7561-82B0-577A89044DAC}"/>
+              </a:ext>
+            </a:extLst>
+          </p:cNvPr>
+          <p:cNvSpPr txBox="1"/>
+          <p:nvPr/>
+        </p:nvSpPr>
+        <p:spPr>
+          <a:xfrm>
+            <a:off x="11459340" y="6493699"/>
+            <a:ext cx="479618" cy="276999"/>
+          </a:xfrm>
+          <a:prstGeom prst="rect">
+            <a:avLst/>
+          </a:prstGeom>
+          <a:noFill/>
+        </p:spPr>
+        <p:txBody>
+          <a:bodyPr wrap="none" rtlCol="0">
+            <a:spAutoFit/>
+          </a:bodyPr>
+          <a:lstStyle/>
+          <a:p>
+            <a:r>
+              <a:rPr lang="en-GB" sz="1200" dirty="0"/>
+              <a:t>8/13</a:t>
+            </a:r>
+          </a:p>
+        </p:txBody>
+      </p:sp>
+    </p:spTree>
+    <p:extLst>
+      <p:ext uri="{BB962C8B-B14F-4D97-AF65-F5344CB8AC3E}">
+        <p14:creationId xmlns:p14="http://schemas.microsoft.com/office/powerpoint/2010/main" val="2504711567"/>
       </p:ext>
     </p:extLst>
   </p:cSld>
@@ -10540,10 +11665,10 @@
       </p:grpSpPr>
       <p:sp useBgFill="1">
         <p:nvSpPr>
-          <p:cNvPr id="22" name="Rectangle 17">
-            <a:extLst>
-              <a:ext uri="{FF2B5EF4-FFF2-40B4-BE49-F238E27FC236}">
-                <a16:creationId xmlns:a16="http://schemas.microsoft.com/office/drawing/2014/main" id="{32AEEBC8-9D30-42EF-95F2-386C2653FBF0}"/>
+          <p:cNvPr id="10" name="Rectangle 9">
+            <a:extLst>
+              <a:ext uri="{FF2B5EF4-FFF2-40B4-BE49-F238E27FC236}">
+                <a16:creationId xmlns:a16="http://schemas.microsoft.com/office/drawing/2014/main" id="{7B831B6F-405A-4B47-B9BB-5CA88F285844}"/>
               </a:ext>
               <a:ext uri="{C183D7F6-B498-43B3-948B-1728B52AA6E4}">
                 <adec:decorative xmlns:adec="http://schemas.microsoft.com/office/drawing/2017/decorative" val="1"/>
@@ -10603,7 +11728,7 @@
           <p:cNvPr id="2" name="Title 1">
             <a:extLst>
               <a:ext uri="{FF2B5EF4-FFF2-40B4-BE49-F238E27FC236}">
-                <a16:creationId xmlns:a16="http://schemas.microsoft.com/office/drawing/2014/main" id="{AFEA1C2F-CC27-4217-98E9-5BCDDAC201B8}"/>
+                <a16:creationId xmlns:a16="http://schemas.microsoft.com/office/drawing/2014/main" id="{10812B0B-F96D-4A57-BB42-F422121765D1}"/>
               </a:ext>
             </a:extLst>
           </p:cNvPr>
@@ -10616,29 +11741,59 @@
         </p:nvSpPr>
         <p:spPr>
           <a:xfrm>
-            <a:off x="630936" y="502920"/>
-            <a:ext cx="3419856" cy="1463040"/>
+            <a:off x="6739128" y="638089"/>
+            <a:ext cx="4818888" cy="1476801"/>
           </a:xfrm>
         </p:spPr>
         <p:txBody>
-          <a:bodyPr anchor="ctr">
+          <a:bodyPr anchor="b">
             <a:normAutofit/>
           </a:bodyPr>
           <a:lstStyle/>
           <a:p>
             <a:r>
-              <a:rPr lang="en-GB" sz="3400"/>
-              <a:t>Analysis: Machine Learning</a:t>
-            </a:r>
-          </a:p>
-        </p:txBody>
-      </p:sp>
+              <a:rPr lang="en-GB" sz="5000" dirty="0"/>
+              <a:t>Analysis: Neural Networks</a:t>
+            </a:r>
+          </a:p>
+        </p:txBody>
+      </p:sp>
+      <p:pic>
+        <p:nvPicPr>
+          <p:cNvPr id="5" name="Picture 4">
+            <a:extLst>
+              <a:ext uri="{FF2B5EF4-FFF2-40B4-BE49-F238E27FC236}">
+                <a16:creationId xmlns:a16="http://schemas.microsoft.com/office/drawing/2014/main" id="{668CC9BE-4B4B-4EF2-87FD-ED33881E10F1}"/>
+              </a:ext>
+            </a:extLst>
+          </p:cNvPr>
+          <p:cNvPicPr>
+            <a:picLocks noChangeAspect="1"/>
+          </p:cNvPicPr>
+          <p:nvPr/>
+        </p:nvPicPr>
+        <p:blipFill>
+          <a:blip r:embed="rId2"/>
+          <a:stretch>
+            <a:fillRect/>
+          </a:stretch>
+        </p:blipFill>
+        <p:spPr>
+          <a:xfrm>
+            <a:off x="225172" y="847006"/>
+            <a:ext cx="6259378" cy="5163987"/>
+          </a:xfrm>
+          <a:prstGeom prst="rect">
+            <a:avLst/>
+          </a:prstGeom>
+        </p:spPr>
+      </p:pic>
       <p:sp>
         <p:nvSpPr>
-          <p:cNvPr id="23" name="sketch line">
-            <a:extLst>
-              <a:ext uri="{FF2B5EF4-FFF2-40B4-BE49-F238E27FC236}">
-                <a16:creationId xmlns:a16="http://schemas.microsoft.com/office/drawing/2014/main" id="{2E92FA66-67D7-4CB4-94D3-E643A9AD4757}"/>
+          <p:cNvPr id="12" name="sketch line">
+            <a:extLst>
+              <a:ext uri="{FF2B5EF4-FFF2-40B4-BE49-F238E27FC236}">
+                <a16:creationId xmlns:a16="http://schemas.microsoft.com/office/drawing/2014/main" id="{953EE71A-6488-4203-A7C4-77102FD0DCCA}"/>
               </a:ext>
               <a:ext uri="{C183D7F6-B498-43B3-948B-1728B52AA6E4}">
                 <adec:decorative xmlns:adec="http://schemas.microsoft.com/office/drawing/2017/decorative" val="1"/>
@@ -10657,31 +11812,37 @@
           </p:nvPr>
         </p:nvSpPr>
         <p:spPr>
-          <a:xfrm rot="5400000">
-            <a:off x="3566159" y="1225296"/>
-            <a:ext cx="1554480" cy="18288"/>
+          <a:xfrm>
+            <a:off x="6739128" y="2372868"/>
+            <a:ext cx="3255095" cy="18288"/>
           </a:xfrm>
           <a:custGeom>
             <a:avLst/>
             <a:gdLst>
-              <a:gd name="connsiteX0" fmla="*/ 0 w 1554480"/>
+              <a:gd name="connsiteX0" fmla="*/ 0 w 3255095"/>
               <a:gd name="connsiteY0" fmla="*/ 0 h 18288"/>
-              <a:gd name="connsiteX1" fmla="*/ 549250 w 1554480"/>
+              <a:gd name="connsiteX1" fmla="*/ 618468 w 3255095"/>
               <a:gd name="connsiteY1" fmla="*/ 0 h 18288"/>
-              <a:gd name="connsiteX2" fmla="*/ 1082954 w 1554480"/>
+              <a:gd name="connsiteX2" fmla="*/ 1269487 w 3255095"/>
               <a:gd name="connsiteY2" fmla="*/ 0 h 18288"/>
-              <a:gd name="connsiteX3" fmla="*/ 1554480 w 1554480"/>
+              <a:gd name="connsiteX3" fmla="*/ 1953057 w 3255095"/>
               <a:gd name="connsiteY3" fmla="*/ 0 h 18288"/>
-              <a:gd name="connsiteX4" fmla="*/ 1554480 w 1554480"/>
-              <a:gd name="connsiteY4" fmla="*/ 18288 h 18288"/>
-              <a:gd name="connsiteX5" fmla="*/ 1067410 w 1554480"/>
-              <a:gd name="connsiteY5" fmla="*/ 18288 h 18288"/>
-              <a:gd name="connsiteX6" fmla="*/ 549250 w 1554480"/>
+              <a:gd name="connsiteX4" fmla="*/ 2636627 w 3255095"/>
+              <a:gd name="connsiteY4" fmla="*/ 0 h 18288"/>
+              <a:gd name="connsiteX5" fmla="*/ 3255095 w 3255095"/>
+              <a:gd name="connsiteY5" fmla="*/ 0 h 18288"/>
+              <a:gd name="connsiteX6" fmla="*/ 3255095 w 3255095"/>
               <a:gd name="connsiteY6" fmla="*/ 18288 h 18288"/>
-              <a:gd name="connsiteX7" fmla="*/ 0 w 1554480"/>
+              <a:gd name="connsiteX7" fmla="*/ 2538974 w 3255095"/>
               <a:gd name="connsiteY7" fmla="*/ 18288 h 18288"/>
-              <a:gd name="connsiteX8" fmla="*/ 0 w 1554480"/>
-              <a:gd name="connsiteY8" fmla="*/ 0 h 18288"/>
+              <a:gd name="connsiteX8" fmla="*/ 1822853 w 3255095"/>
+              <a:gd name="connsiteY8" fmla="*/ 18288 h 18288"/>
+              <a:gd name="connsiteX9" fmla="*/ 1171834 w 3255095"/>
+              <a:gd name="connsiteY9" fmla="*/ 18288 h 18288"/>
+              <a:gd name="connsiteX10" fmla="*/ 0 w 3255095"/>
+              <a:gd name="connsiteY10" fmla="*/ 18288 h 18288"/>
+              <a:gd name="connsiteX11" fmla="*/ 0 w 3255095"/>
+              <a:gd name="connsiteY11" fmla="*/ 0 h 18288"/>
             </a:gdLst>
             <a:ahLst/>
             <a:cxnLst>
@@ -10712,97 +11873,141 @@
               <a:cxn ang="0">
                 <a:pos x="connsiteX8" y="connsiteY8"/>
               </a:cxn>
+              <a:cxn ang="0">
+                <a:pos x="connsiteX9" y="connsiteY9"/>
+              </a:cxn>
+              <a:cxn ang="0">
+                <a:pos x="connsiteX10" y="connsiteY10"/>
+              </a:cxn>
+              <a:cxn ang="0">
+                <a:pos x="connsiteX11" y="connsiteY11"/>
+              </a:cxn>
             </a:cxnLst>
             <a:rect l="l" t="t" r="r" b="b"/>
             <a:pathLst>
-              <a:path w="1554480" h="18288" fill="none" extrusionOk="0">
+              <a:path w="3255095" h="18288" fill="none" extrusionOk="0">
                 <a:moveTo>
                   <a:pt x="0" y="0"/>
                 </a:moveTo>
                 <a:cubicBezTo>
-                  <a:pt x="114141" y="-19864"/>
-                  <a:pt x="345055" y="-1657"/>
-                  <a:pt x="549250" y="0"/>
-                </a:cubicBezTo>
-                <a:cubicBezTo>
-                  <a:pt x="753445" y="1657"/>
-                  <a:pt x="862292" y="-5674"/>
-                  <a:pt x="1082954" y="0"/>
-                </a:cubicBezTo>
-                <a:cubicBezTo>
-                  <a:pt x="1303616" y="5674"/>
-                  <a:pt x="1363530" y="4537"/>
-                  <a:pt x="1554480" y="0"/>
-                </a:cubicBezTo>
-                <a:cubicBezTo>
-                  <a:pt x="1554963" y="7176"/>
-                  <a:pt x="1553909" y="13682"/>
-                  <a:pt x="1554480" y="18288"/>
-                </a:cubicBezTo>
-                <a:cubicBezTo>
-                  <a:pt x="1338847" y="6127"/>
-                  <a:pt x="1215066" y="37851"/>
-                  <a:pt x="1067410" y="18288"/>
-                </a:cubicBezTo>
-                <a:cubicBezTo>
-                  <a:pt x="919754" y="-1275"/>
-                  <a:pt x="800465" y="3080"/>
-                  <a:pt x="549250" y="18288"/>
-                </a:cubicBezTo>
-                <a:cubicBezTo>
-                  <a:pt x="298035" y="33496"/>
-                  <a:pt x="158868" y="22769"/>
+                  <a:pt x="240201" y="-22123"/>
+                  <a:pt x="462021" y="-19623"/>
+                  <a:pt x="618468" y="0"/>
+                </a:cubicBezTo>
+                <a:cubicBezTo>
+                  <a:pt x="774915" y="19623"/>
+                  <a:pt x="974734" y="2035"/>
+                  <a:pt x="1269487" y="0"/>
+                </a:cubicBezTo>
+                <a:cubicBezTo>
+                  <a:pt x="1564240" y="-2035"/>
+                  <a:pt x="1733579" y="10639"/>
+                  <a:pt x="1953057" y="0"/>
+                </a:cubicBezTo>
+                <a:cubicBezTo>
+                  <a:pt x="2172535" y="-10639"/>
+                  <a:pt x="2453962" y="14018"/>
+                  <a:pt x="2636627" y="0"/>
+                </a:cubicBezTo>
+                <a:cubicBezTo>
+                  <a:pt x="2819292" y="-14018"/>
+                  <a:pt x="3121375" y="5399"/>
+                  <a:pt x="3255095" y="0"/>
+                </a:cubicBezTo>
+                <a:cubicBezTo>
+                  <a:pt x="3254386" y="8157"/>
+                  <a:pt x="3254682" y="12125"/>
+                  <a:pt x="3255095" y="18288"/>
+                </a:cubicBezTo>
+                <a:cubicBezTo>
+                  <a:pt x="3088545" y="23203"/>
+                  <a:pt x="2687475" y="7419"/>
+                  <a:pt x="2538974" y="18288"/>
+                </a:cubicBezTo>
+                <a:cubicBezTo>
+                  <a:pt x="2390473" y="29157"/>
+                  <a:pt x="2137381" y="-8959"/>
+                  <a:pt x="1822853" y="18288"/>
+                </a:cubicBezTo>
+                <a:cubicBezTo>
+                  <a:pt x="1508325" y="45535"/>
+                  <a:pt x="1466437" y="20385"/>
+                  <a:pt x="1171834" y="18288"/>
+                </a:cubicBezTo>
+                <a:cubicBezTo>
+                  <a:pt x="877231" y="16191"/>
+                  <a:pt x="561097" y="37643"/>
                   <a:pt x="0" y="18288"/>
                 </a:cubicBezTo>
                 <a:cubicBezTo>
-                  <a:pt x="-655" y="13237"/>
-                  <a:pt x="709" y="4645"/>
+                  <a:pt x="-46" y="12483"/>
+                  <a:pt x="-203" y="6491"/>
                   <a:pt x="0" y="0"/>
                 </a:cubicBezTo>
                 <a:close/>
               </a:path>
-              <a:path w="1554480" h="18288" stroke="0" extrusionOk="0">
+              <a:path w="3255095" h="18288" stroke="0" extrusionOk="0">
                 <a:moveTo>
                   <a:pt x="0" y="0"/>
                 </a:moveTo>
                 <a:cubicBezTo>
-                  <a:pt x="249941" y="-58"/>
-                  <a:pt x="367334" y="23448"/>
-                  <a:pt x="502615" y="0"/>
-                </a:cubicBezTo>
-                <a:cubicBezTo>
-                  <a:pt x="637897" y="-23448"/>
-                  <a:pt x="813653" y="-20418"/>
-                  <a:pt x="974141" y="0"/>
-                </a:cubicBezTo>
-                <a:cubicBezTo>
-                  <a:pt x="1134629" y="20418"/>
-                  <a:pt x="1268772" y="6288"/>
-                  <a:pt x="1554480" y="0"/>
-                </a:cubicBezTo>
-                <a:cubicBezTo>
-                  <a:pt x="1554917" y="7222"/>
-                  <a:pt x="1555359" y="13299"/>
-                  <a:pt x="1554480" y="18288"/>
-                </a:cubicBezTo>
-                <a:cubicBezTo>
-                  <a:pt x="1336087" y="12172"/>
-                  <a:pt x="1310024" y="19759"/>
-                  <a:pt x="1067410" y="18288"/>
-                </a:cubicBezTo>
-                <a:cubicBezTo>
-                  <a:pt x="824796" y="16818"/>
-                  <a:pt x="787902" y="34647"/>
-                  <a:pt x="518160" y="18288"/>
-                </a:cubicBezTo>
-                <a:cubicBezTo>
-                  <a:pt x="248418" y="1930"/>
-                  <a:pt x="133160" y="9205"/>
+                  <a:pt x="291965" y="19429"/>
+                  <a:pt x="363155" y="8568"/>
+                  <a:pt x="618468" y="0"/>
+                </a:cubicBezTo>
+                <a:cubicBezTo>
+                  <a:pt x="873781" y="-8568"/>
+                  <a:pt x="904459" y="-19505"/>
+                  <a:pt x="1171834" y="0"/>
+                </a:cubicBezTo>
+                <a:cubicBezTo>
+                  <a:pt x="1439209" y="19505"/>
+                  <a:pt x="1744369" y="9790"/>
+                  <a:pt x="1887955" y="0"/>
+                </a:cubicBezTo>
+                <a:cubicBezTo>
+                  <a:pt x="2031541" y="-9790"/>
+                  <a:pt x="2346378" y="21240"/>
+                  <a:pt x="2506423" y="0"/>
+                </a:cubicBezTo>
+                <a:cubicBezTo>
+                  <a:pt x="2666468" y="-21240"/>
+                  <a:pt x="2990257" y="30414"/>
+                  <a:pt x="3255095" y="0"/>
+                </a:cubicBezTo>
+                <a:cubicBezTo>
+                  <a:pt x="3254831" y="4493"/>
+                  <a:pt x="3255479" y="9472"/>
+                  <a:pt x="3255095" y="18288"/>
+                </a:cubicBezTo>
+                <a:cubicBezTo>
+                  <a:pt x="3120743" y="16690"/>
+                  <a:pt x="2759628" y="42462"/>
+                  <a:pt x="2604076" y="18288"/>
+                </a:cubicBezTo>
+                <a:cubicBezTo>
+                  <a:pt x="2448524" y="-5886"/>
+                  <a:pt x="2184336" y="19599"/>
+                  <a:pt x="1887955" y="18288"/>
+                </a:cubicBezTo>
+                <a:cubicBezTo>
+                  <a:pt x="1591574" y="16977"/>
+                  <a:pt x="1548845" y="6870"/>
+                  <a:pt x="1334589" y="18288"/>
+                </a:cubicBezTo>
+                <a:cubicBezTo>
+                  <a:pt x="1120333" y="29706"/>
+                  <a:pt x="996014" y="9662"/>
+                  <a:pt x="683570" y="18288"/>
+                </a:cubicBezTo>
+                <a:cubicBezTo>
+                  <a:pt x="371126" y="26914"/>
+                  <a:pt x="198687" y="16167"/>
                   <a:pt x="0" y="18288"/>
                 </a:cubicBezTo>
                 <a:cubicBezTo>
-                  <a:pt x="-643" y="9451"/>
-                  <a:pt x="-340" y="7114"/>
+                  <a:pt x="843" y="9577"/>
+                  <a:pt x="371" y="6900"/>
                   <a:pt x="0" y="0"/>
                 </a:cubicBezTo>
                 <a:close/>
@@ -10812,7 +12017,7 @@
           <a:solidFill>
             <a:schemeClr val="accent2"/>
           </a:solidFill>
-          <a:ln w="41275" cap="rnd">
+          <a:ln w="38100" cap="rnd">
             <a:solidFill>
               <a:schemeClr val="accent2"/>
             </a:solidFill>
@@ -10861,7 +12066,7 @@
           <p:cNvPr id="3" name="Content Placeholder 2">
             <a:extLst>
               <a:ext uri="{FF2B5EF4-FFF2-40B4-BE49-F238E27FC236}">
-                <a16:creationId xmlns:a16="http://schemas.microsoft.com/office/drawing/2014/main" id="{E1AD3A56-E26D-4B21-BB52-6EC513C9BCE5}"/>
+                <a16:creationId xmlns:a16="http://schemas.microsoft.com/office/drawing/2014/main" id="{BDB373C0-2DFE-4070-AE74-0E6979B27FF2}"/>
               </a:ext>
             </a:extLst>
           </p:cNvPr>
@@ -10874,72 +12079,88 @@
         </p:nvSpPr>
         <p:spPr>
           <a:xfrm>
-            <a:off x="4654295" y="502920"/>
-            <a:ext cx="6894576" cy="1463040"/>
+            <a:off x="6739128" y="2664886"/>
+            <a:ext cx="4818888" cy="3550789"/>
           </a:xfrm>
         </p:spPr>
         <p:txBody>
-          <a:bodyPr anchor="ctr">
+          <a:bodyPr anchor="t">
             <a:normAutofit/>
           </a:bodyPr>
           <a:lstStyle/>
           <a:p>
             <a:r>
-              <a:rPr lang="en-GB" sz="2200" dirty="0"/>
-              <a:t>With the Decision Tree and K-Nearest Neighbour showing 100% accuracy, I wanted to dig deeper into these results</a:t>
-            </a:r>
-          </a:p>
-          <a:p>
-            <a:endParaRPr lang="en-GB" sz="2200" dirty="0"/>
-          </a:p>
-        </p:txBody>
-      </p:sp>
-      <p:pic>
-        <p:nvPicPr>
-          <p:cNvPr id="6" name="Picture 5">
-            <a:extLst>
-              <a:ext uri="{FF2B5EF4-FFF2-40B4-BE49-F238E27FC236}">
-                <a16:creationId xmlns:a16="http://schemas.microsoft.com/office/drawing/2014/main" id="{9490FF09-E9B4-4598-84BA-7E368EA8F4BA}"/>
-              </a:ext>
-            </a:extLst>
-          </p:cNvPr>
-          <p:cNvPicPr>
-            <a:picLocks noChangeAspect="1"/>
-          </p:cNvPicPr>
+              <a:rPr lang="en-GB" sz="2000" dirty="0"/>
+              <a:t>Neural networks built using the </a:t>
+            </a:r>
+            <a:r>
+              <a:rPr lang="en-GB" sz="2000" dirty="0" err="1"/>
+              <a:t>Keras</a:t>
+            </a:r>
+            <a:r>
+              <a:rPr lang="en-GB" sz="2000" dirty="0"/>
+              <a:t> framework from TensorFlow</a:t>
+            </a:r>
+          </a:p>
+          <a:p>
+            <a:r>
+              <a:rPr lang="en-GB" sz="2000" dirty="0"/>
+              <a:t>Hyperparameters of a Dense network were tuned for the best Accuracy and Loss results</a:t>
+            </a:r>
+          </a:p>
+          <a:p>
+            <a:pPr lvl="1"/>
+            <a:r>
+              <a:rPr lang="en-GB" sz="2000" dirty="0"/>
+              <a:t>Number of layers and neurons</a:t>
+            </a:r>
+          </a:p>
+          <a:p>
+            <a:pPr lvl="1"/>
+            <a:r>
+              <a:rPr lang="en-GB" sz="2000" dirty="0"/>
+              <a:t>Learning rate</a:t>
+            </a:r>
+          </a:p>
+          <a:p>
+            <a:pPr lvl="1"/>
+            <a:r>
+              <a:rPr lang="en-GB" sz="2000" dirty="0"/>
+              <a:t>Batch size</a:t>
+            </a:r>
+          </a:p>
+          <a:p>
+            <a:pPr lvl="1"/>
+            <a:r>
+              <a:rPr lang="en-GB" sz="2000" dirty="0"/>
+              <a:t>Epochs</a:t>
+            </a:r>
+          </a:p>
+          <a:p>
+            <a:pPr lvl="1"/>
+            <a:r>
+              <a:rPr lang="en-GB" sz="2000" dirty="0"/>
+              <a:t>Optimisers</a:t>
+            </a:r>
+          </a:p>
+        </p:txBody>
+      </p:sp>
+      <p:sp>
+        <p:nvSpPr>
+          <p:cNvPr id="4" name="TextBox 3">
+            <a:extLst>
+              <a:ext uri="{FF2B5EF4-FFF2-40B4-BE49-F238E27FC236}">
+                <a16:creationId xmlns:a16="http://schemas.microsoft.com/office/drawing/2014/main" id="{4ADB1842-3D1F-14A4-A226-067E9C79113D}"/>
+              </a:ext>
+            </a:extLst>
+          </p:cNvPr>
+          <p:cNvSpPr txBox="1"/>
           <p:nvPr/>
-        </p:nvPicPr>
-        <p:blipFill>
-          <a:blip r:embed="rId2"/>
-          <a:stretch>
-            <a:fillRect/>
-          </a:stretch>
-        </p:blipFill>
+        </p:nvSpPr>
         <p:spPr>
           <a:xfrm>
-            <a:off x="2676669" y="2290936"/>
-            <a:ext cx="6826470" cy="3959352"/>
-          </a:xfrm>
-          <a:prstGeom prst="rect">
-            <a:avLst/>
-          </a:prstGeom>
-        </p:spPr>
-      </p:pic>
-      <p:sp>
-        <p:nvSpPr>
-          <p:cNvPr id="17" name="TextBox 16">
-            <a:extLst>
-              <a:ext uri="{FF2B5EF4-FFF2-40B4-BE49-F238E27FC236}">
-                <a16:creationId xmlns:a16="http://schemas.microsoft.com/office/drawing/2014/main" id="{6AB2D6C0-3266-41C2-857D-A277DA0E053C}"/>
-              </a:ext>
-            </a:extLst>
-          </p:cNvPr>
-          <p:cNvSpPr txBox="1"/>
-          <p:nvPr/>
-        </p:nvSpPr>
-        <p:spPr>
-          <a:xfrm>
-            <a:off x="11381173" y="6356412"/>
-            <a:ext cx="625492" cy="369332"/>
+            <a:off x="11459340" y="6493699"/>
+            <a:ext cx="479618" cy="276999"/>
           </a:xfrm>
           <a:prstGeom prst="rect">
             <a:avLst/>
@@ -10953,8 +12174,8 @@
           <a:lstStyle/>
           <a:p>
             <a:r>
-              <a:rPr lang="en-GB" dirty="0"/>
-              <a:t>8/12</a:t>
+              <a:rPr lang="en-GB" sz="1200" dirty="0"/>
+              <a:t>9/13</a:t>
             </a:r>
           </a:p>
         </p:txBody>
@@ -10962,7 +12183,7 @@
     </p:spTree>
     <p:extLst>
       <p:ext uri="{BB962C8B-B14F-4D97-AF65-F5344CB8AC3E}">
-        <p14:creationId xmlns:p14="http://schemas.microsoft.com/office/powerpoint/2010/main" val="2504711567"/>
+        <p14:creationId xmlns:p14="http://schemas.microsoft.com/office/powerpoint/2010/main" val="297348242"/>
       </p:ext>
     </p:extLst>
   </p:cSld>
